--- a/output/24.3.pptx
+++ b/output/24.3.pptx
@@ -5,37 +5,39 @@
     <p:sldMasterId id="2147483648" r:id="rId1"/>
   </p:sldMasterIdLst>
   <p:notesMasterIdLst>
-    <p:notesMasterId r:id="rId30"/>
+    <p:notesMasterId r:id="rId32"/>
   </p:notesMasterIdLst>
   <p:sldIdLst>
     <p:sldId id="259" r:id="rId2"/>
     <p:sldId id="258" r:id="rId3"/>
     <p:sldId id="257" r:id="rId4"/>
     <p:sldId id="297" r:id="rId5"/>
-    <p:sldId id="298" r:id="rId6"/>
-    <p:sldId id="299" r:id="rId7"/>
-    <p:sldId id="300" r:id="rId8"/>
-    <p:sldId id="301" r:id="rId9"/>
-    <p:sldId id="302" r:id="rId10"/>
-    <p:sldId id="303" r:id="rId11"/>
-    <p:sldId id="305" r:id="rId12"/>
-    <p:sldId id="304" r:id="rId13"/>
-    <p:sldId id="306" r:id="rId14"/>
-    <p:sldId id="307" r:id="rId15"/>
-    <p:sldId id="308" r:id="rId16"/>
-    <p:sldId id="309" r:id="rId17"/>
-    <p:sldId id="310" r:id="rId18"/>
-    <p:sldId id="311" r:id="rId19"/>
-    <p:sldId id="312" r:id="rId20"/>
-    <p:sldId id="281" r:id="rId21"/>
-    <p:sldId id="282" r:id="rId22"/>
-    <p:sldId id="284" r:id="rId23"/>
-    <p:sldId id="286" r:id="rId24"/>
-    <p:sldId id="288" r:id="rId25"/>
-    <p:sldId id="290" r:id="rId26"/>
-    <p:sldId id="295" r:id="rId27"/>
-    <p:sldId id="292" r:id="rId28"/>
-    <p:sldId id="296" r:id="rId29"/>
+    <p:sldId id="313" r:id="rId6"/>
+    <p:sldId id="298" r:id="rId7"/>
+    <p:sldId id="314" r:id="rId8"/>
+    <p:sldId id="299" r:id="rId9"/>
+    <p:sldId id="300" r:id="rId10"/>
+    <p:sldId id="301" r:id="rId11"/>
+    <p:sldId id="302" r:id="rId12"/>
+    <p:sldId id="303" r:id="rId13"/>
+    <p:sldId id="305" r:id="rId14"/>
+    <p:sldId id="304" r:id="rId15"/>
+    <p:sldId id="306" r:id="rId16"/>
+    <p:sldId id="307" r:id="rId17"/>
+    <p:sldId id="308" r:id="rId18"/>
+    <p:sldId id="309" r:id="rId19"/>
+    <p:sldId id="310" r:id="rId20"/>
+    <p:sldId id="311" r:id="rId21"/>
+    <p:sldId id="312" r:id="rId22"/>
+    <p:sldId id="281" r:id="rId23"/>
+    <p:sldId id="282" r:id="rId24"/>
+    <p:sldId id="284" r:id="rId25"/>
+    <p:sldId id="286" r:id="rId26"/>
+    <p:sldId id="288" r:id="rId27"/>
+    <p:sldId id="290" r:id="rId28"/>
+    <p:sldId id="295" r:id="rId29"/>
+    <p:sldId id="292" r:id="rId30"/>
+    <p:sldId id="296" r:id="rId31"/>
   </p:sldIdLst>
   <p:sldSz cx="12192000" cy="6858000"/>
   <p:notesSz cx="6858000" cy="9144000"/>
@@ -3917,6 +3919,226 @@
           <p:cNvPr id="2" name="Title 1">
             <a:extLst>
               <a:ext uri="{FF2B5EF4-FFF2-40B4-BE49-F238E27FC236}">
+                <a16:creationId xmlns:a16="http://schemas.microsoft.com/office/drawing/2014/main" id="{ED092845-2229-0B25-84AB-395CB98A88DF}"/>
+              </a:ext>
+            </a:extLst>
+          </p:cNvPr>
+          <p:cNvSpPr>
+            <a:spLocks noGrp="1"/>
+          </p:cNvSpPr>
+          <p:nvPr>
+            <p:ph type="title"/>
+          </p:nvPr>
+        </p:nvSpPr>
+        <p:spPr/>
+        <p:txBody>
+          <a:bodyPr/>
+          <a:lstStyle/>
+          <a:p>
+            <a:endParaRPr lang="en-GB"/>
+          </a:p>
+        </p:txBody>
+      </p:sp>
+      <p:sp>
+        <p:nvSpPr>
+          <p:cNvPr id="3" name="Content Placeholder 2">
+            <a:extLst>
+              <a:ext uri="{FF2B5EF4-FFF2-40B4-BE49-F238E27FC236}">
+                <a16:creationId xmlns:a16="http://schemas.microsoft.com/office/drawing/2014/main" id="{A32E82B0-8E61-7152-5162-F2077A6D64B6}"/>
+              </a:ext>
+            </a:extLst>
+          </p:cNvPr>
+          <p:cNvSpPr>
+            <a:spLocks noGrp="1"/>
+          </p:cNvSpPr>
+          <p:nvPr>
+            <p:ph idx="1"/>
+          </p:nvPr>
+        </p:nvSpPr>
+        <p:spPr/>
+        <p:txBody>
+          <a:bodyPr/>
+          <a:lstStyle/>
+          <a:p>
+            <a:endParaRPr lang="en-GB"/>
+          </a:p>
+        </p:txBody>
+      </p:sp>
+      <p:pic>
+        <p:nvPicPr>
+          <p:cNvPr id="7" name="Picture 6">
+            <a:extLst>
+              <a:ext uri="{FF2B5EF4-FFF2-40B4-BE49-F238E27FC236}">
+                <a16:creationId xmlns:a16="http://schemas.microsoft.com/office/drawing/2014/main" id="{176CF69D-6931-07C9-ACE1-701816D99C87}"/>
+              </a:ext>
+            </a:extLst>
+          </p:cNvPr>
+          <p:cNvPicPr>
+            <a:picLocks noChangeAspect="1"/>
+          </p:cNvPicPr>
+          <p:nvPr/>
+        </p:nvPicPr>
+        <p:blipFill>
+          <a:blip r:embed="rId2"/>
+          <a:stretch>
+            <a:fillRect/>
+          </a:stretch>
+        </p:blipFill>
+        <p:spPr>
+          <a:xfrm>
+            <a:off x="1764174" y="0"/>
+            <a:ext cx="8663651" cy="6858000"/>
+          </a:xfrm>
+          <a:prstGeom prst="rect">
+            <a:avLst/>
+          </a:prstGeom>
+        </p:spPr>
+      </p:pic>
+    </p:spTree>
+    <p:extLst>
+      <p:ext uri="{BB962C8B-B14F-4D97-AF65-F5344CB8AC3E}">
+        <p14:creationId xmlns:p14="http://schemas.microsoft.com/office/powerpoint/2010/main" val="2840726318"/>
+      </p:ext>
+    </p:extLst>
+  </p:cSld>
+  <p:clrMapOvr>
+    <a:masterClrMapping/>
+  </p:clrMapOvr>
+</p:sld>
+</file>
+
+<file path=ppt/slides/slide11.xml><?xml version="1.0" encoding="utf-8"?>
+<p:sld xmlns:a="http://schemas.openxmlformats.org/drawingml/2006/main" xmlns:r="http://schemas.openxmlformats.org/officeDocument/2006/relationships" xmlns:p="http://schemas.openxmlformats.org/presentationml/2006/main">
+  <p:cSld>
+    <p:spTree>
+      <p:nvGrpSpPr>
+        <p:cNvPr id="1" name=""/>
+        <p:cNvGrpSpPr/>
+        <p:nvPr/>
+      </p:nvGrpSpPr>
+      <p:grpSpPr>
+        <a:xfrm>
+          <a:off x="0" y="0"/>
+          <a:ext cx="0" cy="0"/>
+          <a:chOff x="0" y="0"/>
+          <a:chExt cx="0" cy="0"/>
+        </a:xfrm>
+      </p:grpSpPr>
+      <p:sp>
+        <p:nvSpPr>
+          <p:cNvPr id="2" name="Title 1">
+            <a:extLst>
+              <a:ext uri="{FF2B5EF4-FFF2-40B4-BE49-F238E27FC236}">
+                <a16:creationId xmlns:a16="http://schemas.microsoft.com/office/drawing/2014/main" id="{A2EA658C-2368-A4B6-15E4-5FA9A774FEAD}"/>
+              </a:ext>
+            </a:extLst>
+          </p:cNvPr>
+          <p:cNvSpPr>
+            <a:spLocks noGrp="1"/>
+          </p:cNvSpPr>
+          <p:nvPr>
+            <p:ph type="title"/>
+          </p:nvPr>
+        </p:nvSpPr>
+        <p:spPr/>
+        <p:txBody>
+          <a:bodyPr/>
+          <a:lstStyle/>
+          <a:p>
+            <a:endParaRPr lang="en-GB"/>
+          </a:p>
+        </p:txBody>
+      </p:sp>
+      <p:sp>
+        <p:nvSpPr>
+          <p:cNvPr id="3" name="Content Placeholder 2">
+            <a:extLst>
+              <a:ext uri="{FF2B5EF4-FFF2-40B4-BE49-F238E27FC236}">
+                <a16:creationId xmlns:a16="http://schemas.microsoft.com/office/drawing/2014/main" id="{E5A1D9DE-5493-CAAC-CA58-22CEFF4A99E9}"/>
+              </a:ext>
+            </a:extLst>
+          </p:cNvPr>
+          <p:cNvSpPr>
+            <a:spLocks noGrp="1"/>
+          </p:cNvSpPr>
+          <p:nvPr>
+            <p:ph idx="1"/>
+          </p:nvPr>
+        </p:nvSpPr>
+        <p:spPr/>
+        <p:txBody>
+          <a:bodyPr/>
+          <a:lstStyle/>
+          <a:p>
+            <a:endParaRPr lang="en-GB" dirty="0"/>
+          </a:p>
+        </p:txBody>
+      </p:sp>
+      <p:pic>
+        <p:nvPicPr>
+          <p:cNvPr id="5" name="Picture 4">
+            <a:extLst>
+              <a:ext uri="{FF2B5EF4-FFF2-40B4-BE49-F238E27FC236}">
+                <a16:creationId xmlns:a16="http://schemas.microsoft.com/office/drawing/2014/main" id="{9E6D8B62-3D4A-BF2E-30EC-83C2ACD5183C}"/>
+              </a:ext>
+            </a:extLst>
+          </p:cNvPr>
+          <p:cNvPicPr>
+            <a:picLocks noChangeAspect="1"/>
+          </p:cNvPicPr>
+          <p:nvPr/>
+        </p:nvPicPr>
+        <p:blipFill>
+          <a:blip r:embed="rId2"/>
+          <a:stretch>
+            <a:fillRect/>
+          </a:stretch>
+        </p:blipFill>
+        <p:spPr>
+          <a:xfrm>
+            <a:off x="0" y="246944"/>
+            <a:ext cx="12192000" cy="6364111"/>
+          </a:xfrm>
+          <a:prstGeom prst="rect">
+            <a:avLst/>
+          </a:prstGeom>
+        </p:spPr>
+      </p:pic>
+    </p:spTree>
+    <p:extLst>
+      <p:ext uri="{BB962C8B-B14F-4D97-AF65-F5344CB8AC3E}">
+        <p14:creationId xmlns:p14="http://schemas.microsoft.com/office/powerpoint/2010/main" val="401978217"/>
+      </p:ext>
+    </p:extLst>
+  </p:cSld>
+  <p:clrMapOvr>
+    <a:masterClrMapping/>
+  </p:clrMapOvr>
+</p:sld>
+</file>
+
+<file path=ppt/slides/slide12.xml><?xml version="1.0" encoding="utf-8"?>
+<p:sld xmlns:a="http://schemas.openxmlformats.org/drawingml/2006/main" xmlns:r="http://schemas.openxmlformats.org/officeDocument/2006/relationships" xmlns:p="http://schemas.openxmlformats.org/presentationml/2006/main">
+  <p:cSld>
+    <p:spTree>
+      <p:nvGrpSpPr>
+        <p:cNvPr id="1" name=""/>
+        <p:cNvGrpSpPr/>
+        <p:nvPr/>
+      </p:nvGrpSpPr>
+      <p:grpSpPr>
+        <a:xfrm>
+          <a:off x="0" y="0"/>
+          <a:ext cx="0" cy="0"/>
+          <a:chOff x="0" y="0"/>
+          <a:chExt cx="0" cy="0"/>
+        </a:xfrm>
+      </p:grpSpPr>
+      <p:sp>
+        <p:nvSpPr>
+          <p:cNvPr id="2" name="Title 1">
+            <a:extLst>
+              <a:ext uri="{FF2B5EF4-FFF2-40B4-BE49-F238E27FC236}">
                 <a16:creationId xmlns:a16="http://schemas.microsoft.com/office/drawing/2014/main" id="{AA9F976D-94A9-A848-5AD7-965B93C0C20E}"/>
               </a:ext>
             </a:extLst>
@@ -4005,7 +4227,7 @@
 </p:sld>
 </file>
 
-<file path=ppt/slides/slide11.xml><?xml version="1.0" encoding="utf-8"?>
+<file path=ppt/slides/slide13.xml><?xml version="1.0" encoding="utf-8"?>
 <p:sld xmlns:a="http://schemas.openxmlformats.org/drawingml/2006/main" xmlns:r="http://schemas.openxmlformats.org/officeDocument/2006/relationships" xmlns:p="http://schemas.openxmlformats.org/presentationml/2006/main">
   <p:cSld>
     <p:spTree>
@@ -4115,7 +4337,7 @@
 </p:sld>
 </file>
 
-<file path=ppt/slides/slide12.xml><?xml version="1.0" encoding="utf-8"?>
+<file path=ppt/slides/slide14.xml><?xml version="1.0" encoding="utf-8"?>
 <p:sld xmlns:a="http://schemas.openxmlformats.org/drawingml/2006/main" xmlns:r="http://schemas.openxmlformats.org/officeDocument/2006/relationships" xmlns:p="http://schemas.openxmlformats.org/presentationml/2006/main">
   <p:cSld>
     <p:spTree>
@@ -4225,7 +4447,7 @@
 </p:sld>
 </file>
 
-<file path=ppt/slides/slide13.xml><?xml version="1.0" encoding="utf-8"?>
+<file path=ppt/slides/slide15.xml><?xml version="1.0" encoding="utf-8"?>
 <p:sld xmlns:a="http://schemas.openxmlformats.org/drawingml/2006/main" xmlns:r="http://schemas.openxmlformats.org/officeDocument/2006/relationships" xmlns:p="http://schemas.openxmlformats.org/presentationml/2006/main">
   <p:cSld>
     <p:spTree>
@@ -4335,7 +4557,7 @@
 </p:sld>
 </file>
 
-<file path=ppt/slides/slide14.xml><?xml version="1.0" encoding="utf-8"?>
+<file path=ppt/slides/slide16.xml><?xml version="1.0" encoding="utf-8"?>
 <p:sld xmlns:a="http://schemas.openxmlformats.org/drawingml/2006/main" xmlns:r="http://schemas.openxmlformats.org/officeDocument/2006/relationships" xmlns:p="http://schemas.openxmlformats.org/presentationml/2006/main">
   <p:cSld>
     <p:spTree>
@@ -4445,7 +4667,7 @@
 </p:sld>
 </file>
 
-<file path=ppt/slides/slide15.xml><?xml version="1.0" encoding="utf-8"?>
+<file path=ppt/slides/slide17.xml><?xml version="1.0" encoding="utf-8"?>
 <p:sld xmlns:a="http://schemas.openxmlformats.org/drawingml/2006/main" xmlns:r="http://schemas.openxmlformats.org/officeDocument/2006/relationships" xmlns:p="http://schemas.openxmlformats.org/presentationml/2006/main">
   <p:cSld>
     <p:spTree>
@@ -4555,7 +4777,7 @@
 </p:sld>
 </file>
 
-<file path=ppt/slides/slide16.xml><?xml version="1.0" encoding="utf-8"?>
+<file path=ppt/slides/slide18.xml><?xml version="1.0" encoding="utf-8"?>
 <p:sld xmlns:a="http://schemas.openxmlformats.org/drawingml/2006/main" xmlns:r="http://schemas.openxmlformats.org/officeDocument/2006/relationships" xmlns:p="http://schemas.openxmlformats.org/presentationml/2006/main">
   <p:cSld>
     <p:spTree>
@@ -4665,7 +4887,7 @@
 </p:sld>
 </file>
 
-<file path=ppt/slides/slide17.xml><?xml version="1.0" encoding="utf-8"?>
+<file path=ppt/slides/slide19.xml><?xml version="1.0" encoding="utf-8"?>
 <p:sld xmlns:a="http://schemas.openxmlformats.org/drawingml/2006/main" xmlns:r="http://schemas.openxmlformats.org/officeDocument/2006/relationships" xmlns:p="http://schemas.openxmlformats.org/presentationml/2006/main">
   <p:cSld>
     <p:spTree>
@@ -4775,7 +4997,3211 @@
 </p:sld>
 </file>
 
-<file path=ppt/slides/slide18.xml><?xml version="1.0" encoding="utf-8"?>
+<file path=ppt/slides/slide2.xml><?xml version="1.0" encoding="utf-8"?>
+<p:sld xmlns:a="http://schemas.openxmlformats.org/drawingml/2006/main" xmlns:r="http://schemas.openxmlformats.org/officeDocument/2006/relationships" xmlns:p="http://schemas.openxmlformats.org/presentationml/2006/main">
+  <p:cSld>
+    <p:spTree>
+      <p:nvGrpSpPr>
+        <p:cNvPr id="1" name=""/>
+        <p:cNvGrpSpPr/>
+        <p:nvPr/>
+      </p:nvGrpSpPr>
+      <p:grpSpPr>
+        <a:xfrm>
+          <a:off x="0" y="0"/>
+          <a:ext cx="0" cy="0"/>
+          <a:chOff x="0" y="0"/>
+          <a:chExt cx="0" cy="0"/>
+        </a:xfrm>
+      </p:grpSpPr>
+      <p:graphicFrame>
+        <p:nvGraphicFramePr>
+          <p:cNvPr id="4" name="Table 3">
+            <a:extLst>
+              <a:ext uri="{FF2B5EF4-FFF2-40B4-BE49-F238E27FC236}">
+                <a16:creationId xmlns:a16="http://schemas.microsoft.com/office/drawing/2014/main" id="{C30731D1-7262-3ED2-042A-CA1ED1977D15}"/>
+              </a:ext>
+            </a:extLst>
+          </p:cNvPr>
+          <p:cNvGraphicFramePr>
+            <a:graphicFrameLocks noGrp="1"/>
+          </p:cNvGraphicFramePr>
+          <p:nvPr>
+            <p:extLst>
+              <p:ext uri="{D42A27DB-BD31-4B8C-83A1-F6EECF244321}">
+                <p14:modId xmlns:p14="http://schemas.microsoft.com/office/powerpoint/2010/main" val="3177906454"/>
+              </p:ext>
+            </p:extLst>
+          </p:nvPr>
+        </p:nvGraphicFramePr>
+        <p:xfrm>
+          <a:off x="275302" y="61943"/>
+          <a:ext cx="11602064" cy="6680467"/>
+        </p:xfrm>
+        <a:graphic>
+          <a:graphicData uri="http://schemas.openxmlformats.org/drawingml/2006/table">
+            <a:tbl>
+              <a:tblPr firstRow="1" bandRow="1">
+                <a:tableStyleId>{5C22544A-7EE6-4342-B048-85BDC9FD1C3A}</a:tableStyleId>
+              </a:tblPr>
+              <a:tblGrid>
+                <a:gridCol w="1904018">
+                  <a:extLst>
+                    <a:ext uri="{9D8B030D-6E8A-4147-A177-3AD203B41FA5}">
+                      <a16:colId xmlns:a16="http://schemas.microsoft.com/office/drawing/2014/main" val="565729266"/>
+                    </a:ext>
+                  </a:extLst>
+                </a:gridCol>
+                <a:gridCol w="1920240">
+                  <a:extLst>
+                    <a:ext uri="{9D8B030D-6E8A-4147-A177-3AD203B41FA5}">
+                      <a16:colId xmlns:a16="http://schemas.microsoft.com/office/drawing/2014/main" val="3317822547"/>
+                    </a:ext>
+                  </a:extLst>
+                </a:gridCol>
+                <a:gridCol w="3185160">
+                  <a:extLst>
+                    <a:ext uri="{9D8B030D-6E8A-4147-A177-3AD203B41FA5}">
+                      <a16:colId xmlns:a16="http://schemas.microsoft.com/office/drawing/2014/main" val="3461427292"/>
+                    </a:ext>
+                  </a:extLst>
+                </a:gridCol>
+                <a:gridCol w="4592646">
+                  <a:extLst>
+                    <a:ext uri="{9D8B030D-6E8A-4147-A177-3AD203B41FA5}">
+                      <a16:colId xmlns:a16="http://schemas.microsoft.com/office/drawing/2014/main" val="2072230529"/>
+                    </a:ext>
+                  </a:extLst>
+                </a:gridCol>
+              </a:tblGrid>
+              <a:tr h="444901">
+                <a:tc>
+                  <a:txBody>
+                    <a:bodyPr/>
+                    <a:lstStyle/>
+                    <a:p>
+                      <a:r>
+                        <a:rPr lang="en-GB" sz="1600" dirty="0">
+                          <a:solidFill>
+                            <a:sysClr val="windowText" lastClr="000000"/>
+                          </a:solidFill>
+                        </a:rPr>
+                        <a:t>Variables</a:t>
+                      </a:r>
+                    </a:p>
+                  </a:txBody>
+                  <a:tcPr>
+                    <a:lnL w="12700" cap="flat" cmpd="sng" algn="ctr">
+                      <a:solidFill>
+                        <a:schemeClr val="tx1"/>
+                      </a:solidFill>
+                      <a:prstDash val="solid"/>
+                      <a:round/>
+                      <a:headEnd type="none" w="med" len="med"/>
+                      <a:tailEnd type="none" w="med" len="med"/>
+                    </a:lnL>
+                    <a:lnR w="12700" cap="flat" cmpd="sng" algn="ctr">
+                      <a:solidFill>
+                        <a:schemeClr val="tx1"/>
+                      </a:solidFill>
+                      <a:prstDash val="solid"/>
+                      <a:round/>
+                      <a:headEnd type="none" w="med" len="med"/>
+                      <a:tailEnd type="none" w="med" len="med"/>
+                    </a:lnR>
+                    <a:lnT w="12700" cap="flat" cmpd="sng" algn="ctr">
+                      <a:solidFill>
+                        <a:schemeClr val="tx1"/>
+                      </a:solidFill>
+                      <a:prstDash val="solid"/>
+                      <a:round/>
+                      <a:headEnd type="none" w="med" len="med"/>
+                      <a:tailEnd type="none" w="med" len="med"/>
+                    </a:lnT>
+                    <a:lnB w="12700" cap="flat" cmpd="sng" algn="ctr">
+                      <a:solidFill>
+                        <a:schemeClr val="tx1"/>
+                      </a:solidFill>
+                      <a:prstDash val="solid"/>
+                      <a:round/>
+                      <a:headEnd type="none" w="med" len="med"/>
+                      <a:tailEnd type="none" w="med" len="med"/>
+                    </a:lnB>
+                    <a:solidFill>
+                      <a:schemeClr val="bg1"/>
+                    </a:solidFill>
+                  </a:tcPr>
+                </a:tc>
+                <a:tc>
+                  <a:txBody>
+                    <a:bodyPr/>
+                    <a:lstStyle/>
+                    <a:p>
+                      <a:r>
+                        <a:rPr lang="en-GB" sz="1600" dirty="0">
+                          <a:solidFill>
+                            <a:sysClr val="windowText" lastClr="000000"/>
+                          </a:solidFill>
+                        </a:rPr>
+                        <a:t>Ranking for </a:t>
+                      </a:r>
+                      <a:r>
+                        <a:rPr lang="en-GB" sz="1600" dirty="0" err="1">
+                          <a:solidFill>
+                            <a:sysClr val="windowText" lastClr="000000"/>
+                          </a:solidFill>
+                        </a:rPr>
+                        <a:t>lmer</a:t>
+                      </a:r>
+                      <a:endParaRPr lang="en-GB" sz="1600" dirty="0">
+                        <a:solidFill>
+                          <a:sysClr val="windowText" lastClr="000000"/>
+                        </a:solidFill>
+                      </a:endParaRPr>
+                    </a:p>
+                  </a:txBody>
+                  <a:tcPr>
+                    <a:lnL w="12700" cap="flat" cmpd="sng" algn="ctr">
+                      <a:solidFill>
+                        <a:schemeClr val="tx1"/>
+                      </a:solidFill>
+                      <a:prstDash val="solid"/>
+                      <a:round/>
+                      <a:headEnd type="none" w="med" len="med"/>
+                      <a:tailEnd type="none" w="med" len="med"/>
+                    </a:lnL>
+                    <a:lnR w="12700" cap="flat" cmpd="sng" algn="ctr">
+                      <a:solidFill>
+                        <a:schemeClr val="tx1"/>
+                      </a:solidFill>
+                      <a:prstDash val="solid"/>
+                      <a:round/>
+                      <a:headEnd type="none" w="med" len="med"/>
+                      <a:tailEnd type="none" w="med" len="med"/>
+                    </a:lnR>
+                    <a:lnT w="12700" cap="flat" cmpd="sng" algn="ctr">
+                      <a:solidFill>
+                        <a:schemeClr val="tx1"/>
+                      </a:solidFill>
+                      <a:prstDash val="solid"/>
+                      <a:round/>
+                      <a:headEnd type="none" w="med" len="med"/>
+                      <a:tailEnd type="none" w="med" len="med"/>
+                    </a:lnT>
+                    <a:lnB w="12700" cap="flat" cmpd="sng" algn="ctr">
+                      <a:solidFill>
+                        <a:schemeClr val="tx1"/>
+                      </a:solidFill>
+                      <a:prstDash val="solid"/>
+                      <a:round/>
+                      <a:headEnd type="none" w="med" len="med"/>
+                      <a:tailEnd type="none" w="med" len="med"/>
+                    </a:lnB>
+                    <a:solidFill>
+                      <a:schemeClr val="bg1"/>
+                    </a:solidFill>
+                  </a:tcPr>
+                </a:tc>
+                <a:tc>
+                  <a:txBody>
+                    <a:bodyPr/>
+                    <a:lstStyle/>
+                    <a:p>
+                      <a:r>
+                        <a:rPr lang="en-GB" sz="1600" dirty="0">
+                          <a:solidFill>
+                            <a:sysClr val="windowText" lastClr="000000"/>
+                          </a:solidFill>
+                        </a:rPr>
+                        <a:t>References</a:t>
+                      </a:r>
+                    </a:p>
+                  </a:txBody>
+                  <a:tcPr>
+                    <a:lnL w="12700" cap="flat" cmpd="sng" algn="ctr">
+                      <a:solidFill>
+                        <a:schemeClr val="tx1"/>
+                      </a:solidFill>
+                      <a:prstDash val="solid"/>
+                      <a:round/>
+                      <a:headEnd type="none" w="med" len="med"/>
+                      <a:tailEnd type="none" w="med" len="med"/>
+                    </a:lnL>
+                    <a:lnR w="12700" cap="flat" cmpd="sng" algn="ctr">
+                      <a:solidFill>
+                        <a:schemeClr val="tx1"/>
+                      </a:solidFill>
+                      <a:prstDash val="solid"/>
+                      <a:round/>
+                      <a:headEnd type="none" w="med" len="med"/>
+                      <a:tailEnd type="none" w="med" len="med"/>
+                    </a:lnR>
+                    <a:lnT w="12700" cap="flat" cmpd="sng" algn="ctr">
+                      <a:solidFill>
+                        <a:schemeClr val="tx1"/>
+                      </a:solidFill>
+                      <a:prstDash val="solid"/>
+                      <a:round/>
+                      <a:headEnd type="none" w="med" len="med"/>
+                      <a:tailEnd type="none" w="med" len="med"/>
+                    </a:lnT>
+                    <a:lnB w="12700" cap="flat" cmpd="sng" algn="ctr">
+                      <a:solidFill>
+                        <a:schemeClr val="tx1"/>
+                      </a:solidFill>
+                      <a:prstDash val="solid"/>
+                      <a:round/>
+                      <a:headEnd type="none" w="med" len="med"/>
+                      <a:tailEnd type="none" w="med" len="med"/>
+                    </a:lnB>
+                    <a:solidFill>
+                      <a:schemeClr val="bg1"/>
+                    </a:solidFill>
+                  </a:tcPr>
+                </a:tc>
+                <a:tc>
+                  <a:txBody>
+                    <a:bodyPr/>
+                    <a:lstStyle/>
+                    <a:p>
+                      <a:r>
+                        <a:rPr lang="en-GB" sz="1600" dirty="0">
+                          <a:solidFill>
+                            <a:sysClr val="windowText" lastClr="000000"/>
+                          </a:solidFill>
+                        </a:rPr>
+                        <a:t>Notes</a:t>
+                      </a:r>
+                    </a:p>
+                  </a:txBody>
+                  <a:tcPr>
+                    <a:lnL w="12700" cap="flat" cmpd="sng" algn="ctr">
+                      <a:solidFill>
+                        <a:schemeClr val="tx1"/>
+                      </a:solidFill>
+                      <a:prstDash val="solid"/>
+                      <a:round/>
+                      <a:headEnd type="none" w="med" len="med"/>
+                      <a:tailEnd type="none" w="med" len="med"/>
+                    </a:lnL>
+                    <a:lnR w="12700" cap="flat" cmpd="sng" algn="ctr">
+                      <a:solidFill>
+                        <a:schemeClr val="tx1"/>
+                      </a:solidFill>
+                      <a:prstDash val="solid"/>
+                      <a:round/>
+                      <a:headEnd type="none" w="med" len="med"/>
+                      <a:tailEnd type="none" w="med" len="med"/>
+                    </a:lnR>
+                    <a:lnT w="12700" cap="flat" cmpd="sng" algn="ctr">
+                      <a:solidFill>
+                        <a:schemeClr val="tx1"/>
+                      </a:solidFill>
+                      <a:prstDash val="solid"/>
+                      <a:round/>
+                      <a:headEnd type="none" w="med" len="med"/>
+                      <a:tailEnd type="none" w="med" len="med"/>
+                    </a:lnT>
+                    <a:lnB w="12700" cap="flat" cmpd="sng" algn="ctr">
+                      <a:solidFill>
+                        <a:schemeClr val="tx1"/>
+                      </a:solidFill>
+                      <a:prstDash val="solid"/>
+                      <a:round/>
+                      <a:headEnd type="none" w="med" len="med"/>
+                      <a:tailEnd type="none" w="med" len="med"/>
+                    </a:lnB>
+                    <a:solidFill>
+                      <a:schemeClr val="bg1"/>
+                    </a:solidFill>
+                  </a:tcPr>
+                </a:tc>
+                <a:extLst>
+                  <a:ext uri="{0D108BD9-81ED-4DB2-BD59-A6C34878D82A}">
+                    <a16:rowId xmlns:a16="http://schemas.microsoft.com/office/drawing/2014/main" val="2658972568"/>
+                  </a:ext>
+                </a:extLst>
+              </a:tr>
+              <a:tr h="444901">
+                <a:tc>
+                  <a:txBody>
+                    <a:bodyPr/>
+                    <a:lstStyle/>
+                    <a:p>
+                      <a:r>
+                        <a:rPr lang="en-GB" sz="1200" dirty="0">
+                          <a:solidFill>
+                            <a:sysClr val="windowText" lastClr="000000"/>
+                          </a:solidFill>
+                        </a:rPr>
+                        <a:t>SRP</a:t>
+                      </a:r>
+                    </a:p>
+                  </a:txBody>
+                  <a:tcPr>
+                    <a:lnL w="12700" cap="flat" cmpd="sng" algn="ctr">
+                      <a:solidFill>
+                        <a:schemeClr val="tx1"/>
+                      </a:solidFill>
+                      <a:prstDash val="solid"/>
+                      <a:round/>
+                      <a:headEnd type="none" w="med" len="med"/>
+                      <a:tailEnd type="none" w="med" len="med"/>
+                    </a:lnL>
+                    <a:lnR w="12700" cap="flat" cmpd="sng" algn="ctr">
+                      <a:solidFill>
+                        <a:schemeClr val="tx1"/>
+                      </a:solidFill>
+                      <a:prstDash val="solid"/>
+                      <a:round/>
+                      <a:headEnd type="none" w="med" len="med"/>
+                      <a:tailEnd type="none" w="med" len="med"/>
+                    </a:lnR>
+                    <a:lnT w="12700" cap="flat" cmpd="sng" algn="ctr">
+                      <a:solidFill>
+                        <a:schemeClr val="tx1"/>
+                      </a:solidFill>
+                      <a:prstDash val="solid"/>
+                      <a:round/>
+                      <a:headEnd type="none" w="med" len="med"/>
+                      <a:tailEnd type="none" w="med" len="med"/>
+                    </a:lnT>
+                    <a:lnB w="12700" cap="flat" cmpd="sng" algn="ctr">
+                      <a:solidFill>
+                        <a:schemeClr val="tx1"/>
+                      </a:solidFill>
+                      <a:prstDash val="solid"/>
+                      <a:round/>
+                      <a:headEnd type="none" w="med" len="med"/>
+                      <a:tailEnd type="none" w="med" len="med"/>
+                    </a:lnB>
+                    <a:solidFill>
+                      <a:schemeClr val="bg1"/>
+                    </a:solidFill>
+                  </a:tcPr>
+                </a:tc>
+                <a:tc>
+                  <a:txBody>
+                    <a:bodyPr/>
+                    <a:lstStyle/>
+                    <a:p>
+                      <a:r>
+                        <a:rPr lang="en-GB" sz="1200" dirty="0">
+                          <a:solidFill>
+                            <a:sysClr val="windowText" lastClr="000000"/>
+                          </a:solidFill>
+                        </a:rPr>
+                        <a:t>1</a:t>
+                      </a:r>
+                    </a:p>
+                  </a:txBody>
+                  <a:tcPr>
+                    <a:lnL w="12700" cap="flat" cmpd="sng" algn="ctr">
+                      <a:solidFill>
+                        <a:schemeClr val="tx1"/>
+                      </a:solidFill>
+                      <a:prstDash val="solid"/>
+                      <a:round/>
+                      <a:headEnd type="none" w="med" len="med"/>
+                      <a:tailEnd type="none" w="med" len="med"/>
+                    </a:lnL>
+                    <a:lnR w="12700" cap="flat" cmpd="sng" algn="ctr">
+                      <a:solidFill>
+                        <a:schemeClr val="tx1"/>
+                      </a:solidFill>
+                      <a:prstDash val="solid"/>
+                      <a:round/>
+                      <a:headEnd type="none" w="med" len="med"/>
+                      <a:tailEnd type="none" w="med" len="med"/>
+                    </a:lnR>
+                    <a:lnT w="12700" cap="flat" cmpd="sng" algn="ctr">
+                      <a:solidFill>
+                        <a:schemeClr val="tx1"/>
+                      </a:solidFill>
+                      <a:prstDash val="solid"/>
+                      <a:round/>
+                      <a:headEnd type="none" w="med" len="med"/>
+                      <a:tailEnd type="none" w="med" len="med"/>
+                    </a:lnT>
+                    <a:lnB w="12700" cap="flat" cmpd="sng" algn="ctr">
+                      <a:solidFill>
+                        <a:schemeClr val="tx1"/>
+                      </a:solidFill>
+                      <a:prstDash val="solid"/>
+                      <a:round/>
+                      <a:headEnd type="none" w="med" len="med"/>
+                      <a:tailEnd type="none" w="med" len="med"/>
+                    </a:lnB>
+                    <a:solidFill>
+                      <a:schemeClr val="bg1"/>
+                    </a:solidFill>
+                  </a:tcPr>
+                </a:tc>
+                <a:tc>
+                  <a:txBody>
+                    <a:bodyPr/>
+                    <a:lstStyle/>
+                    <a:p>
+                      <a:r>
+                        <a:rPr lang="en-GB" sz="1200" dirty="0">
+                          <a:solidFill>
+                            <a:sysClr val="windowText" lastClr="000000"/>
+                          </a:solidFill>
+                        </a:rPr>
+                        <a:t>10.1007/s10750-011-0923-x</a:t>
+                      </a:r>
+                    </a:p>
+                    <a:p>
+                      <a:r>
+                        <a:rPr lang="en-GB" sz="1200" dirty="0">
+                          <a:solidFill>
+                            <a:sysClr val="windowText" lastClr="000000"/>
+                          </a:solidFill>
+                        </a:rPr>
+                        <a:t>10.1111/j.1365-2427.2007.01865.x</a:t>
+                      </a:r>
+                    </a:p>
+                    <a:p>
+                      <a:r>
+                        <a:rPr lang="en-GB" sz="1200" dirty="0">
+                          <a:solidFill>
+                            <a:sysClr val="windowText" lastClr="000000"/>
+                          </a:solidFill>
+                        </a:rPr>
+                        <a:t>10.1080/20442041.2020.1827891</a:t>
+                      </a:r>
+                    </a:p>
+                    <a:p>
+                      <a:pPr marL="0" marR="0" lvl="0" indent="0" algn="l" defTabSz="914400" rtl="0" eaLnBrk="1" fontAlgn="auto" latinLnBrk="0" hangingPunct="1">
+                        <a:lnSpc>
+                          <a:spcPct val="100000"/>
+                        </a:lnSpc>
+                        <a:spcBef>
+                          <a:spcPts val="0"/>
+                        </a:spcBef>
+                        <a:spcAft>
+                          <a:spcPts val="0"/>
+                        </a:spcAft>
+                        <a:buClrTx/>
+                        <a:buSzTx/>
+                        <a:buFontTx/>
+                        <a:buNone/>
+                        <a:tabLst/>
+                        <a:defRPr/>
+                      </a:pPr>
+                      <a:r>
+                        <a:rPr lang="en-GB" sz="1200" kern="1200" dirty="0">
+                          <a:solidFill>
+                            <a:schemeClr val="dk1"/>
+                          </a:solidFill>
+                          <a:effectLst/>
+                          <a:latin typeface="+mn-lt"/>
+                          <a:ea typeface="+mn-ea"/>
+                          <a:cs typeface="+mn-cs"/>
+                        </a:rPr>
+                        <a:t>10.1007/s10750-013-1525-6</a:t>
+                      </a:r>
+                    </a:p>
+                    <a:p>
+                      <a:pPr marL="0" marR="0" lvl="0" indent="0" algn="l" defTabSz="914400" rtl="0" eaLnBrk="1" fontAlgn="auto" latinLnBrk="0" hangingPunct="1">
+                        <a:lnSpc>
+                          <a:spcPct val="100000"/>
+                        </a:lnSpc>
+                        <a:spcBef>
+                          <a:spcPts val="0"/>
+                        </a:spcBef>
+                        <a:spcAft>
+                          <a:spcPts val="0"/>
+                        </a:spcAft>
+                        <a:buClrTx/>
+                        <a:buSzTx/>
+                        <a:buFontTx/>
+                        <a:buNone/>
+                        <a:tabLst/>
+                        <a:defRPr/>
+                      </a:pPr>
+                      <a:r>
+                        <a:rPr lang="en-GB" sz="1200" dirty="0">
+                          <a:solidFill>
+                            <a:sysClr val="windowText" lastClr="000000"/>
+                          </a:solidFill>
+                        </a:rPr>
+                        <a:t>10.1016/j.ecolind.2022.109560</a:t>
+                      </a:r>
+                    </a:p>
+                    <a:p>
+                      <a:pPr marL="0" marR="0" lvl="0" indent="0" algn="l" defTabSz="914400" rtl="0" eaLnBrk="1" fontAlgn="auto" latinLnBrk="0" hangingPunct="1">
+                        <a:lnSpc>
+                          <a:spcPct val="100000"/>
+                        </a:lnSpc>
+                        <a:spcBef>
+                          <a:spcPts val="0"/>
+                        </a:spcBef>
+                        <a:spcAft>
+                          <a:spcPts val="0"/>
+                        </a:spcAft>
+                        <a:buClrTx/>
+                        <a:buSzTx/>
+                        <a:buFontTx/>
+                        <a:buNone/>
+                        <a:tabLst/>
+                        <a:defRPr/>
+                      </a:pPr>
+                      <a:r>
+                        <a:rPr lang="en-GB" sz="1200" dirty="0">
+                          <a:solidFill>
+                            <a:sysClr val="windowText" lastClr="000000"/>
+                          </a:solidFill>
+                        </a:rPr>
+                        <a:t>10.1016/j.hal.2019.02.002</a:t>
+                      </a:r>
+                    </a:p>
+                  </a:txBody>
+                  <a:tcPr>
+                    <a:lnL w="12700" cap="flat" cmpd="sng" algn="ctr">
+                      <a:solidFill>
+                        <a:schemeClr val="tx1"/>
+                      </a:solidFill>
+                      <a:prstDash val="solid"/>
+                      <a:round/>
+                      <a:headEnd type="none" w="med" len="med"/>
+                      <a:tailEnd type="none" w="med" len="med"/>
+                    </a:lnL>
+                    <a:lnR w="12700" cap="flat" cmpd="sng" algn="ctr">
+                      <a:solidFill>
+                        <a:schemeClr val="tx1"/>
+                      </a:solidFill>
+                      <a:prstDash val="solid"/>
+                      <a:round/>
+                      <a:headEnd type="none" w="med" len="med"/>
+                      <a:tailEnd type="none" w="med" len="med"/>
+                    </a:lnR>
+                    <a:lnT w="12700" cap="flat" cmpd="sng" algn="ctr">
+                      <a:solidFill>
+                        <a:schemeClr val="tx1"/>
+                      </a:solidFill>
+                      <a:prstDash val="solid"/>
+                      <a:round/>
+                      <a:headEnd type="none" w="med" len="med"/>
+                      <a:tailEnd type="none" w="med" len="med"/>
+                    </a:lnT>
+                    <a:lnB w="12700" cap="flat" cmpd="sng" algn="ctr">
+                      <a:solidFill>
+                        <a:schemeClr val="tx1"/>
+                      </a:solidFill>
+                      <a:prstDash val="solid"/>
+                      <a:round/>
+                      <a:headEnd type="none" w="med" len="med"/>
+                      <a:tailEnd type="none" w="med" len="med"/>
+                    </a:lnB>
+                    <a:solidFill>
+                      <a:schemeClr val="bg1"/>
+                    </a:solidFill>
+                  </a:tcPr>
+                </a:tc>
+                <a:tc>
+                  <a:txBody>
+                    <a:bodyPr/>
+                    <a:lstStyle/>
+                    <a:p>
+                      <a:r>
+                        <a:rPr lang="en-GB" sz="1200" dirty="0">
+                          <a:solidFill>
+                            <a:sysClr val="windowText" lastClr="000000"/>
+                          </a:solidFill>
+                        </a:rPr>
+                        <a:t>Nutrient availability (10.1016/j.envpol.2020.116210)</a:t>
+                      </a:r>
+                    </a:p>
+                  </a:txBody>
+                  <a:tcPr>
+                    <a:lnL w="12700" cap="flat" cmpd="sng" algn="ctr">
+                      <a:solidFill>
+                        <a:schemeClr val="tx1"/>
+                      </a:solidFill>
+                      <a:prstDash val="solid"/>
+                      <a:round/>
+                      <a:headEnd type="none" w="med" len="med"/>
+                      <a:tailEnd type="none" w="med" len="med"/>
+                    </a:lnL>
+                    <a:lnR w="12700" cap="flat" cmpd="sng" algn="ctr">
+                      <a:solidFill>
+                        <a:schemeClr val="tx1"/>
+                      </a:solidFill>
+                      <a:prstDash val="solid"/>
+                      <a:round/>
+                      <a:headEnd type="none" w="med" len="med"/>
+                      <a:tailEnd type="none" w="med" len="med"/>
+                    </a:lnR>
+                    <a:lnT w="12700" cap="flat" cmpd="sng" algn="ctr">
+                      <a:solidFill>
+                        <a:schemeClr val="tx1"/>
+                      </a:solidFill>
+                      <a:prstDash val="solid"/>
+                      <a:round/>
+                      <a:headEnd type="none" w="med" len="med"/>
+                      <a:tailEnd type="none" w="med" len="med"/>
+                    </a:lnT>
+                    <a:lnB w="12700" cap="flat" cmpd="sng" algn="ctr">
+                      <a:solidFill>
+                        <a:schemeClr val="tx1"/>
+                      </a:solidFill>
+                      <a:prstDash val="solid"/>
+                      <a:round/>
+                      <a:headEnd type="none" w="med" len="med"/>
+                      <a:tailEnd type="none" w="med" len="med"/>
+                    </a:lnB>
+                    <a:solidFill>
+                      <a:schemeClr val="bg1"/>
+                    </a:solidFill>
+                  </a:tcPr>
+                </a:tc>
+                <a:extLst>
+                  <a:ext uri="{0D108BD9-81ED-4DB2-BD59-A6C34878D82A}">
+                    <a16:rowId xmlns:a16="http://schemas.microsoft.com/office/drawing/2014/main" val="3809272896"/>
+                  </a:ext>
+                </a:extLst>
+              </a:tr>
+              <a:tr h="444901">
+                <a:tc>
+                  <a:txBody>
+                    <a:bodyPr/>
+                    <a:lstStyle/>
+                    <a:p>
+                      <a:r>
+                        <a:rPr lang="en-GB" sz="1200" dirty="0">
+                          <a:solidFill>
+                            <a:sysClr val="windowText" lastClr="000000"/>
+                          </a:solidFill>
+                        </a:rPr>
+                        <a:t>SD</a:t>
+                      </a:r>
+                    </a:p>
+                  </a:txBody>
+                  <a:tcPr>
+                    <a:lnL w="12700" cap="flat" cmpd="sng" algn="ctr">
+                      <a:solidFill>
+                        <a:schemeClr val="tx1"/>
+                      </a:solidFill>
+                      <a:prstDash val="solid"/>
+                      <a:round/>
+                      <a:headEnd type="none" w="med" len="med"/>
+                      <a:tailEnd type="none" w="med" len="med"/>
+                    </a:lnL>
+                    <a:lnR w="12700" cap="flat" cmpd="sng" algn="ctr">
+                      <a:solidFill>
+                        <a:schemeClr val="tx1"/>
+                      </a:solidFill>
+                      <a:prstDash val="solid"/>
+                      <a:round/>
+                      <a:headEnd type="none" w="med" len="med"/>
+                      <a:tailEnd type="none" w="med" len="med"/>
+                    </a:lnR>
+                    <a:lnT w="12700" cap="flat" cmpd="sng" algn="ctr">
+                      <a:solidFill>
+                        <a:schemeClr val="tx1"/>
+                      </a:solidFill>
+                      <a:prstDash val="solid"/>
+                      <a:round/>
+                      <a:headEnd type="none" w="med" len="med"/>
+                      <a:tailEnd type="none" w="med" len="med"/>
+                    </a:lnT>
+                    <a:lnB w="12700" cap="flat" cmpd="sng" algn="ctr">
+                      <a:solidFill>
+                        <a:schemeClr val="tx1"/>
+                      </a:solidFill>
+                      <a:prstDash val="solid"/>
+                      <a:round/>
+                      <a:headEnd type="none" w="med" len="med"/>
+                      <a:tailEnd type="none" w="med" len="med"/>
+                    </a:lnB>
+                    <a:solidFill>
+                      <a:schemeClr val="bg1"/>
+                    </a:solidFill>
+                  </a:tcPr>
+                </a:tc>
+                <a:tc>
+                  <a:txBody>
+                    <a:bodyPr/>
+                    <a:lstStyle/>
+                    <a:p>
+                      <a:r>
+                        <a:rPr lang="en-GB" sz="1200" dirty="0">
+                          <a:solidFill>
+                            <a:sysClr val="windowText" lastClr="000000"/>
+                          </a:solidFill>
+                        </a:rPr>
+                        <a:t>9</a:t>
+                      </a:r>
+                    </a:p>
+                  </a:txBody>
+                  <a:tcPr>
+                    <a:lnL w="12700" cap="flat" cmpd="sng" algn="ctr">
+                      <a:solidFill>
+                        <a:schemeClr val="tx1"/>
+                      </a:solidFill>
+                      <a:prstDash val="solid"/>
+                      <a:round/>
+                      <a:headEnd type="none" w="med" len="med"/>
+                      <a:tailEnd type="none" w="med" len="med"/>
+                    </a:lnL>
+                    <a:lnR w="12700" cap="flat" cmpd="sng" algn="ctr">
+                      <a:solidFill>
+                        <a:schemeClr val="tx1"/>
+                      </a:solidFill>
+                      <a:prstDash val="solid"/>
+                      <a:round/>
+                      <a:headEnd type="none" w="med" len="med"/>
+                      <a:tailEnd type="none" w="med" len="med"/>
+                    </a:lnR>
+                    <a:lnT w="12700" cap="flat" cmpd="sng" algn="ctr">
+                      <a:solidFill>
+                        <a:schemeClr val="tx1"/>
+                      </a:solidFill>
+                      <a:prstDash val="solid"/>
+                      <a:round/>
+                      <a:headEnd type="none" w="med" len="med"/>
+                      <a:tailEnd type="none" w="med" len="med"/>
+                    </a:lnT>
+                    <a:lnB w="12700" cap="flat" cmpd="sng" algn="ctr">
+                      <a:solidFill>
+                        <a:schemeClr val="tx1"/>
+                      </a:solidFill>
+                      <a:prstDash val="solid"/>
+                      <a:round/>
+                      <a:headEnd type="none" w="med" len="med"/>
+                      <a:tailEnd type="none" w="med" len="med"/>
+                    </a:lnB>
+                    <a:solidFill>
+                      <a:schemeClr val="bg1"/>
+                    </a:solidFill>
+                  </a:tcPr>
+                </a:tc>
+                <a:tc>
+                  <a:txBody>
+                    <a:bodyPr/>
+                    <a:lstStyle/>
+                    <a:p>
+                      <a:pPr marL="0" marR="0" lvl="0" indent="0" algn="l" defTabSz="914400" rtl="0" eaLnBrk="1" fontAlgn="auto" latinLnBrk="0" hangingPunct="1">
+                        <a:lnSpc>
+                          <a:spcPct val="100000"/>
+                        </a:lnSpc>
+                        <a:spcBef>
+                          <a:spcPts val="0"/>
+                        </a:spcBef>
+                        <a:spcAft>
+                          <a:spcPts val="0"/>
+                        </a:spcAft>
+                        <a:buClrTx/>
+                        <a:buSzTx/>
+                        <a:buFontTx/>
+                        <a:buNone/>
+                        <a:tabLst/>
+                        <a:defRPr/>
+                      </a:pPr>
+                      <a:r>
+                        <a:rPr lang="en-GB" sz="1200" kern="1200" dirty="0">
+                          <a:solidFill>
+                            <a:schemeClr val="dk1"/>
+                          </a:solidFill>
+                          <a:effectLst/>
+                          <a:latin typeface="+mn-lt"/>
+                          <a:ea typeface="+mn-ea"/>
+                          <a:cs typeface="+mn-cs"/>
+                        </a:rPr>
+                        <a:t>10.1007/s10750-011-0923-x</a:t>
+                      </a:r>
+                    </a:p>
+                  </a:txBody>
+                  <a:tcPr>
+                    <a:lnL w="12700" cap="flat" cmpd="sng" algn="ctr">
+                      <a:solidFill>
+                        <a:schemeClr val="tx1"/>
+                      </a:solidFill>
+                      <a:prstDash val="solid"/>
+                      <a:round/>
+                      <a:headEnd type="none" w="med" len="med"/>
+                      <a:tailEnd type="none" w="med" len="med"/>
+                    </a:lnL>
+                    <a:lnR w="12700" cap="flat" cmpd="sng" algn="ctr">
+                      <a:solidFill>
+                        <a:schemeClr val="tx1"/>
+                      </a:solidFill>
+                      <a:prstDash val="solid"/>
+                      <a:round/>
+                      <a:headEnd type="none" w="med" len="med"/>
+                      <a:tailEnd type="none" w="med" len="med"/>
+                    </a:lnR>
+                    <a:lnT w="12700" cap="flat" cmpd="sng" algn="ctr">
+                      <a:solidFill>
+                        <a:schemeClr val="tx1"/>
+                      </a:solidFill>
+                      <a:prstDash val="solid"/>
+                      <a:round/>
+                      <a:headEnd type="none" w="med" len="med"/>
+                      <a:tailEnd type="none" w="med" len="med"/>
+                    </a:lnT>
+                    <a:lnB w="12700" cap="flat" cmpd="sng" algn="ctr">
+                      <a:solidFill>
+                        <a:schemeClr val="tx1"/>
+                      </a:solidFill>
+                      <a:prstDash val="solid"/>
+                      <a:round/>
+                      <a:headEnd type="none" w="med" len="med"/>
+                      <a:tailEnd type="none" w="med" len="med"/>
+                    </a:lnB>
+                    <a:solidFill>
+                      <a:schemeClr val="bg1"/>
+                    </a:solidFill>
+                  </a:tcPr>
+                </a:tc>
+                <a:tc>
+                  <a:txBody>
+                    <a:bodyPr/>
+                    <a:lstStyle/>
+                    <a:p>
+                      <a:endParaRPr lang="en-GB" sz="1200" dirty="0">
+                        <a:solidFill>
+                          <a:sysClr val="windowText" lastClr="000000"/>
+                        </a:solidFill>
+                      </a:endParaRPr>
+                    </a:p>
+                  </a:txBody>
+                  <a:tcPr>
+                    <a:lnL w="12700" cap="flat" cmpd="sng" algn="ctr">
+                      <a:solidFill>
+                        <a:schemeClr val="tx1"/>
+                      </a:solidFill>
+                      <a:prstDash val="solid"/>
+                      <a:round/>
+                      <a:headEnd type="none" w="med" len="med"/>
+                      <a:tailEnd type="none" w="med" len="med"/>
+                    </a:lnL>
+                    <a:lnR w="12700" cap="flat" cmpd="sng" algn="ctr">
+                      <a:solidFill>
+                        <a:schemeClr val="tx1"/>
+                      </a:solidFill>
+                      <a:prstDash val="solid"/>
+                      <a:round/>
+                      <a:headEnd type="none" w="med" len="med"/>
+                      <a:tailEnd type="none" w="med" len="med"/>
+                    </a:lnR>
+                    <a:lnT w="12700" cap="flat" cmpd="sng" algn="ctr">
+                      <a:solidFill>
+                        <a:schemeClr val="tx1"/>
+                      </a:solidFill>
+                      <a:prstDash val="solid"/>
+                      <a:round/>
+                      <a:headEnd type="none" w="med" len="med"/>
+                      <a:tailEnd type="none" w="med" len="med"/>
+                    </a:lnT>
+                    <a:lnB w="12700" cap="flat" cmpd="sng" algn="ctr">
+                      <a:solidFill>
+                        <a:schemeClr val="tx1"/>
+                      </a:solidFill>
+                      <a:prstDash val="solid"/>
+                      <a:round/>
+                      <a:headEnd type="none" w="med" len="med"/>
+                      <a:tailEnd type="none" w="med" len="med"/>
+                    </a:lnB>
+                    <a:solidFill>
+                      <a:schemeClr val="bg1"/>
+                    </a:solidFill>
+                  </a:tcPr>
+                </a:tc>
+                <a:extLst>
+                  <a:ext uri="{0D108BD9-81ED-4DB2-BD59-A6C34878D82A}">
+                    <a16:rowId xmlns:a16="http://schemas.microsoft.com/office/drawing/2014/main" val="3861755767"/>
+                  </a:ext>
+                </a:extLst>
+              </a:tr>
+              <a:tr h="444901">
+                <a:tc>
+                  <a:txBody>
+                    <a:bodyPr/>
+                    <a:lstStyle/>
+                    <a:p>
+                      <a:r>
+                        <a:rPr lang="en-GB" sz="1200" dirty="0">
+                          <a:solidFill>
+                            <a:sysClr val="windowText" lastClr="000000"/>
+                          </a:solidFill>
+                        </a:rPr>
+                        <a:t>NO3</a:t>
+                      </a:r>
+                    </a:p>
+                  </a:txBody>
+                  <a:tcPr>
+                    <a:lnL w="12700" cap="flat" cmpd="sng" algn="ctr">
+                      <a:solidFill>
+                        <a:schemeClr val="tx1"/>
+                      </a:solidFill>
+                      <a:prstDash val="solid"/>
+                      <a:round/>
+                      <a:headEnd type="none" w="med" len="med"/>
+                      <a:tailEnd type="none" w="med" len="med"/>
+                    </a:lnL>
+                    <a:lnR w="12700" cap="flat" cmpd="sng" algn="ctr">
+                      <a:solidFill>
+                        <a:schemeClr val="tx1"/>
+                      </a:solidFill>
+                      <a:prstDash val="solid"/>
+                      <a:round/>
+                      <a:headEnd type="none" w="med" len="med"/>
+                      <a:tailEnd type="none" w="med" len="med"/>
+                    </a:lnR>
+                    <a:lnT w="12700" cap="flat" cmpd="sng" algn="ctr">
+                      <a:solidFill>
+                        <a:schemeClr val="tx1"/>
+                      </a:solidFill>
+                      <a:prstDash val="solid"/>
+                      <a:round/>
+                      <a:headEnd type="none" w="med" len="med"/>
+                      <a:tailEnd type="none" w="med" len="med"/>
+                    </a:lnT>
+                    <a:lnB w="12700" cap="flat" cmpd="sng" algn="ctr">
+                      <a:solidFill>
+                        <a:schemeClr val="tx1"/>
+                      </a:solidFill>
+                      <a:prstDash val="solid"/>
+                      <a:round/>
+                      <a:headEnd type="none" w="med" len="med"/>
+                      <a:tailEnd type="none" w="med" len="med"/>
+                    </a:lnB>
+                    <a:solidFill>
+                      <a:schemeClr val="bg1"/>
+                    </a:solidFill>
+                  </a:tcPr>
+                </a:tc>
+                <a:tc>
+                  <a:txBody>
+                    <a:bodyPr/>
+                    <a:lstStyle/>
+                    <a:p>
+                      <a:r>
+                        <a:rPr lang="en-GB" sz="1200" dirty="0">
+                          <a:solidFill>
+                            <a:sysClr val="windowText" lastClr="000000"/>
+                          </a:solidFill>
+                        </a:rPr>
+                        <a:t>3</a:t>
+                      </a:r>
+                    </a:p>
+                  </a:txBody>
+                  <a:tcPr>
+                    <a:lnL w="12700" cap="flat" cmpd="sng" algn="ctr">
+                      <a:solidFill>
+                        <a:schemeClr val="tx1"/>
+                      </a:solidFill>
+                      <a:prstDash val="solid"/>
+                      <a:round/>
+                      <a:headEnd type="none" w="med" len="med"/>
+                      <a:tailEnd type="none" w="med" len="med"/>
+                    </a:lnL>
+                    <a:lnR w="12700" cap="flat" cmpd="sng" algn="ctr">
+                      <a:solidFill>
+                        <a:schemeClr val="tx1"/>
+                      </a:solidFill>
+                      <a:prstDash val="solid"/>
+                      <a:round/>
+                      <a:headEnd type="none" w="med" len="med"/>
+                      <a:tailEnd type="none" w="med" len="med"/>
+                    </a:lnR>
+                    <a:lnT w="12700" cap="flat" cmpd="sng" algn="ctr">
+                      <a:solidFill>
+                        <a:schemeClr val="tx1"/>
+                      </a:solidFill>
+                      <a:prstDash val="solid"/>
+                      <a:round/>
+                      <a:headEnd type="none" w="med" len="med"/>
+                      <a:tailEnd type="none" w="med" len="med"/>
+                    </a:lnT>
+                    <a:lnB w="12700" cap="flat" cmpd="sng" algn="ctr">
+                      <a:solidFill>
+                        <a:schemeClr val="tx1"/>
+                      </a:solidFill>
+                      <a:prstDash val="solid"/>
+                      <a:round/>
+                      <a:headEnd type="none" w="med" len="med"/>
+                      <a:tailEnd type="none" w="med" len="med"/>
+                    </a:lnB>
+                    <a:solidFill>
+                      <a:schemeClr val="bg1"/>
+                    </a:solidFill>
+                  </a:tcPr>
+                </a:tc>
+                <a:tc>
+                  <a:txBody>
+                    <a:bodyPr/>
+                    <a:lstStyle/>
+                    <a:p>
+                      <a:r>
+                        <a:rPr lang="en-GB" sz="1200" dirty="0">
+                          <a:solidFill>
+                            <a:sysClr val="windowText" lastClr="000000"/>
+                          </a:solidFill>
+                        </a:rPr>
+                        <a:t>10.1007/s10750-011-0996-6</a:t>
+                      </a:r>
+                      <a:br>
+                        <a:rPr lang="en-GB" sz="1200" dirty="0">
+                          <a:solidFill>
+                            <a:sysClr val="windowText" lastClr="000000"/>
+                          </a:solidFill>
+                        </a:rPr>
+                      </a:br>
+                      <a:r>
+                        <a:rPr lang="en-GB" sz="1200" dirty="0">
+                          <a:solidFill>
+                            <a:sysClr val="windowText" lastClr="000000"/>
+                          </a:solidFill>
+                        </a:rPr>
+                        <a:t>10.1007/s10750-013-1525-6</a:t>
+                      </a:r>
+                    </a:p>
+                    <a:p>
+                      <a:pPr marL="0" marR="0" lvl="0" indent="0" algn="l" defTabSz="914400" rtl="0" eaLnBrk="1" fontAlgn="auto" latinLnBrk="0" hangingPunct="1">
+                        <a:lnSpc>
+                          <a:spcPct val="100000"/>
+                        </a:lnSpc>
+                        <a:spcBef>
+                          <a:spcPts val="0"/>
+                        </a:spcBef>
+                        <a:spcAft>
+                          <a:spcPts val="0"/>
+                        </a:spcAft>
+                        <a:buClrTx/>
+                        <a:buSzTx/>
+                        <a:buFontTx/>
+                        <a:buNone/>
+                        <a:tabLst/>
+                        <a:defRPr/>
+                      </a:pPr>
+                      <a:r>
+                        <a:rPr lang="en-GB" sz="1200" dirty="0">
+                          <a:solidFill>
+                            <a:sysClr val="windowText" lastClr="000000"/>
+                          </a:solidFill>
+                        </a:rPr>
+                        <a:t>10.1016/j.ecolind.2022.109560</a:t>
+                      </a:r>
+                    </a:p>
+                    <a:p>
+                      <a:pPr marL="0" marR="0" lvl="0" indent="0" algn="l" defTabSz="914400" rtl="0" eaLnBrk="1" fontAlgn="auto" latinLnBrk="0" hangingPunct="1">
+                        <a:lnSpc>
+                          <a:spcPct val="100000"/>
+                        </a:lnSpc>
+                        <a:spcBef>
+                          <a:spcPts val="0"/>
+                        </a:spcBef>
+                        <a:spcAft>
+                          <a:spcPts val="0"/>
+                        </a:spcAft>
+                        <a:buClrTx/>
+                        <a:buSzTx/>
+                        <a:buFontTx/>
+                        <a:buNone/>
+                        <a:tabLst/>
+                        <a:defRPr/>
+                      </a:pPr>
+                      <a:r>
+                        <a:rPr lang="en-GB" sz="1200" dirty="0">
+                          <a:solidFill>
+                            <a:sysClr val="windowText" lastClr="000000"/>
+                          </a:solidFill>
+                        </a:rPr>
+                        <a:t>10.1016/j.hal.2019.02.002</a:t>
+                      </a:r>
+                    </a:p>
+                  </a:txBody>
+                  <a:tcPr>
+                    <a:lnL w="12700" cap="flat" cmpd="sng" algn="ctr">
+                      <a:solidFill>
+                        <a:schemeClr val="tx1"/>
+                      </a:solidFill>
+                      <a:prstDash val="solid"/>
+                      <a:round/>
+                      <a:headEnd type="none" w="med" len="med"/>
+                      <a:tailEnd type="none" w="med" len="med"/>
+                    </a:lnL>
+                    <a:lnR w="12700" cap="flat" cmpd="sng" algn="ctr">
+                      <a:solidFill>
+                        <a:schemeClr val="tx1"/>
+                      </a:solidFill>
+                      <a:prstDash val="solid"/>
+                      <a:round/>
+                      <a:headEnd type="none" w="med" len="med"/>
+                      <a:tailEnd type="none" w="med" len="med"/>
+                    </a:lnR>
+                    <a:lnT w="12700" cap="flat" cmpd="sng" algn="ctr">
+                      <a:solidFill>
+                        <a:schemeClr val="tx1"/>
+                      </a:solidFill>
+                      <a:prstDash val="solid"/>
+                      <a:round/>
+                      <a:headEnd type="none" w="med" len="med"/>
+                      <a:tailEnd type="none" w="med" len="med"/>
+                    </a:lnT>
+                    <a:lnB w="12700" cap="flat" cmpd="sng" algn="ctr">
+                      <a:solidFill>
+                        <a:schemeClr val="tx1"/>
+                      </a:solidFill>
+                      <a:prstDash val="solid"/>
+                      <a:round/>
+                      <a:headEnd type="none" w="med" len="med"/>
+                      <a:tailEnd type="none" w="med" len="med"/>
+                    </a:lnB>
+                    <a:solidFill>
+                      <a:schemeClr val="bg1"/>
+                    </a:solidFill>
+                  </a:tcPr>
+                </a:tc>
+                <a:tc>
+                  <a:txBody>
+                    <a:bodyPr/>
+                    <a:lstStyle/>
+                    <a:p>
+                      <a:r>
+                        <a:rPr lang="en-GB" sz="1200" dirty="0">
+                          <a:solidFill>
+                            <a:sysClr val="windowText" lastClr="000000"/>
+                          </a:solidFill>
+                        </a:rPr>
+                        <a:t>Total N played a more important role for phytoplankton richness than total P (10.1007/s10750-011-0996-6)</a:t>
+                      </a:r>
+                    </a:p>
+                  </a:txBody>
+                  <a:tcPr>
+                    <a:lnL w="12700" cap="flat" cmpd="sng" algn="ctr">
+                      <a:solidFill>
+                        <a:schemeClr val="tx1"/>
+                      </a:solidFill>
+                      <a:prstDash val="solid"/>
+                      <a:round/>
+                      <a:headEnd type="none" w="med" len="med"/>
+                      <a:tailEnd type="none" w="med" len="med"/>
+                    </a:lnL>
+                    <a:lnR w="12700" cap="flat" cmpd="sng" algn="ctr">
+                      <a:solidFill>
+                        <a:schemeClr val="tx1"/>
+                      </a:solidFill>
+                      <a:prstDash val="solid"/>
+                      <a:round/>
+                      <a:headEnd type="none" w="med" len="med"/>
+                      <a:tailEnd type="none" w="med" len="med"/>
+                    </a:lnR>
+                    <a:lnT w="12700" cap="flat" cmpd="sng" algn="ctr">
+                      <a:solidFill>
+                        <a:schemeClr val="tx1"/>
+                      </a:solidFill>
+                      <a:prstDash val="solid"/>
+                      <a:round/>
+                      <a:headEnd type="none" w="med" len="med"/>
+                      <a:tailEnd type="none" w="med" len="med"/>
+                    </a:lnT>
+                    <a:lnB w="12700" cap="flat" cmpd="sng" algn="ctr">
+                      <a:solidFill>
+                        <a:schemeClr val="tx1"/>
+                      </a:solidFill>
+                      <a:prstDash val="solid"/>
+                      <a:round/>
+                      <a:headEnd type="none" w="med" len="med"/>
+                      <a:tailEnd type="none" w="med" len="med"/>
+                    </a:lnB>
+                    <a:solidFill>
+                      <a:schemeClr val="bg1"/>
+                    </a:solidFill>
+                  </a:tcPr>
+                </a:tc>
+                <a:extLst>
+                  <a:ext uri="{0D108BD9-81ED-4DB2-BD59-A6C34878D82A}">
+                    <a16:rowId xmlns:a16="http://schemas.microsoft.com/office/drawing/2014/main" val="385750448"/>
+                  </a:ext>
+                </a:extLst>
+              </a:tr>
+              <a:tr h="444901">
+                <a:tc>
+                  <a:txBody>
+                    <a:bodyPr/>
+                    <a:lstStyle/>
+                    <a:p>
+                      <a:r>
+                        <a:rPr lang="en-GB" sz="1200" dirty="0">
+                          <a:solidFill>
+                            <a:sysClr val="windowText" lastClr="000000"/>
+                          </a:solidFill>
+                        </a:rPr>
+                        <a:t>Salinity</a:t>
+                      </a:r>
+                    </a:p>
+                  </a:txBody>
+                  <a:tcPr>
+                    <a:lnL w="12700" cap="flat" cmpd="sng" algn="ctr">
+                      <a:solidFill>
+                        <a:schemeClr val="tx1"/>
+                      </a:solidFill>
+                      <a:prstDash val="solid"/>
+                      <a:round/>
+                      <a:headEnd type="none" w="med" len="med"/>
+                      <a:tailEnd type="none" w="med" len="med"/>
+                    </a:lnL>
+                    <a:lnR w="12700" cap="flat" cmpd="sng" algn="ctr">
+                      <a:solidFill>
+                        <a:schemeClr val="tx1"/>
+                      </a:solidFill>
+                      <a:prstDash val="solid"/>
+                      <a:round/>
+                      <a:headEnd type="none" w="med" len="med"/>
+                      <a:tailEnd type="none" w="med" len="med"/>
+                    </a:lnR>
+                    <a:lnT w="12700" cap="flat" cmpd="sng" algn="ctr">
+                      <a:solidFill>
+                        <a:schemeClr val="tx1"/>
+                      </a:solidFill>
+                      <a:prstDash val="solid"/>
+                      <a:round/>
+                      <a:headEnd type="none" w="med" len="med"/>
+                      <a:tailEnd type="none" w="med" len="med"/>
+                    </a:lnT>
+                    <a:lnB w="12700" cap="flat" cmpd="sng" algn="ctr">
+                      <a:solidFill>
+                        <a:schemeClr val="tx1"/>
+                      </a:solidFill>
+                      <a:prstDash val="solid"/>
+                      <a:round/>
+                      <a:headEnd type="none" w="med" len="med"/>
+                      <a:tailEnd type="none" w="med" len="med"/>
+                    </a:lnB>
+                    <a:solidFill>
+                      <a:schemeClr val="bg1"/>
+                    </a:solidFill>
+                  </a:tcPr>
+                </a:tc>
+                <a:tc>
+                  <a:txBody>
+                    <a:bodyPr/>
+                    <a:lstStyle/>
+                    <a:p>
+                      <a:endParaRPr lang="en-GB" sz="1200" dirty="0">
+                        <a:solidFill>
+                          <a:sysClr val="windowText" lastClr="000000"/>
+                        </a:solidFill>
+                      </a:endParaRPr>
+                    </a:p>
+                  </a:txBody>
+                  <a:tcPr>
+                    <a:lnL w="12700" cap="flat" cmpd="sng" algn="ctr">
+                      <a:solidFill>
+                        <a:schemeClr val="tx1"/>
+                      </a:solidFill>
+                      <a:prstDash val="solid"/>
+                      <a:round/>
+                      <a:headEnd type="none" w="med" len="med"/>
+                      <a:tailEnd type="none" w="med" len="med"/>
+                    </a:lnL>
+                    <a:lnR w="12700" cap="flat" cmpd="sng" algn="ctr">
+                      <a:solidFill>
+                        <a:schemeClr val="tx1"/>
+                      </a:solidFill>
+                      <a:prstDash val="solid"/>
+                      <a:round/>
+                      <a:headEnd type="none" w="med" len="med"/>
+                      <a:tailEnd type="none" w="med" len="med"/>
+                    </a:lnR>
+                    <a:lnT w="12700" cap="flat" cmpd="sng" algn="ctr">
+                      <a:solidFill>
+                        <a:schemeClr val="tx1"/>
+                      </a:solidFill>
+                      <a:prstDash val="solid"/>
+                      <a:round/>
+                      <a:headEnd type="none" w="med" len="med"/>
+                      <a:tailEnd type="none" w="med" len="med"/>
+                    </a:lnT>
+                    <a:lnB w="12700" cap="flat" cmpd="sng" algn="ctr">
+                      <a:solidFill>
+                        <a:schemeClr val="tx1"/>
+                      </a:solidFill>
+                      <a:prstDash val="solid"/>
+                      <a:round/>
+                      <a:headEnd type="none" w="med" len="med"/>
+                      <a:tailEnd type="none" w="med" len="med"/>
+                    </a:lnB>
+                    <a:solidFill>
+                      <a:schemeClr val="bg1"/>
+                    </a:solidFill>
+                  </a:tcPr>
+                </a:tc>
+                <a:tc>
+                  <a:txBody>
+                    <a:bodyPr/>
+                    <a:lstStyle/>
+                    <a:p>
+                      <a:r>
+                        <a:rPr lang="en-GB" sz="1200" dirty="0">
+                          <a:solidFill>
+                            <a:sysClr val="windowText" lastClr="000000"/>
+                          </a:solidFill>
+                        </a:rPr>
+                        <a:t>10.3390/w15061116</a:t>
+                      </a:r>
+                    </a:p>
+                  </a:txBody>
+                  <a:tcPr>
+                    <a:lnL w="12700" cap="flat" cmpd="sng" algn="ctr">
+                      <a:solidFill>
+                        <a:schemeClr val="tx1"/>
+                      </a:solidFill>
+                      <a:prstDash val="solid"/>
+                      <a:round/>
+                      <a:headEnd type="none" w="med" len="med"/>
+                      <a:tailEnd type="none" w="med" len="med"/>
+                    </a:lnL>
+                    <a:lnR w="12700" cap="flat" cmpd="sng" algn="ctr">
+                      <a:solidFill>
+                        <a:schemeClr val="tx1"/>
+                      </a:solidFill>
+                      <a:prstDash val="solid"/>
+                      <a:round/>
+                      <a:headEnd type="none" w="med" len="med"/>
+                      <a:tailEnd type="none" w="med" len="med"/>
+                    </a:lnR>
+                    <a:lnT w="12700" cap="flat" cmpd="sng" algn="ctr">
+                      <a:solidFill>
+                        <a:schemeClr val="tx1"/>
+                      </a:solidFill>
+                      <a:prstDash val="solid"/>
+                      <a:round/>
+                      <a:headEnd type="none" w="med" len="med"/>
+                      <a:tailEnd type="none" w="med" len="med"/>
+                    </a:lnT>
+                    <a:lnB w="12700" cap="flat" cmpd="sng" algn="ctr">
+                      <a:solidFill>
+                        <a:schemeClr val="tx1"/>
+                      </a:solidFill>
+                      <a:prstDash val="solid"/>
+                      <a:round/>
+                      <a:headEnd type="none" w="med" len="med"/>
+                      <a:tailEnd type="none" w="med" len="med"/>
+                    </a:lnB>
+                    <a:solidFill>
+                      <a:schemeClr val="bg1"/>
+                    </a:solidFill>
+                  </a:tcPr>
+                </a:tc>
+                <a:tc>
+                  <a:txBody>
+                    <a:bodyPr/>
+                    <a:lstStyle/>
+                    <a:p>
+                      <a:r>
+                        <a:rPr lang="en-GB" sz="1200" dirty="0">
+                          <a:solidFill>
+                            <a:sysClr val="windowText" lastClr="000000"/>
+                          </a:solidFill>
+                        </a:rPr>
+                        <a:t>Talks about salinity in brackish coastal lakes – relevant?</a:t>
+                      </a:r>
+                    </a:p>
+                  </a:txBody>
+                  <a:tcPr>
+                    <a:lnL w="12700" cap="flat" cmpd="sng" algn="ctr">
+                      <a:solidFill>
+                        <a:schemeClr val="tx1"/>
+                      </a:solidFill>
+                      <a:prstDash val="solid"/>
+                      <a:round/>
+                      <a:headEnd type="none" w="med" len="med"/>
+                      <a:tailEnd type="none" w="med" len="med"/>
+                    </a:lnL>
+                    <a:lnR w="12700" cap="flat" cmpd="sng" algn="ctr">
+                      <a:solidFill>
+                        <a:schemeClr val="tx1"/>
+                      </a:solidFill>
+                      <a:prstDash val="solid"/>
+                      <a:round/>
+                      <a:headEnd type="none" w="med" len="med"/>
+                      <a:tailEnd type="none" w="med" len="med"/>
+                    </a:lnR>
+                    <a:lnT w="12700" cap="flat" cmpd="sng" algn="ctr">
+                      <a:solidFill>
+                        <a:schemeClr val="tx1"/>
+                      </a:solidFill>
+                      <a:prstDash val="solid"/>
+                      <a:round/>
+                      <a:headEnd type="none" w="med" len="med"/>
+                      <a:tailEnd type="none" w="med" len="med"/>
+                    </a:lnT>
+                    <a:lnB w="12700" cap="flat" cmpd="sng" algn="ctr">
+                      <a:solidFill>
+                        <a:schemeClr val="tx1"/>
+                      </a:solidFill>
+                      <a:prstDash val="solid"/>
+                      <a:round/>
+                      <a:headEnd type="none" w="med" len="med"/>
+                      <a:tailEnd type="none" w="med" len="med"/>
+                    </a:lnB>
+                    <a:solidFill>
+                      <a:schemeClr val="bg1"/>
+                    </a:solidFill>
+                  </a:tcPr>
+                </a:tc>
+                <a:extLst>
+                  <a:ext uri="{0D108BD9-81ED-4DB2-BD59-A6C34878D82A}">
+                    <a16:rowId xmlns:a16="http://schemas.microsoft.com/office/drawing/2014/main" val="3708337269"/>
+                  </a:ext>
+                </a:extLst>
+              </a:tr>
+              <a:tr h="444901">
+                <a:tc>
+                  <a:txBody>
+                    <a:bodyPr/>
+                    <a:lstStyle/>
+                    <a:p>
+                      <a:r>
+                        <a:rPr lang="en-GB" sz="1200" dirty="0">
+                          <a:solidFill>
+                            <a:sysClr val="windowText" lastClr="000000"/>
+                          </a:solidFill>
+                        </a:rPr>
+                        <a:t>Daphnia</a:t>
+                      </a:r>
+                    </a:p>
+                  </a:txBody>
+                  <a:tcPr>
+                    <a:lnL w="12700" cap="flat" cmpd="sng" algn="ctr">
+                      <a:solidFill>
+                        <a:schemeClr val="tx1"/>
+                      </a:solidFill>
+                      <a:prstDash val="solid"/>
+                      <a:round/>
+                      <a:headEnd type="none" w="med" len="med"/>
+                      <a:tailEnd type="none" w="med" len="med"/>
+                    </a:lnL>
+                    <a:lnR w="12700" cap="flat" cmpd="sng" algn="ctr">
+                      <a:solidFill>
+                        <a:schemeClr val="tx1"/>
+                      </a:solidFill>
+                      <a:prstDash val="solid"/>
+                      <a:round/>
+                      <a:headEnd type="none" w="med" len="med"/>
+                      <a:tailEnd type="none" w="med" len="med"/>
+                    </a:lnR>
+                    <a:lnT w="12700" cap="flat" cmpd="sng" algn="ctr">
+                      <a:solidFill>
+                        <a:schemeClr val="tx1"/>
+                      </a:solidFill>
+                      <a:prstDash val="solid"/>
+                      <a:round/>
+                      <a:headEnd type="none" w="med" len="med"/>
+                      <a:tailEnd type="none" w="med" len="med"/>
+                    </a:lnT>
+                    <a:lnB w="12700" cap="flat" cmpd="sng" algn="ctr">
+                      <a:solidFill>
+                        <a:schemeClr val="tx1"/>
+                      </a:solidFill>
+                      <a:prstDash val="solid"/>
+                      <a:round/>
+                      <a:headEnd type="none" w="med" len="med"/>
+                      <a:tailEnd type="none" w="med" len="med"/>
+                    </a:lnB>
+                    <a:solidFill>
+                      <a:schemeClr val="bg1"/>
+                    </a:solidFill>
+                  </a:tcPr>
+                </a:tc>
+                <a:tc>
+                  <a:txBody>
+                    <a:bodyPr/>
+                    <a:lstStyle/>
+                    <a:p>
+                      <a:r>
+                        <a:rPr lang="en-GB" sz="1200" dirty="0">
+                          <a:solidFill>
+                            <a:sysClr val="windowText" lastClr="000000"/>
+                          </a:solidFill>
+                        </a:rPr>
+                        <a:t>4</a:t>
+                      </a:r>
+                    </a:p>
+                  </a:txBody>
+                  <a:tcPr>
+                    <a:lnL w="12700" cap="flat" cmpd="sng" algn="ctr">
+                      <a:solidFill>
+                        <a:schemeClr val="tx1"/>
+                      </a:solidFill>
+                      <a:prstDash val="solid"/>
+                      <a:round/>
+                      <a:headEnd type="none" w="med" len="med"/>
+                      <a:tailEnd type="none" w="med" len="med"/>
+                    </a:lnL>
+                    <a:lnR w="12700" cap="flat" cmpd="sng" algn="ctr">
+                      <a:solidFill>
+                        <a:schemeClr val="tx1"/>
+                      </a:solidFill>
+                      <a:prstDash val="solid"/>
+                      <a:round/>
+                      <a:headEnd type="none" w="med" len="med"/>
+                      <a:tailEnd type="none" w="med" len="med"/>
+                    </a:lnR>
+                    <a:lnT w="12700" cap="flat" cmpd="sng" algn="ctr">
+                      <a:solidFill>
+                        <a:schemeClr val="tx1"/>
+                      </a:solidFill>
+                      <a:prstDash val="solid"/>
+                      <a:round/>
+                      <a:headEnd type="none" w="med" len="med"/>
+                      <a:tailEnd type="none" w="med" len="med"/>
+                    </a:lnT>
+                    <a:lnB w="12700" cap="flat" cmpd="sng" algn="ctr">
+                      <a:solidFill>
+                        <a:schemeClr val="tx1"/>
+                      </a:solidFill>
+                      <a:prstDash val="solid"/>
+                      <a:round/>
+                      <a:headEnd type="none" w="med" len="med"/>
+                      <a:tailEnd type="none" w="med" len="med"/>
+                    </a:lnB>
+                    <a:solidFill>
+                      <a:schemeClr val="bg1"/>
+                    </a:solidFill>
+                  </a:tcPr>
+                </a:tc>
+                <a:tc>
+                  <a:txBody>
+                    <a:bodyPr/>
+                    <a:lstStyle/>
+                    <a:p>
+                      <a:pPr marL="0" marR="0" lvl="0" indent="0" algn="l" defTabSz="914400" rtl="0" eaLnBrk="1" fontAlgn="auto" latinLnBrk="0" hangingPunct="1">
+                        <a:lnSpc>
+                          <a:spcPct val="100000"/>
+                        </a:lnSpc>
+                        <a:spcBef>
+                          <a:spcPts val="0"/>
+                        </a:spcBef>
+                        <a:spcAft>
+                          <a:spcPts val="0"/>
+                        </a:spcAft>
+                        <a:buClrTx/>
+                        <a:buSzTx/>
+                        <a:buFontTx/>
+                        <a:buNone/>
+                        <a:tabLst/>
+                        <a:defRPr/>
+                      </a:pPr>
+                      <a:r>
+                        <a:rPr lang="en-GB" sz="1200" kern="1200" dirty="0">
+                          <a:solidFill>
+                            <a:schemeClr val="dk1"/>
+                          </a:solidFill>
+                          <a:effectLst/>
+                          <a:latin typeface="+mn-lt"/>
+                          <a:ea typeface="+mn-ea"/>
+                          <a:cs typeface="+mn-cs"/>
+                        </a:rPr>
+                        <a:t>10.100 7/s10750-011-0923-x</a:t>
+                      </a:r>
+                    </a:p>
+                  </a:txBody>
+                  <a:tcPr>
+                    <a:lnL w="12700" cap="flat" cmpd="sng" algn="ctr">
+                      <a:solidFill>
+                        <a:schemeClr val="tx1"/>
+                      </a:solidFill>
+                      <a:prstDash val="solid"/>
+                      <a:round/>
+                      <a:headEnd type="none" w="med" len="med"/>
+                      <a:tailEnd type="none" w="med" len="med"/>
+                    </a:lnL>
+                    <a:lnR w="12700" cap="flat" cmpd="sng" algn="ctr">
+                      <a:solidFill>
+                        <a:schemeClr val="tx1"/>
+                      </a:solidFill>
+                      <a:prstDash val="solid"/>
+                      <a:round/>
+                      <a:headEnd type="none" w="med" len="med"/>
+                      <a:tailEnd type="none" w="med" len="med"/>
+                    </a:lnR>
+                    <a:lnT w="12700" cap="flat" cmpd="sng" algn="ctr">
+                      <a:solidFill>
+                        <a:schemeClr val="tx1"/>
+                      </a:solidFill>
+                      <a:prstDash val="solid"/>
+                      <a:round/>
+                      <a:headEnd type="none" w="med" len="med"/>
+                      <a:tailEnd type="none" w="med" len="med"/>
+                    </a:lnT>
+                    <a:lnB w="12700" cap="flat" cmpd="sng" algn="ctr">
+                      <a:solidFill>
+                        <a:schemeClr val="tx1"/>
+                      </a:solidFill>
+                      <a:prstDash val="solid"/>
+                      <a:round/>
+                      <a:headEnd type="none" w="med" len="med"/>
+                      <a:tailEnd type="none" w="med" len="med"/>
+                    </a:lnB>
+                    <a:solidFill>
+                      <a:schemeClr val="bg1"/>
+                    </a:solidFill>
+                  </a:tcPr>
+                </a:tc>
+                <a:tc>
+                  <a:txBody>
+                    <a:bodyPr/>
+                    <a:lstStyle/>
+                    <a:p>
+                      <a:endParaRPr lang="en-GB" sz="1200">
+                        <a:solidFill>
+                          <a:sysClr val="windowText" lastClr="000000"/>
+                        </a:solidFill>
+                      </a:endParaRPr>
+                    </a:p>
+                  </a:txBody>
+                  <a:tcPr>
+                    <a:lnL w="12700" cap="flat" cmpd="sng" algn="ctr">
+                      <a:solidFill>
+                        <a:schemeClr val="tx1"/>
+                      </a:solidFill>
+                      <a:prstDash val="solid"/>
+                      <a:round/>
+                      <a:headEnd type="none" w="med" len="med"/>
+                      <a:tailEnd type="none" w="med" len="med"/>
+                    </a:lnL>
+                    <a:lnR w="12700" cap="flat" cmpd="sng" algn="ctr">
+                      <a:solidFill>
+                        <a:schemeClr val="tx1"/>
+                      </a:solidFill>
+                      <a:prstDash val="solid"/>
+                      <a:round/>
+                      <a:headEnd type="none" w="med" len="med"/>
+                      <a:tailEnd type="none" w="med" len="med"/>
+                    </a:lnR>
+                    <a:lnT w="12700" cap="flat" cmpd="sng" algn="ctr">
+                      <a:solidFill>
+                        <a:schemeClr val="tx1"/>
+                      </a:solidFill>
+                      <a:prstDash val="solid"/>
+                      <a:round/>
+                      <a:headEnd type="none" w="med" len="med"/>
+                      <a:tailEnd type="none" w="med" len="med"/>
+                    </a:lnT>
+                    <a:lnB w="12700" cap="flat" cmpd="sng" algn="ctr">
+                      <a:solidFill>
+                        <a:schemeClr val="tx1"/>
+                      </a:solidFill>
+                      <a:prstDash val="solid"/>
+                      <a:round/>
+                      <a:headEnd type="none" w="med" len="med"/>
+                      <a:tailEnd type="none" w="med" len="med"/>
+                    </a:lnB>
+                    <a:solidFill>
+                      <a:schemeClr val="bg1"/>
+                    </a:solidFill>
+                  </a:tcPr>
+                </a:tc>
+                <a:extLst>
+                  <a:ext uri="{0D108BD9-81ED-4DB2-BD59-A6C34878D82A}">
+                    <a16:rowId xmlns:a16="http://schemas.microsoft.com/office/drawing/2014/main" val="390955002"/>
+                  </a:ext>
+                </a:extLst>
+              </a:tr>
+              <a:tr h="444901">
+                <a:tc>
+                  <a:txBody>
+                    <a:bodyPr/>
+                    <a:lstStyle/>
+                    <a:p>
+                      <a:r>
+                        <a:rPr lang="en-GB" sz="1200" dirty="0">
+                          <a:solidFill>
+                            <a:sysClr val="windowText" lastClr="000000"/>
+                          </a:solidFill>
+                        </a:rPr>
+                        <a:t>DO</a:t>
+                      </a:r>
+                    </a:p>
+                  </a:txBody>
+                  <a:tcPr>
+                    <a:lnL w="12700" cap="flat" cmpd="sng" algn="ctr">
+                      <a:solidFill>
+                        <a:schemeClr val="tx1"/>
+                      </a:solidFill>
+                      <a:prstDash val="solid"/>
+                      <a:round/>
+                      <a:headEnd type="none" w="med" len="med"/>
+                      <a:tailEnd type="none" w="med" len="med"/>
+                    </a:lnL>
+                    <a:lnR w="12700" cap="flat" cmpd="sng" algn="ctr">
+                      <a:solidFill>
+                        <a:schemeClr val="tx1"/>
+                      </a:solidFill>
+                      <a:prstDash val="solid"/>
+                      <a:round/>
+                      <a:headEnd type="none" w="med" len="med"/>
+                      <a:tailEnd type="none" w="med" len="med"/>
+                    </a:lnR>
+                    <a:lnT w="12700" cap="flat" cmpd="sng" algn="ctr">
+                      <a:solidFill>
+                        <a:schemeClr val="tx1"/>
+                      </a:solidFill>
+                      <a:prstDash val="solid"/>
+                      <a:round/>
+                      <a:headEnd type="none" w="med" len="med"/>
+                      <a:tailEnd type="none" w="med" len="med"/>
+                    </a:lnT>
+                    <a:lnB w="12700" cap="flat" cmpd="sng" algn="ctr">
+                      <a:solidFill>
+                        <a:schemeClr val="tx1"/>
+                      </a:solidFill>
+                      <a:prstDash val="solid"/>
+                      <a:round/>
+                      <a:headEnd type="none" w="med" len="med"/>
+                      <a:tailEnd type="none" w="med" len="med"/>
+                    </a:lnB>
+                    <a:solidFill>
+                      <a:schemeClr val="bg1"/>
+                    </a:solidFill>
+                  </a:tcPr>
+                </a:tc>
+                <a:tc>
+                  <a:txBody>
+                    <a:bodyPr/>
+                    <a:lstStyle/>
+                    <a:p>
+                      <a:r>
+                        <a:rPr lang="en-GB" sz="1200" dirty="0">
+                          <a:solidFill>
+                            <a:sysClr val="windowText" lastClr="000000"/>
+                          </a:solidFill>
+                        </a:rPr>
+                        <a:t>8</a:t>
+                      </a:r>
+                    </a:p>
+                  </a:txBody>
+                  <a:tcPr>
+                    <a:lnL w="12700" cap="flat" cmpd="sng" algn="ctr">
+                      <a:solidFill>
+                        <a:schemeClr val="tx1"/>
+                      </a:solidFill>
+                      <a:prstDash val="solid"/>
+                      <a:round/>
+                      <a:headEnd type="none" w="med" len="med"/>
+                      <a:tailEnd type="none" w="med" len="med"/>
+                    </a:lnL>
+                    <a:lnR w="12700" cap="flat" cmpd="sng" algn="ctr">
+                      <a:solidFill>
+                        <a:schemeClr val="tx1"/>
+                      </a:solidFill>
+                      <a:prstDash val="solid"/>
+                      <a:round/>
+                      <a:headEnd type="none" w="med" len="med"/>
+                      <a:tailEnd type="none" w="med" len="med"/>
+                    </a:lnR>
+                    <a:lnT w="12700" cap="flat" cmpd="sng" algn="ctr">
+                      <a:solidFill>
+                        <a:schemeClr val="tx1"/>
+                      </a:solidFill>
+                      <a:prstDash val="solid"/>
+                      <a:round/>
+                      <a:headEnd type="none" w="med" len="med"/>
+                      <a:tailEnd type="none" w="med" len="med"/>
+                    </a:lnT>
+                    <a:lnB w="12700" cap="flat" cmpd="sng" algn="ctr">
+                      <a:solidFill>
+                        <a:schemeClr val="tx1"/>
+                      </a:solidFill>
+                      <a:prstDash val="solid"/>
+                      <a:round/>
+                      <a:headEnd type="none" w="med" len="med"/>
+                      <a:tailEnd type="none" w="med" len="med"/>
+                    </a:lnB>
+                    <a:solidFill>
+                      <a:schemeClr val="bg1"/>
+                    </a:solidFill>
+                  </a:tcPr>
+                </a:tc>
+                <a:tc>
+                  <a:txBody>
+                    <a:bodyPr/>
+                    <a:lstStyle/>
+                    <a:p>
+                      <a:r>
+                        <a:rPr lang="en-GB" sz="1200" dirty="0">
+                          <a:solidFill>
+                            <a:sysClr val="windowText" lastClr="000000"/>
+                          </a:solidFill>
+                        </a:rPr>
+                        <a:t>10.1080/20442041.2020.1827891</a:t>
+                      </a:r>
+                    </a:p>
+                  </a:txBody>
+                  <a:tcPr>
+                    <a:lnL w="12700" cap="flat" cmpd="sng" algn="ctr">
+                      <a:solidFill>
+                        <a:schemeClr val="tx1"/>
+                      </a:solidFill>
+                      <a:prstDash val="solid"/>
+                      <a:round/>
+                      <a:headEnd type="none" w="med" len="med"/>
+                      <a:tailEnd type="none" w="med" len="med"/>
+                    </a:lnL>
+                    <a:lnR w="12700" cap="flat" cmpd="sng" algn="ctr">
+                      <a:solidFill>
+                        <a:schemeClr val="tx1"/>
+                      </a:solidFill>
+                      <a:prstDash val="solid"/>
+                      <a:round/>
+                      <a:headEnd type="none" w="med" len="med"/>
+                      <a:tailEnd type="none" w="med" len="med"/>
+                    </a:lnR>
+                    <a:lnT w="12700" cap="flat" cmpd="sng" algn="ctr">
+                      <a:solidFill>
+                        <a:schemeClr val="tx1"/>
+                      </a:solidFill>
+                      <a:prstDash val="solid"/>
+                      <a:round/>
+                      <a:headEnd type="none" w="med" len="med"/>
+                      <a:tailEnd type="none" w="med" len="med"/>
+                    </a:lnT>
+                    <a:lnB w="12700" cap="flat" cmpd="sng" algn="ctr">
+                      <a:solidFill>
+                        <a:schemeClr val="tx1"/>
+                      </a:solidFill>
+                      <a:prstDash val="solid"/>
+                      <a:round/>
+                      <a:headEnd type="none" w="med" len="med"/>
+                      <a:tailEnd type="none" w="med" len="med"/>
+                    </a:lnB>
+                    <a:solidFill>
+                      <a:schemeClr val="bg1"/>
+                    </a:solidFill>
+                  </a:tcPr>
+                </a:tc>
+                <a:tc>
+                  <a:txBody>
+                    <a:bodyPr/>
+                    <a:lstStyle/>
+                    <a:p>
+                      <a:endParaRPr lang="en-GB" sz="1200">
+                        <a:solidFill>
+                          <a:sysClr val="windowText" lastClr="000000"/>
+                        </a:solidFill>
+                      </a:endParaRPr>
+                    </a:p>
+                  </a:txBody>
+                  <a:tcPr>
+                    <a:lnL w="12700" cap="flat" cmpd="sng" algn="ctr">
+                      <a:solidFill>
+                        <a:schemeClr val="tx1"/>
+                      </a:solidFill>
+                      <a:prstDash val="solid"/>
+                      <a:round/>
+                      <a:headEnd type="none" w="med" len="med"/>
+                      <a:tailEnd type="none" w="med" len="med"/>
+                    </a:lnL>
+                    <a:lnR w="12700" cap="flat" cmpd="sng" algn="ctr">
+                      <a:solidFill>
+                        <a:schemeClr val="tx1"/>
+                      </a:solidFill>
+                      <a:prstDash val="solid"/>
+                      <a:round/>
+                      <a:headEnd type="none" w="med" len="med"/>
+                      <a:tailEnd type="none" w="med" len="med"/>
+                    </a:lnR>
+                    <a:lnT w="12700" cap="flat" cmpd="sng" algn="ctr">
+                      <a:solidFill>
+                        <a:schemeClr val="tx1"/>
+                      </a:solidFill>
+                      <a:prstDash val="solid"/>
+                      <a:round/>
+                      <a:headEnd type="none" w="med" len="med"/>
+                      <a:tailEnd type="none" w="med" len="med"/>
+                    </a:lnT>
+                    <a:lnB w="12700" cap="flat" cmpd="sng" algn="ctr">
+                      <a:solidFill>
+                        <a:schemeClr val="tx1"/>
+                      </a:solidFill>
+                      <a:prstDash val="solid"/>
+                      <a:round/>
+                      <a:headEnd type="none" w="med" len="med"/>
+                      <a:tailEnd type="none" w="med" len="med"/>
+                    </a:lnB>
+                    <a:solidFill>
+                      <a:schemeClr val="bg1"/>
+                    </a:solidFill>
+                  </a:tcPr>
+                </a:tc>
+                <a:extLst>
+                  <a:ext uri="{0D108BD9-81ED-4DB2-BD59-A6C34878D82A}">
+                    <a16:rowId xmlns:a16="http://schemas.microsoft.com/office/drawing/2014/main" val="3312464431"/>
+                  </a:ext>
+                </a:extLst>
+              </a:tr>
+              <a:tr h="444901">
+                <a:tc>
+                  <a:txBody>
+                    <a:bodyPr/>
+                    <a:lstStyle/>
+                    <a:p>
+                      <a:r>
+                        <a:rPr lang="en-GB" sz="1200" dirty="0">
+                          <a:solidFill>
+                            <a:sysClr val="windowText" lastClr="000000"/>
+                          </a:solidFill>
+                        </a:rPr>
+                        <a:t>pH</a:t>
+                      </a:r>
+                    </a:p>
+                  </a:txBody>
+                  <a:tcPr>
+                    <a:lnL w="12700" cap="flat" cmpd="sng" algn="ctr">
+                      <a:solidFill>
+                        <a:schemeClr val="tx1"/>
+                      </a:solidFill>
+                      <a:prstDash val="solid"/>
+                      <a:round/>
+                      <a:headEnd type="none" w="med" len="med"/>
+                      <a:tailEnd type="none" w="med" len="med"/>
+                    </a:lnL>
+                    <a:lnR w="12700" cap="flat" cmpd="sng" algn="ctr">
+                      <a:solidFill>
+                        <a:schemeClr val="tx1"/>
+                      </a:solidFill>
+                      <a:prstDash val="solid"/>
+                      <a:round/>
+                      <a:headEnd type="none" w="med" len="med"/>
+                      <a:tailEnd type="none" w="med" len="med"/>
+                    </a:lnR>
+                    <a:lnT w="12700" cap="flat" cmpd="sng" algn="ctr">
+                      <a:solidFill>
+                        <a:schemeClr val="tx1"/>
+                      </a:solidFill>
+                      <a:prstDash val="solid"/>
+                      <a:round/>
+                      <a:headEnd type="none" w="med" len="med"/>
+                      <a:tailEnd type="none" w="med" len="med"/>
+                    </a:lnT>
+                    <a:lnB w="12700" cap="flat" cmpd="sng" algn="ctr">
+                      <a:solidFill>
+                        <a:schemeClr val="tx1"/>
+                      </a:solidFill>
+                      <a:prstDash val="solid"/>
+                      <a:round/>
+                      <a:headEnd type="none" w="med" len="med"/>
+                      <a:tailEnd type="none" w="med" len="med"/>
+                    </a:lnB>
+                    <a:solidFill>
+                      <a:schemeClr val="bg1"/>
+                    </a:solidFill>
+                  </a:tcPr>
+                </a:tc>
+                <a:tc>
+                  <a:txBody>
+                    <a:bodyPr/>
+                    <a:lstStyle/>
+                    <a:p>
+                      <a:r>
+                        <a:rPr lang="en-GB" sz="1200" dirty="0">
+                          <a:solidFill>
+                            <a:sysClr val="windowText" lastClr="000000"/>
+                          </a:solidFill>
+                        </a:rPr>
+                        <a:t>5</a:t>
+                      </a:r>
+                    </a:p>
+                  </a:txBody>
+                  <a:tcPr>
+                    <a:lnL w="12700" cap="flat" cmpd="sng" algn="ctr">
+                      <a:solidFill>
+                        <a:schemeClr val="tx1"/>
+                      </a:solidFill>
+                      <a:prstDash val="solid"/>
+                      <a:round/>
+                      <a:headEnd type="none" w="med" len="med"/>
+                      <a:tailEnd type="none" w="med" len="med"/>
+                    </a:lnL>
+                    <a:lnR w="12700" cap="flat" cmpd="sng" algn="ctr">
+                      <a:solidFill>
+                        <a:schemeClr val="tx1"/>
+                      </a:solidFill>
+                      <a:prstDash val="solid"/>
+                      <a:round/>
+                      <a:headEnd type="none" w="med" len="med"/>
+                      <a:tailEnd type="none" w="med" len="med"/>
+                    </a:lnR>
+                    <a:lnT w="12700" cap="flat" cmpd="sng" algn="ctr">
+                      <a:solidFill>
+                        <a:schemeClr val="tx1"/>
+                      </a:solidFill>
+                      <a:prstDash val="solid"/>
+                      <a:round/>
+                      <a:headEnd type="none" w="med" len="med"/>
+                      <a:tailEnd type="none" w="med" len="med"/>
+                    </a:lnT>
+                    <a:lnB w="12700" cap="flat" cmpd="sng" algn="ctr">
+                      <a:solidFill>
+                        <a:schemeClr val="tx1"/>
+                      </a:solidFill>
+                      <a:prstDash val="solid"/>
+                      <a:round/>
+                      <a:headEnd type="none" w="med" len="med"/>
+                      <a:tailEnd type="none" w="med" len="med"/>
+                    </a:lnB>
+                    <a:solidFill>
+                      <a:schemeClr val="bg1"/>
+                    </a:solidFill>
+                  </a:tcPr>
+                </a:tc>
+                <a:tc>
+                  <a:txBody>
+                    <a:bodyPr/>
+                    <a:lstStyle/>
+                    <a:p>
+                      <a:pPr marL="0" marR="0" lvl="0" indent="0" algn="l" defTabSz="914400" rtl="0" eaLnBrk="1" fontAlgn="auto" latinLnBrk="0" hangingPunct="1">
+                        <a:lnSpc>
+                          <a:spcPct val="100000"/>
+                        </a:lnSpc>
+                        <a:spcBef>
+                          <a:spcPts val="0"/>
+                        </a:spcBef>
+                        <a:spcAft>
+                          <a:spcPts val="0"/>
+                        </a:spcAft>
+                        <a:buClrTx/>
+                        <a:buSzTx/>
+                        <a:buFontTx/>
+                        <a:buNone/>
+                        <a:tabLst/>
+                        <a:defRPr/>
+                      </a:pPr>
+                      <a:r>
+                        <a:rPr lang="en-GB" sz="1200" kern="1200" dirty="0">
+                          <a:solidFill>
+                            <a:schemeClr val="dk1"/>
+                          </a:solidFill>
+                          <a:effectLst/>
+                          <a:latin typeface="+mn-lt"/>
+                          <a:ea typeface="+mn-ea"/>
+                          <a:cs typeface="+mn-cs"/>
+                        </a:rPr>
+                        <a:t>10.1007/s10750-013-1525-6</a:t>
+                      </a:r>
+                    </a:p>
+                    <a:p>
+                      <a:pPr marL="0" marR="0" lvl="0" indent="0" algn="l" defTabSz="914400" rtl="0" eaLnBrk="1" fontAlgn="auto" latinLnBrk="0" hangingPunct="1">
+                        <a:lnSpc>
+                          <a:spcPct val="100000"/>
+                        </a:lnSpc>
+                        <a:spcBef>
+                          <a:spcPts val="0"/>
+                        </a:spcBef>
+                        <a:spcAft>
+                          <a:spcPts val="0"/>
+                        </a:spcAft>
+                        <a:buClrTx/>
+                        <a:buSzTx/>
+                        <a:buFontTx/>
+                        <a:buNone/>
+                        <a:tabLst/>
+                        <a:defRPr/>
+                      </a:pPr>
+                      <a:r>
+                        <a:rPr lang="en-GB" sz="1200" dirty="0">
+                          <a:solidFill>
+                            <a:sysClr val="windowText" lastClr="000000"/>
+                          </a:solidFill>
+                        </a:rPr>
+                        <a:t>10.1016/j.ecolind.2022.109560</a:t>
+                      </a:r>
+                    </a:p>
+                  </a:txBody>
+                  <a:tcPr>
+                    <a:lnL w="12700" cap="flat" cmpd="sng" algn="ctr">
+                      <a:solidFill>
+                        <a:schemeClr val="tx1"/>
+                      </a:solidFill>
+                      <a:prstDash val="solid"/>
+                      <a:round/>
+                      <a:headEnd type="none" w="med" len="med"/>
+                      <a:tailEnd type="none" w="med" len="med"/>
+                    </a:lnL>
+                    <a:lnR w="12700" cap="flat" cmpd="sng" algn="ctr">
+                      <a:solidFill>
+                        <a:schemeClr val="tx1"/>
+                      </a:solidFill>
+                      <a:prstDash val="solid"/>
+                      <a:round/>
+                      <a:headEnd type="none" w="med" len="med"/>
+                      <a:tailEnd type="none" w="med" len="med"/>
+                    </a:lnR>
+                    <a:lnT w="12700" cap="flat" cmpd="sng" algn="ctr">
+                      <a:solidFill>
+                        <a:schemeClr val="tx1"/>
+                      </a:solidFill>
+                      <a:prstDash val="solid"/>
+                      <a:round/>
+                      <a:headEnd type="none" w="med" len="med"/>
+                      <a:tailEnd type="none" w="med" len="med"/>
+                    </a:lnT>
+                    <a:lnB w="12700" cap="flat" cmpd="sng" algn="ctr">
+                      <a:solidFill>
+                        <a:schemeClr val="tx1"/>
+                      </a:solidFill>
+                      <a:prstDash val="solid"/>
+                      <a:round/>
+                      <a:headEnd type="none" w="med" len="med"/>
+                      <a:tailEnd type="none" w="med" len="med"/>
+                    </a:lnB>
+                    <a:solidFill>
+                      <a:schemeClr val="bg1"/>
+                    </a:solidFill>
+                  </a:tcPr>
+                </a:tc>
+                <a:tc>
+                  <a:txBody>
+                    <a:bodyPr/>
+                    <a:lstStyle/>
+                    <a:p>
+                      <a:endParaRPr lang="en-GB" sz="1200" dirty="0">
+                        <a:solidFill>
+                          <a:sysClr val="windowText" lastClr="000000"/>
+                        </a:solidFill>
+                      </a:endParaRPr>
+                    </a:p>
+                  </a:txBody>
+                  <a:tcPr>
+                    <a:lnL w="12700" cap="flat" cmpd="sng" algn="ctr">
+                      <a:solidFill>
+                        <a:schemeClr val="tx1"/>
+                      </a:solidFill>
+                      <a:prstDash val="solid"/>
+                      <a:round/>
+                      <a:headEnd type="none" w="med" len="med"/>
+                      <a:tailEnd type="none" w="med" len="med"/>
+                    </a:lnL>
+                    <a:lnR w="12700" cap="flat" cmpd="sng" algn="ctr">
+                      <a:solidFill>
+                        <a:schemeClr val="tx1"/>
+                      </a:solidFill>
+                      <a:prstDash val="solid"/>
+                      <a:round/>
+                      <a:headEnd type="none" w="med" len="med"/>
+                      <a:tailEnd type="none" w="med" len="med"/>
+                    </a:lnR>
+                    <a:lnT w="12700" cap="flat" cmpd="sng" algn="ctr">
+                      <a:solidFill>
+                        <a:schemeClr val="tx1"/>
+                      </a:solidFill>
+                      <a:prstDash val="solid"/>
+                      <a:round/>
+                      <a:headEnd type="none" w="med" len="med"/>
+                      <a:tailEnd type="none" w="med" len="med"/>
+                    </a:lnT>
+                    <a:lnB w="12700" cap="flat" cmpd="sng" algn="ctr">
+                      <a:solidFill>
+                        <a:schemeClr val="tx1"/>
+                      </a:solidFill>
+                      <a:prstDash val="solid"/>
+                      <a:round/>
+                      <a:headEnd type="none" w="med" len="med"/>
+                      <a:tailEnd type="none" w="med" len="med"/>
+                    </a:lnB>
+                    <a:solidFill>
+                      <a:schemeClr val="bg1"/>
+                    </a:solidFill>
+                  </a:tcPr>
+                </a:tc>
+                <a:extLst>
+                  <a:ext uri="{0D108BD9-81ED-4DB2-BD59-A6C34878D82A}">
+                    <a16:rowId xmlns:a16="http://schemas.microsoft.com/office/drawing/2014/main" val="3171454159"/>
+                  </a:ext>
+                </a:extLst>
+              </a:tr>
+              <a:tr h="444901">
+                <a:tc>
+                  <a:txBody>
+                    <a:bodyPr/>
+                    <a:lstStyle/>
+                    <a:p>
+                      <a:r>
+                        <a:rPr lang="en-GB" sz="1200" dirty="0">
+                          <a:solidFill>
+                            <a:sysClr val="windowText" lastClr="000000"/>
+                          </a:solidFill>
+                        </a:rPr>
+                        <a:t>Temperature</a:t>
+                      </a:r>
+                    </a:p>
+                  </a:txBody>
+                  <a:tcPr>
+                    <a:lnL w="12700" cap="flat" cmpd="sng" algn="ctr">
+                      <a:solidFill>
+                        <a:schemeClr val="tx1"/>
+                      </a:solidFill>
+                      <a:prstDash val="solid"/>
+                      <a:round/>
+                      <a:headEnd type="none" w="med" len="med"/>
+                      <a:tailEnd type="none" w="med" len="med"/>
+                    </a:lnL>
+                    <a:lnR w="12700" cap="flat" cmpd="sng" algn="ctr">
+                      <a:solidFill>
+                        <a:schemeClr val="tx1"/>
+                      </a:solidFill>
+                      <a:prstDash val="solid"/>
+                      <a:round/>
+                      <a:headEnd type="none" w="med" len="med"/>
+                      <a:tailEnd type="none" w="med" len="med"/>
+                    </a:lnR>
+                    <a:lnT w="12700" cap="flat" cmpd="sng" algn="ctr">
+                      <a:solidFill>
+                        <a:schemeClr val="tx1"/>
+                      </a:solidFill>
+                      <a:prstDash val="solid"/>
+                      <a:round/>
+                      <a:headEnd type="none" w="med" len="med"/>
+                      <a:tailEnd type="none" w="med" len="med"/>
+                    </a:lnT>
+                    <a:lnB w="12700" cap="flat" cmpd="sng" algn="ctr">
+                      <a:solidFill>
+                        <a:schemeClr val="tx1"/>
+                      </a:solidFill>
+                      <a:prstDash val="solid"/>
+                      <a:round/>
+                      <a:headEnd type="none" w="med" len="med"/>
+                      <a:tailEnd type="none" w="med" len="med"/>
+                    </a:lnB>
+                    <a:solidFill>
+                      <a:schemeClr val="bg1"/>
+                    </a:solidFill>
+                  </a:tcPr>
+                </a:tc>
+                <a:tc>
+                  <a:txBody>
+                    <a:bodyPr/>
+                    <a:lstStyle/>
+                    <a:p>
+                      <a:r>
+                        <a:rPr lang="en-GB" sz="1200" dirty="0">
+                          <a:solidFill>
+                            <a:sysClr val="windowText" lastClr="000000"/>
+                          </a:solidFill>
+                        </a:rPr>
+                        <a:t>6</a:t>
+                      </a:r>
+                    </a:p>
+                  </a:txBody>
+                  <a:tcPr>
+                    <a:lnL w="12700" cap="flat" cmpd="sng" algn="ctr">
+                      <a:solidFill>
+                        <a:schemeClr val="tx1"/>
+                      </a:solidFill>
+                      <a:prstDash val="solid"/>
+                      <a:round/>
+                      <a:headEnd type="none" w="med" len="med"/>
+                      <a:tailEnd type="none" w="med" len="med"/>
+                    </a:lnL>
+                    <a:lnR w="12700" cap="flat" cmpd="sng" algn="ctr">
+                      <a:solidFill>
+                        <a:schemeClr val="tx1"/>
+                      </a:solidFill>
+                      <a:prstDash val="solid"/>
+                      <a:round/>
+                      <a:headEnd type="none" w="med" len="med"/>
+                      <a:tailEnd type="none" w="med" len="med"/>
+                    </a:lnR>
+                    <a:lnT w="12700" cap="flat" cmpd="sng" algn="ctr">
+                      <a:solidFill>
+                        <a:schemeClr val="tx1"/>
+                      </a:solidFill>
+                      <a:prstDash val="solid"/>
+                      <a:round/>
+                      <a:headEnd type="none" w="med" len="med"/>
+                      <a:tailEnd type="none" w="med" len="med"/>
+                    </a:lnT>
+                    <a:lnB w="12700" cap="flat" cmpd="sng" algn="ctr">
+                      <a:solidFill>
+                        <a:schemeClr val="tx1"/>
+                      </a:solidFill>
+                      <a:prstDash val="solid"/>
+                      <a:round/>
+                      <a:headEnd type="none" w="med" len="med"/>
+                      <a:tailEnd type="none" w="med" len="med"/>
+                    </a:lnB>
+                    <a:solidFill>
+                      <a:schemeClr val="bg1"/>
+                    </a:solidFill>
+                  </a:tcPr>
+                </a:tc>
+                <a:tc>
+                  <a:txBody>
+                    <a:bodyPr/>
+                    <a:lstStyle/>
+                    <a:p>
+                      <a:r>
+                        <a:rPr lang="en-GB" sz="1200" dirty="0">
+                          <a:solidFill>
+                            <a:sysClr val="windowText" lastClr="000000"/>
+                          </a:solidFill>
+                        </a:rPr>
+                        <a:t>10.1007/s10750-011-0923-x</a:t>
+                      </a:r>
+                    </a:p>
+                    <a:p>
+                      <a:r>
+                        <a:rPr lang="en-GB" sz="1200" dirty="0">
+                          <a:solidFill>
+                            <a:sysClr val="windowText" lastClr="000000"/>
+                          </a:solidFill>
+                        </a:rPr>
+                        <a:t>10.1080/20442041.2020.1827891</a:t>
+                      </a:r>
+                    </a:p>
+                  </a:txBody>
+                  <a:tcPr>
+                    <a:lnL w="12700" cap="flat" cmpd="sng" algn="ctr">
+                      <a:solidFill>
+                        <a:schemeClr val="tx1"/>
+                      </a:solidFill>
+                      <a:prstDash val="solid"/>
+                      <a:round/>
+                      <a:headEnd type="none" w="med" len="med"/>
+                      <a:tailEnd type="none" w="med" len="med"/>
+                    </a:lnL>
+                    <a:lnR w="12700" cap="flat" cmpd="sng" algn="ctr">
+                      <a:solidFill>
+                        <a:schemeClr val="tx1"/>
+                      </a:solidFill>
+                      <a:prstDash val="solid"/>
+                      <a:round/>
+                      <a:headEnd type="none" w="med" len="med"/>
+                      <a:tailEnd type="none" w="med" len="med"/>
+                    </a:lnR>
+                    <a:lnT w="12700" cap="flat" cmpd="sng" algn="ctr">
+                      <a:solidFill>
+                        <a:schemeClr val="tx1"/>
+                      </a:solidFill>
+                      <a:prstDash val="solid"/>
+                      <a:round/>
+                      <a:headEnd type="none" w="med" len="med"/>
+                      <a:tailEnd type="none" w="med" len="med"/>
+                    </a:lnT>
+                    <a:lnB w="12700" cap="flat" cmpd="sng" algn="ctr">
+                      <a:solidFill>
+                        <a:schemeClr val="tx1"/>
+                      </a:solidFill>
+                      <a:prstDash val="solid"/>
+                      <a:round/>
+                      <a:headEnd type="none" w="med" len="med"/>
+                      <a:tailEnd type="none" w="med" len="med"/>
+                    </a:lnB>
+                    <a:solidFill>
+                      <a:schemeClr val="bg1"/>
+                    </a:solidFill>
+                  </a:tcPr>
+                </a:tc>
+                <a:tc>
+                  <a:txBody>
+                    <a:bodyPr/>
+                    <a:lstStyle/>
+                    <a:p>
+                      <a:r>
+                        <a:rPr lang="en-GB" sz="1200" dirty="0">
+                          <a:solidFill>
+                            <a:sysClr val="windowText" lastClr="000000"/>
+                          </a:solidFill>
+                        </a:rPr>
+                        <a:t>Some found that temperature had little effect (10.1111/j.1365-2427.2007.01865.x)</a:t>
+                      </a:r>
+                    </a:p>
+                    <a:p>
+                      <a:r>
+                        <a:rPr lang="en-GB" sz="1200" dirty="0">
+                          <a:solidFill>
+                            <a:sysClr val="windowText" lastClr="000000"/>
+                          </a:solidFill>
+                        </a:rPr>
+                        <a:t>Spilt findings </a:t>
+                      </a:r>
+                    </a:p>
+                  </a:txBody>
+                  <a:tcPr>
+                    <a:lnL w="12700" cap="flat" cmpd="sng" algn="ctr">
+                      <a:solidFill>
+                        <a:schemeClr val="tx1"/>
+                      </a:solidFill>
+                      <a:prstDash val="solid"/>
+                      <a:round/>
+                      <a:headEnd type="none" w="med" len="med"/>
+                      <a:tailEnd type="none" w="med" len="med"/>
+                    </a:lnL>
+                    <a:lnR w="12700" cap="flat" cmpd="sng" algn="ctr">
+                      <a:solidFill>
+                        <a:schemeClr val="tx1"/>
+                      </a:solidFill>
+                      <a:prstDash val="solid"/>
+                      <a:round/>
+                      <a:headEnd type="none" w="med" len="med"/>
+                      <a:tailEnd type="none" w="med" len="med"/>
+                    </a:lnR>
+                    <a:lnT w="12700" cap="flat" cmpd="sng" algn="ctr">
+                      <a:solidFill>
+                        <a:schemeClr val="tx1"/>
+                      </a:solidFill>
+                      <a:prstDash val="solid"/>
+                      <a:round/>
+                      <a:headEnd type="none" w="med" len="med"/>
+                      <a:tailEnd type="none" w="med" len="med"/>
+                    </a:lnT>
+                    <a:lnB w="12700" cap="flat" cmpd="sng" algn="ctr">
+                      <a:solidFill>
+                        <a:schemeClr val="tx1"/>
+                      </a:solidFill>
+                      <a:prstDash val="solid"/>
+                      <a:round/>
+                      <a:headEnd type="none" w="med" len="med"/>
+                      <a:tailEnd type="none" w="med" len="med"/>
+                    </a:lnB>
+                    <a:solidFill>
+                      <a:schemeClr val="bg1"/>
+                    </a:solidFill>
+                  </a:tcPr>
+                </a:tc>
+                <a:extLst>
+                  <a:ext uri="{0D108BD9-81ED-4DB2-BD59-A6C34878D82A}">
+                    <a16:rowId xmlns:a16="http://schemas.microsoft.com/office/drawing/2014/main" val="2851720981"/>
+                  </a:ext>
+                </a:extLst>
+              </a:tr>
+              <a:tr h="444901">
+                <a:tc>
+                  <a:txBody>
+                    <a:bodyPr/>
+                    <a:lstStyle/>
+                    <a:p>
+                      <a:r>
+                        <a:rPr lang="en-GB" sz="1200" dirty="0">
+                          <a:solidFill>
+                            <a:sysClr val="windowText" lastClr="000000"/>
+                          </a:solidFill>
+                        </a:rPr>
+                        <a:t>Water Depth</a:t>
+                      </a:r>
+                    </a:p>
+                  </a:txBody>
+                  <a:tcPr>
+                    <a:lnL w="12700" cap="flat" cmpd="sng" algn="ctr">
+                      <a:solidFill>
+                        <a:schemeClr val="tx1"/>
+                      </a:solidFill>
+                      <a:prstDash val="solid"/>
+                      <a:round/>
+                      <a:headEnd type="none" w="med" len="med"/>
+                      <a:tailEnd type="none" w="med" len="med"/>
+                    </a:lnL>
+                    <a:lnR w="12700" cap="flat" cmpd="sng" algn="ctr">
+                      <a:solidFill>
+                        <a:schemeClr val="tx1"/>
+                      </a:solidFill>
+                      <a:prstDash val="solid"/>
+                      <a:round/>
+                      <a:headEnd type="none" w="med" len="med"/>
+                      <a:tailEnd type="none" w="med" len="med"/>
+                    </a:lnR>
+                    <a:lnT w="12700" cap="flat" cmpd="sng" algn="ctr">
+                      <a:solidFill>
+                        <a:schemeClr val="tx1"/>
+                      </a:solidFill>
+                      <a:prstDash val="solid"/>
+                      <a:round/>
+                      <a:headEnd type="none" w="med" len="med"/>
+                      <a:tailEnd type="none" w="med" len="med"/>
+                    </a:lnT>
+                    <a:lnB w="12700" cap="flat" cmpd="sng" algn="ctr">
+                      <a:solidFill>
+                        <a:schemeClr val="tx1"/>
+                      </a:solidFill>
+                      <a:prstDash val="solid"/>
+                      <a:round/>
+                      <a:headEnd type="none" w="med" len="med"/>
+                      <a:tailEnd type="none" w="med" len="med"/>
+                    </a:lnB>
+                    <a:solidFill>
+                      <a:schemeClr val="bg1"/>
+                    </a:solidFill>
+                  </a:tcPr>
+                </a:tc>
+                <a:tc>
+                  <a:txBody>
+                    <a:bodyPr/>
+                    <a:lstStyle/>
+                    <a:p>
+                      <a:r>
+                        <a:rPr lang="en-GB" sz="1200" dirty="0">
+                          <a:solidFill>
+                            <a:sysClr val="windowText" lastClr="000000"/>
+                          </a:solidFill>
+                        </a:rPr>
+                        <a:t>7</a:t>
+                      </a:r>
+                    </a:p>
+                  </a:txBody>
+                  <a:tcPr>
+                    <a:lnL w="12700" cap="flat" cmpd="sng" algn="ctr">
+                      <a:solidFill>
+                        <a:schemeClr val="tx1"/>
+                      </a:solidFill>
+                      <a:prstDash val="solid"/>
+                      <a:round/>
+                      <a:headEnd type="none" w="med" len="med"/>
+                      <a:tailEnd type="none" w="med" len="med"/>
+                    </a:lnL>
+                    <a:lnR w="12700" cap="flat" cmpd="sng" algn="ctr">
+                      <a:solidFill>
+                        <a:schemeClr val="tx1"/>
+                      </a:solidFill>
+                      <a:prstDash val="solid"/>
+                      <a:round/>
+                      <a:headEnd type="none" w="med" len="med"/>
+                      <a:tailEnd type="none" w="med" len="med"/>
+                    </a:lnR>
+                    <a:lnT w="12700" cap="flat" cmpd="sng" algn="ctr">
+                      <a:solidFill>
+                        <a:schemeClr val="tx1"/>
+                      </a:solidFill>
+                      <a:prstDash val="solid"/>
+                      <a:round/>
+                      <a:headEnd type="none" w="med" len="med"/>
+                      <a:tailEnd type="none" w="med" len="med"/>
+                    </a:lnT>
+                    <a:lnB w="12700" cap="flat" cmpd="sng" algn="ctr">
+                      <a:solidFill>
+                        <a:schemeClr val="tx1"/>
+                      </a:solidFill>
+                      <a:prstDash val="solid"/>
+                      <a:round/>
+                      <a:headEnd type="none" w="med" len="med"/>
+                      <a:tailEnd type="none" w="med" len="med"/>
+                    </a:lnB>
+                    <a:solidFill>
+                      <a:schemeClr val="bg1"/>
+                    </a:solidFill>
+                  </a:tcPr>
+                </a:tc>
+                <a:tc>
+                  <a:txBody>
+                    <a:bodyPr/>
+                    <a:lstStyle/>
+                    <a:p>
+                      <a:pPr marL="0" marR="0" lvl="0" indent="0" algn="l" defTabSz="914400" rtl="0" eaLnBrk="1" fontAlgn="auto" latinLnBrk="0" hangingPunct="1">
+                        <a:lnSpc>
+                          <a:spcPct val="100000"/>
+                        </a:lnSpc>
+                        <a:spcBef>
+                          <a:spcPts val="0"/>
+                        </a:spcBef>
+                        <a:spcAft>
+                          <a:spcPts val="0"/>
+                        </a:spcAft>
+                        <a:buClrTx/>
+                        <a:buSzTx/>
+                        <a:buFontTx/>
+                        <a:buNone/>
+                        <a:tabLst/>
+                        <a:defRPr/>
+                      </a:pPr>
+                      <a:r>
+                        <a:rPr lang="en-GB" sz="1200" dirty="0">
+                          <a:solidFill>
+                            <a:sysClr val="windowText" lastClr="000000"/>
+                          </a:solidFill>
+                        </a:rPr>
+                        <a:t>10.1016/j.ecolind.2022.109560</a:t>
+                      </a:r>
+                    </a:p>
+                  </a:txBody>
+                  <a:tcPr>
+                    <a:lnL w="12700" cap="flat" cmpd="sng" algn="ctr">
+                      <a:solidFill>
+                        <a:schemeClr val="tx1"/>
+                      </a:solidFill>
+                      <a:prstDash val="solid"/>
+                      <a:round/>
+                      <a:headEnd type="none" w="med" len="med"/>
+                      <a:tailEnd type="none" w="med" len="med"/>
+                    </a:lnL>
+                    <a:lnR w="12700" cap="flat" cmpd="sng" algn="ctr">
+                      <a:solidFill>
+                        <a:schemeClr val="tx1"/>
+                      </a:solidFill>
+                      <a:prstDash val="solid"/>
+                      <a:round/>
+                      <a:headEnd type="none" w="med" len="med"/>
+                      <a:tailEnd type="none" w="med" len="med"/>
+                    </a:lnR>
+                    <a:lnT w="12700" cap="flat" cmpd="sng" algn="ctr">
+                      <a:solidFill>
+                        <a:schemeClr val="tx1"/>
+                      </a:solidFill>
+                      <a:prstDash val="solid"/>
+                      <a:round/>
+                      <a:headEnd type="none" w="med" len="med"/>
+                      <a:tailEnd type="none" w="med" len="med"/>
+                    </a:lnT>
+                    <a:lnB w="12700" cap="flat" cmpd="sng" algn="ctr">
+                      <a:solidFill>
+                        <a:schemeClr val="tx1"/>
+                      </a:solidFill>
+                      <a:prstDash val="solid"/>
+                      <a:round/>
+                      <a:headEnd type="none" w="med" len="med"/>
+                      <a:tailEnd type="none" w="med" len="med"/>
+                    </a:lnB>
+                    <a:solidFill>
+                      <a:schemeClr val="bg1"/>
+                    </a:solidFill>
+                  </a:tcPr>
+                </a:tc>
+                <a:tc>
+                  <a:txBody>
+                    <a:bodyPr/>
+                    <a:lstStyle/>
+                    <a:p>
+                      <a:endParaRPr lang="en-GB" sz="1200" dirty="0">
+                        <a:solidFill>
+                          <a:sysClr val="windowText" lastClr="000000"/>
+                        </a:solidFill>
+                      </a:endParaRPr>
+                    </a:p>
+                  </a:txBody>
+                  <a:tcPr>
+                    <a:lnL w="12700" cap="flat" cmpd="sng" algn="ctr">
+                      <a:solidFill>
+                        <a:schemeClr val="tx1"/>
+                      </a:solidFill>
+                      <a:prstDash val="solid"/>
+                      <a:round/>
+                      <a:headEnd type="none" w="med" len="med"/>
+                      <a:tailEnd type="none" w="med" len="med"/>
+                    </a:lnL>
+                    <a:lnR w="12700" cap="flat" cmpd="sng" algn="ctr">
+                      <a:solidFill>
+                        <a:schemeClr val="tx1"/>
+                      </a:solidFill>
+                      <a:prstDash val="solid"/>
+                      <a:round/>
+                      <a:headEnd type="none" w="med" len="med"/>
+                      <a:tailEnd type="none" w="med" len="med"/>
+                    </a:lnR>
+                    <a:lnT w="12700" cap="flat" cmpd="sng" algn="ctr">
+                      <a:solidFill>
+                        <a:schemeClr val="tx1"/>
+                      </a:solidFill>
+                      <a:prstDash val="solid"/>
+                      <a:round/>
+                      <a:headEnd type="none" w="med" len="med"/>
+                      <a:tailEnd type="none" w="med" len="med"/>
+                    </a:lnT>
+                    <a:lnB w="12700" cap="flat" cmpd="sng" algn="ctr">
+                      <a:solidFill>
+                        <a:schemeClr val="tx1"/>
+                      </a:solidFill>
+                      <a:prstDash val="solid"/>
+                      <a:round/>
+                      <a:headEnd type="none" w="med" len="med"/>
+                      <a:tailEnd type="none" w="med" len="med"/>
+                    </a:lnB>
+                    <a:solidFill>
+                      <a:schemeClr val="bg1"/>
+                    </a:solidFill>
+                  </a:tcPr>
+                </a:tc>
+                <a:extLst>
+                  <a:ext uri="{0D108BD9-81ED-4DB2-BD59-A6C34878D82A}">
+                    <a16:rowId xmlns:a16="http://schemas.microsoft.com/office/drawing/2014/main" val="3908509810"/>
+                  </a:ext>
+                </a:extLst>
+              </a:tr>
+              <a:tr h="444901">
+                <a:tc>
+                  <a:txBody>
+                    <a:bodyPr/>
+                    <a:lstStyle/>
+                    <a:p>
+                      <a:r>
+                        <a:rPr lang="en-GB" sz="1200" dirty="0">
+                          <a:solidFill>
+                            <a:sysClr val="windowText" lastClr="000000"/>
+                          </a:solidFill>
+                        </a:rPr>
+                        <a:t>Phytoplankton Group</a:t>
+                      </a:r>
+                    </a:p>
+                  </a:txBody>
+                  <a:tcPr>
+                    <a:lnL w="12700" cap="flat" cmpd="sng" algn="ctr">
+                      <a:solidFill>
+                        <a:schemeClr val="tx1"/>
+                      </a:solidFill>
+                      <a:prstDash val="solid"/>
+                      <a:round/>
+                      <a:headEnd type="none" w="med" len="med"/>
+                      <a:tailEnd type="none" w="med" len="med"/>
+                    </a:lnL>
+                    <a:lnR w="12700" cap="flat" cmpd="sng" algn="ctr">
+                      <a:solidFill>
+                        <a:schemeClr val="tx1"/>
+                      </a:solidFill>
+                      <a:prstDash val="solid"/>
+                      <a:round/>
+                      <a:headEnd type="none" w="med" len="med"/>
+                      <a:tailEnd type="none" w="med" len="med"/>
+                    </a:lnR>
+                    <a:lnT w="12700" cap="flat" cmpd="sng" algn="ctr">
+                      <a:solidFill>
+                        <a:schemeClr val="tx1"/>
+                      </a:solidFill>
+                      <a:prstDash val="solid"/>
+                      <a:round/>
+                      <a:headEnd type="none" w="med" len="med"/>
+                      <a:tailEnd type="none" w="med" len="med"/>
+                    </a:lnT>
+                    <a:lnB w="12700" cap="flat" cmpd="sng" algn="ctr">
+                      <a:solidFill>
+                        <a:schemeClr val="tx1"/>
+                      </a:solidFill>
+                      <a:prstDash val="solid"/>
+                      <a:round/>
+                      <a:headEnd type="none" w="med" len="med"/>
+                      <a:tailEnd type="none" w="med" len="med"/>
+                    </a:lnB>
+                    <a:solidFill>
+                      <a:schemeClr val="bg1"/>
+                    </a:solidFill>
+                  </a:tcPr>
+                </a:tc>
+                <a:tc>
+                  <a:txBody>
+                    <a:bodyPr/>
+                    <a:lstStyle/>
+                    <a:p>
+                      <a:r>
+                        <a:rPr lang="en-GB" sz="1200" dirty="0">
+                          <a:solidFill>
+                            <a:sysClr val="windowText" lastClr="000000"/>
+                          </a:solidFill>
+                        </a:rPr>
+                        <a:t>2</a:t>
+                      </a:r>
+                    </a:p>
+                  </a:txBody>
+                  <a:tcPr>
+                    <a:lnL w="12700" cap="flat" cmpd="sng" algn="ctr">
+                      <a:solidFill>
+                        <a:schemeClr val="tx1"/>
+                      </a:solidFill>
+                      <a:prstDash val="solid"/>
+                      <a:round/>
+                      <a:headEnd type="none" w="med" len="med"/>
+                      <a:tailEnd type="none" w="med" len="med"/>
+                    </a:lnL>
+                    <a:lnR w="12700" cap="flat" cmpd="sng" algn="ctr">
+                      <a:solidFill>
+                        <a:schemeClr val="tx1"/>
+                      </a:solidFill>
+                      <a:prstDash val="solid"/>
+                      <a:round/>
+                      <a:headEnd type="none" w="med" len="med"/>
+                      <a:tailEnd type="none" w="med" len="med"/>
+                    </a:lnR>
+                    <a:lnT w="12700" cap="flat" cmpd="sng" algn="ctr">
+                      <a:solidFill>
+                        <a:schemeClr val="tx1"/>
+                      </a:solidFill>
+                      <a:prstDash val="solid"/>
+                      <a:round/>
+                      <a:headEnd type="none" w="med" len="med"/>
+                      <a:tailEnd type="none" w="med" len="med"/>
+                    </a:lnT>
+                    <a:lnB w="12700" cap="flat" cmpd="sng" algn="ctr">
+                      <a:solidFill>
+                        <a:schemeClr val="tx1"/>
+                      </a:solidFill>
+                      <a:prstDash val="solid"/>
+                      <a:round/>
+                      <a:headEnd type="none" w="med" len="med"/>
+                      <a:tailEnd type="none" w="med" len="med"/>
+                    </a:lnB>
+                    <a:solidFill>
+                      <a:schemeClr val="bg1"/>
+                    </a:solidFill>
+                  </a:tcPr>
+                </a:tc>
+                <a:tc>
+                  <a:txBody>
+                    <a:bodyPr/>
+                    <a:lstStyle/>
+                    <a:p>
+                      <a:endParaRPr lang="en-GB" sz="1200" dirty="0">
+                        <a:solidFill>
+                          <a:sysClr val="windowText" lastClr="000000"/>
+                        </a:solidFill>
+                      </a:endParaRPr>
+                    </a:p>
+                  </a:txBody>
+                  <a:tcPr>
+                    <a:lnL w="12700" cap="flat" cmpd="sng" algn="ctr">
+                      <a:solidFill>
+                        <a:schemeClr val="tx1"/>
+                      </a:solidFill>
+                      <a:prstDash val="solid"/>
+                      <a:round/>
+                      <a:headEnd type="none" w="med" len="med"/>
+                      <a:tailEnd type="none" w="med" len="med"/>
+                    </a:lnL>
+                    <a:lnR w="12700" cap="flat" cmpd="sng" algn="ctr">
+                      <a:solidFill>
+                        <a:schemeClr val="tx1"/>
+                      </a:solidFill>
+                      <a:prstDash val="solid"/>
+                      <a:round/>
+                      <a:headEnd type="none" w="med" len="med"/>
+                      <a:tailEnd type="none" w="med" len="med"/>
+                    </a:lnR>
+                    <a:lnT w="12700" cap="flat" cmpd="sng" algn="ctr">
+                      <a:solidFill>
+                        <a:schemeClr val="tx1"/>
+                      </a:solidFill>
+                      <a:prstDash val="solid"/>
+                      <a:round/>
+                      <a:headEnd type="none" w="med" len="med"/>
+                      <a:tailEnd type="none" w="med" len="med"/>
+                    </a:lnT>
+                    <a:lnB w="12700" cap="flat" cmpd="sng" algn="ctr">
+                      <a:solidFill>
+                        <a:schemeClr val="tx1"/>
+                      </a:solidFill>
+                      <a:prstDash val="solid"/>
+                      <a:round/>
+                      <a:headEnd type="none" w="med" len="med"/>
+                      <a:tailEnd type="none" w="med" len="med"/>
+                    </a:lnB>
+                    <a:solidFill>
+                      <a:schemeClr val="bg1"/>
+                    </a:solidFill>
+                  </a:tcPr>
+                </a:tc>
+                <a:tc>
+                  <a:txBody>
+                    <a:bodyPr/>
+                    <a:lstStyle/>
+                    <a:p>
+                      <a:endParaRPr lang="en-GB" sz="1200" dirty="0">
+                        <a:solidFill>
+                          <a:sysClr val="windowText" lastClr="000000"/>
+                        </a:solidFill>
+                      </a:endParaRPr>
+                    </a:p>
+                  </a:txBody>
+                  <a:tcPr>
+                    <a:lnL w="12700" cap="flat" cmpd="sng" algn="ctr">
+                      <a:solidFill>
+                        <a:schemeClr val="tx1"/>
+                      </a:solidFill>
+                      <a:prstDash val="solid"/>
+                      <a:round/>
+                      <a:headEnd type="none" w="med" len="med"/>
+                      <a:tailEnd type="none" w="med" len="med"/>
+                    </a:lnL>
+                    <a:lnR w="12700" cap="flat" cmpd="sng" algn="ctr">
+                      <a:solidFill>
+                        <a:schemeClr val="tx1"/>
+                      </a:solidFill>
+                      <a:prstDash val="solid"/>
+                      <a:round/>
+                      <a:headEnd type="none" w="med" len="med"/>
+                      <a:tailEnd type="none" w="med" len="med"/>
+                    </a:lnR>
+                    <a:lnT w="12700" cap="flat" cmpd="sng" algn="ctr">
+                      <a:solidFill>
+                        <a:schemeClr val="tx1"/>
+                      </a:solidFill>
+                      <a:prstDash val="solid"/>
+                      <a:round/>
+                      <a:headEnd type="none" w="med" len="med"/>
+                      <a:tailEnd type="none" w="med" len="med"/>
+                    </a:lnT>
+                    <a:lnB w="12700" cap="flat" cmpd="sng" algn="ctr">
+                      <a:solidFill>
+                        <a:schemeClr val="tx1"/>
+                      </a:solidFill>
+                      <a:prstDash val="solid"/>
+                      <a:round/>
+                      <a:headEnd type="none" w="med" len="med"/>
+                      <a:tailEnd type="none" w="med" len="med"/>
+                    </a:lnB>
+                    <a:solidFill>
+                      <a:schemeClr val="bg1"/>
+                    </a:solidFill>
+                  </a:tcPr>
+                </a:tc>
+                <a:extLst>
+                  <a:ext uri="{0D108BD9-81ED-4DB2-BD59-A6C34878D82A}">
+                    <a16:rowId xmlns:a16="http://schemas.microsoft.com/office/drawing/2014/main" val="929855425"/>
+                  </a:ext>
+                </a:extLst>
+              </a:tr>
+              <a:tr h="444901">
+                <a:tc>
+                  <a:txBody>
+                    <a:bodyPr/>
+                    <a:lstStyle/>
+                    <a:p>
+                      <a:r>
+                        <a:rPr lang="en-GB" sz="1200" dirty="0">
+                          <a:solidFill>
+                            <a:sysClr val="windowText" lastClr="000000"/>
+                          </a:solidFill>
+                        </a:rPr>
+                        <a:t>Season </a:t>
+                      </a:r>
+                    </a:p>
+                  </a:txBody>
+                  <a:tcPr>
+                    <a:lnL w="12700" cap="flat" cmpd="sng" algn="ctr">
+                      <a:solidFill>
+                        <a:schemeClr val="tx1"/>
+                      </a:solidFill>
+                      <a:prstDash val="solid"/>
+                      <a:round/>
+                      <a:headEnd type="none" w="med" len="med"/>
+                      <a:tailEnd type="none" w="med" len="med"/>
+                    </a:lnL>
+                    <a:lnR w="12700" cap="flat" cmpd="sng" algn="ctr">
+                      <a:solidFill>
+                        <a:schemeClr val="tx1"/>
+                      </a:solidFill>
+                      <a:prstDash val="solid"/>
+                      <a:round/>
+                      <a:headEnd type="none" w="med" len="med"/>
+                      <a:tailEnd type="none" w="med" len="med"/>
+                    </a:lnR>
+                    <a:lnT w="12700" cap="flat" cmpd="sng" algn="ctr">
+                      <a:solidFill>
+                        <a:schemeClr val="tx1"/>
+                      </a:solidFill>
+                      <a:prstDash val="solid"/>
+                      <a:round/>
+                      <a:headEnd type="none" w="med" len="med"/>
+                      <a:tailEnd type="none" w="med" len="med"/>
+                    </a:lnT>
+                    <a:lnB w="12700" cap="flat" cmpd="sng" algn="ctr">
+                      <a:solidFill>
+                        <a:schemeClr val="tx1"/>
+                      </a:solidFill>
+                      <a:prstDash val="solid"/>
+                      <a:round/>
+                      <a:headEnd type="none" w="med" len="med"/>
+                      <a:tailEnd type="none" w="med" len="med"/>
+                    </a:lnB>
+                    <a:solidFill>
+                      <a:schemeClr val="bg1"/>
+                    </a:solidFill>
+                  </a:tcPr>
+                </a:tc>
+                <a:tc>
+                  <a:txBody>
+                    <a:bodyPr/>
+                    <a:lstStyle/>
+                    <a:p>
+                      <a:r>
+                        <a:rPr lang="en-GB" sz="1200" dirty="0">
+                          <a:solidFill>
+                            <a:sysClr val="windowText" lastClr="000000"/>
+                          </a:solidFill>
+                        </a:rPr>
+                        <a:t>2</a:t>
+                      </a:r>
+                    </a:p>
+                  </a:txBody>
+                  <a:tcPr>
+                    <a:lnL w="12700" cap="flat" cmpd="sng" algn="ctr">
+                      <a:solidFill>
+                        <a:schemeClr val="tx1"/>
+                      </a:solidFill>
+                      <a:prstDash val="solid"/>
+                      <a:round/>
+                      <a:headEnd type="none" w="med" len="med"/>
+                      <a:tailEnd type="none" w="med" len="med"/>
+                    </a:lnL>
+                    <a:lnR w="12700" cap="flat" cmpd="sng" algn="ctr">
+                      <a:solidFill>
+                        <a:schemeClr val="tx1"/>
+                      </a:solidFill>
+                      <a:prstDash val="solid"/>
+                      <a:round/>
+                      <a:headEnd type="none" w="med" len="med"/>
+                      <a:tailEnd type="none" w="med" len="med"/>
+                    </a:lnR>
+                    <a:lnT w="12700" cap="flat" cmpd="sng" algn="ctr">
+                      <a:solidFill>
+                        <a:schemeClr val="tx1"/>
+                      </a:solidFill>
+                      <a:prstDash val="solid"/>
+                      <a:round/>
+                      <a:headEnd type="none" w="med" len="med"/>
+                      <a:tailEnd type="none" w="med" len="med"/>
+                    </a:lnT>
+                    <a:lnB w="12700" cap="flat" cmpd="sng" algn="ctr">
+                      <a:solidFill>
+                        <a:schemeClr val="tx1"/>
+                      </a:solidFill>
+                      <a:prstDash val="solid"/>
+                      <a:round/>
+                      <a:headEnd type="none" w="med" len="med"/>
+                      <a:tailEnd type="none" w="med" len="med"/>
+                    </a:lnB>
+                    <a:solidFill>
+                      <a:schemeClr val="bg1"/>
+                    </a:solidFill>
+                  </a:tcPr>
+                </a:tc>
+                <a:tc>
+                  <a:txBody>
+                    <a:bodyPr/>
+                    <a:lstStyle/>
+                    <a:p>
+                      <a:r>
+                        <a:rPr lang="en-GB" sz="1200" dirty="0">
+                          <a:solidFill>
+                            <a:sysClr val="windowText" lastClr="000000"/>
+                          </a:solidFill>
+                        </a:rPr>
+                        <a:t>10.1016/j.ecolind.2022.109560</a:t>
+                      </a:r>
+                    </a:p>
+                  </a:txBody>
+                  <a:tcPr>
+                    <a:lnL w="12700" cap="flat" cmpd="sng" algn="ctr">
+                      <a:solidFill>
+                        <a:schemeClr val="tx1"/>
+                      </a:solidFill>
+                      <a:prstDash val="solid"/>
+                      <a:round/>
+                      <a:headEnd type="none" w="med" len="med"/>
+                      <a:tailEnd type="none" w="med" len="med"/>
+                    </a:lnL>
+                    <a:lnR w="12700" cap="flat" cmpd="sng" algn="ctr">
+                      <a:solidFill>
+                        <a:schemeClr val="tx1"/>
+                      </a:solidFill>
+                      <a:prstDash val="solid"/>
+                      <a:round/>
+                      <a:headEnd type="none" w="med" len="med"/>
+                      <a:tailEnd type="none" w="med" len="med"/>
+                    </a:lnR>
+                    <a:lnT w="12700" cap="flat" cmpd="sng" algn="ctr">
+                      <a:solidFill>
+                        <a:schemeClr val="tx1"/>
+                      </a:solidFill>
+                      <a:prstDash val="solid"/>
+                      <a:round/>
+                      <a:headEnd type="none" w="med" len="med"/>
+                      <a:tailEnd type="none" w="med" len="med"/>
+                    </a:lnT>
+                    <a:lnB w="12700" cap="flat" cmpd="sng" algn="ctr">
+                      <a:solidFill>
+                        <a:schemeClr val="tx1"/>
+                      </a:solidFill>
+                      <a:prstDash val="solid"/>
+                      <a:round/>
+                      <a:headEnd type="none" w="med" len="med"/>
+                      <a:tailEnd type="none" w="med" len="med"/>
+                    </a:lnB>
+                    <a:solidFill>
+                      <a:schemeClr val="bg1"/>
+                    </a:solidFill>
+                  </a:tcPr>
+                </a:tc>
+                <a:tc>
+                  <a:txBody>
+                    <a:bodyPr/>
+                    <a:lstStyle/>
+                    <a:p>
+                      <a:r>
+                        <a:rPr lang="en-GB" sz="1200" dirty="0">
+                          <a:solidFill>
+                            <a:sysClr val="windowText" lastClr="000000"/>
+                          </a:solidFill>
+                        </a:rPr>
+                        <a:t>the plankton community was the least diverse in winter and the most stable during the spring-to-summer transition</a:t>
+                      </a:r>
+                    </a:p>
+                  </a:txBody>
+                  <a:tcPr>
+                    <a:lnL w="12700" cap="flat" cmpd="sng" algn="ctr">
+                      <a:solidFill>
+                        <a:schemeClr val="tx1"/>
+                      </a:solidFill>
+                      <a:prstDash val="solid"/>
+                      <a:round/>
+                      <a:headEnd type="none" w="med" len="med"/>
+                      <a:tailEnd type="none" w="med" len="med"/>
+                    </a:lnL>
+                    <a:lnR w="12700" cap="flat" cmpd="sng" algn="ctr">
+                      <a:solidFill>
+                        <a:schemeClr val="tx1"/>
+                      </a:solidFill>
+                      <a:prstDash val="solid"/>
+                      <a:round/>
+                      <a:headEnd type="none" w="med" len="med"/>
+                      <a:tailEnd type="none" w="med" len="med"/>
+                    </a:lnR>
+                    <a:lnT w="12700" cap="flat" cmpd="sng" algn="ctr">
+                      <a:solidFill>
+                        <a:schemeClr val="tx1"/>
+                      </a:solidFill>
+                      <a:prstDash val="solid"/>
+                      <a:round/>
+                      <a:headEnd type="none" w="med" len="med"/>
+                      <a:tailEnd type="none" w="med" len="med"/>
+                    </a:lnT>
+                    <a:lnB w="12700" cap="flat" cmpd="sng" algn="ctr">
+                      <a:solidFill>
+                        <a:schemeClr val="tx1"/>
+                      </a:solidFill>
+                      <a:prstDash val="solid"/>
+                      <a:round/>
+                      <a:headEnd type="none" w="med" len="med"/>
+                      <a:tailEnd type="none" w="med" len="med"/>
+                    </a:lnB>
+                    <a:solidFill>
+                      <a:schemeClr val="bg1"/>
+                    </a:solidFill>
+                  </a:tcPr>
+                </a:tc>
+                <a:extLst>
+                  <a:ext uri="{0D108BD9-81ED-4DB2-BD59-A6C34878D82A}">
+                    <a16:rowId xmlns:a16="http://schemas.microsoft.com/office/drawing/2014/main" val="2005850216"/>
+                  </a:ext>
+                </a:extLst>
+              </a:tr>
+            </a:tbl>
+          </a:graphicData>
+        </a:graphic>
+      </p:graphicFrame>
+    </p:spTree>
+    <p:extLst>
+      <p:ext uri="{BB962C8B-B14F-4D97-AF65-F5344CB8AC3E}">
+        <p14:creationId xmlns:p14="http://schemas.microsoft.com/office/powerpoint/2010/main" val="3627201028"/>
+      </p:ext>
+    </p:extLst>
+  </p:cSld>
+  <p:clrMapOvr>
+    <a:masterClrMapping/>
+  </p:clrMapOvr>
+</p:sld>
+</file>
+
+<file path=ppt/slides/slide20.xml><?xml version="1.0" encoding="utf-8"?>
 <p:sld xmlns:a="http://schemas.openxmlformats.org/drawingml/2006/main" xmlns:r="http://schemas.openxmlformats.org/officeDocument/2006/relationships" xmlns:p="http://schemas.openxmlformats.org/presentationml/2006/main">
   <p:cSld>
     <p:spTree>
@@ -4885,7 +8311,7 @@
 </p:sld>
 </file>
 
-<file path=ppt/slides/slide19.xml><?xml version="1.0" encoding="utf-8"?>
+<file path=ppt/slides/slide21.xml><?xml version="1.0" encoding="utf-8"?>
 <p:sld xmlns:a="http://schemas.openxmlformats.org/drawingml/2006/main" xmlns:r="http://schemas.openxmlformats.org/officeDocument/2006/relationships" xmlns:p="http://schemas.openxmlformats.org/presentationml/2006/main">
   <p:cSld>
     <p:spTree>
@@ -4995,3211 +8421,7 @@
 </p:sld>
 </file>
 
-<file path=ppt/slides/slide2.xml><?xml version="1.0" encoding="utf-8"?>
-<p:sld xmlns:a="http://schemas.openxmlformats.org/drawingml/2006/main" xmlns:r="http://schemas.openxmlformats.org/officeDocument/2006/relationships" xmlns:p="http://schemas.openxmlformats.org/presentationml/2006/main">
-  <p:cSld>
-    <p:spTree>
-      <p:nvGrpSpPr>
-        <p:cNvPr id="1" name=""/>
-        <p:cNvGrpSpPr/>
-        <p:nvPr/>
-      </p:nvGrpSpPr>
-      <p:grpSpPr>
-        <a:xfrm>
-          <a:off x="0" y="0"/>
-          <a:ext cx="0" cy="0"/>
-          <a:chOff x="0" y="0"/>
-          <a:chExt cx="0" cy="0"/>
-        </a:xfrm>
-      </p:grpSpPr>
-      <p:graphicFrame>
-        <p:nvGraphicFramePr>
-          <p:cNvPr id="4" name="Table 3">
-            <a:extLst>
-              <a:ext uri="{FF2B5EF4-FFF2-40B4-BE49-F238E27FC236}">
-                <a16:creationId xmlns:a16="http://schemas.microsoft.com/office/drawing/2014/main" id="{C30731D1-7262-3ED2-042A-CA1ED1977D15}"/>
-              </a:ext>
-            </a:extLst>
-          </p:cNvPr>
-          <p:cNvGraphicFramePr>
-            <a:graphicFrameLocks noGrp="1"/>
-          </p:cNvGraphicFramePr>
-          <p:nvPr>
-            <p:extLst>
-              <p:ext uri="{D42A27DB-BD31-4B8C-83A1-F6EECF244321}">
-                <p14:modId xmlns:p14="http://schemas.microsoft.com/office/powerpoint/2010/main" val="3177906454"/>
-              </p:ext>
-            </p:extLst>
-          </p:nvPr>
-        </p:nvGraphicFramePr>
-        <p:xfrm>
-          <a:off x="275302" y="61943"/>
-          <a:ext cx="11602064" cy="6680467"/>
-        </p:xfrm>
-        <a:graphic>
-          <a:graphicData uri="http://schemas.openxmlformats.org/drawingml/2006/table">
-            <a:tbl>
-              <a:tblPr firstRow="1" bandRow="1">
-                <a:tableStyleId>{5C22544A-7EE6-4342-B048-85BDC9FD1C3A}</a:tableStyleId>
-              </a:tblPr>
-              <a:tblGrid>
-                <a:gridCol w="1904018">
-                  <a:extLst>
-                    <a:ext uri="{9D8B030D-6E8A-4147-A177-3AD203B41FA5}">
-                      <a16:colId xmlns:a16="http://schemas.microsoft.com/office/drawing/2014/main" val="565729266"/>
-                    </a:ext>
-                  </a:extLst>
-                </a:gridCol>
-                <a:gridCol w="1920240">
-                  <a:extLst>
-                    <a:ext uri="{9D8B030D-6E8A-4147-A177-3AD203B41FA5}">
-                      <a16:colId xmlns:a16="http://schemas.microsoft.com/office/drawing/2014/main" val="3317822547"/>
-                    </a:ext>
-                  </a:extLst>
-                </a:gridCol>
-                <a:gridCol w="3185160">
-                  <a:extLst>
-                    <a:ext uri="{9D8B030D-6E8A-4147-A177-3AD203B41FA5}">
-                      <a16:colId xmlns:a16="http://schemas.microsoft.com/office/drawing/2014/main" val="3461427292"/>
-                    </a:ext>
-                  </a:extLst>
-                </a:gridCol>
-                <a:gridCol w="4592646">
-                  <a:extLst>
-                    <a:ext uri="{9D8B030D-6E8A-4147-A177-3AD203B41FA5}">
-                      <a16:colId xmlns:a16="http://schemas.microsoft.com/office/drawing/2014/main" val="2072230529"/>
-                    </a:ext>
-                  </a:extLst>
-                </a:gridCol>
-              </a:tblGrid>
-              <a:tr h="444901">
-                <a:tc>
-                  <a:txBody>
-                    <a:bodyPr/>
-                    <a:lstStyle/>
-                    <a:p>
-                      <a:r>
-                        <a:rPr lang="en-GB" sz="1600" dirty="0">
-                          <a:solidFill>
-                            <a:sysClr val="windowText" lastClr="000000"/>
-                          </a:solidFill>
-                        </a:rPr>
-                        <a:t>Variables</a:t>
-                      </a:r>
-                    </a:p>
-                  </a:txBody>
-                  <a:tcPr>
-                    <a:lnL w="12700" cap="flat" cmpd="sng" algn="ctr">
-                      <a:solidFill>
-                        <a:schemeClr val="tx1"/>
-                      </a:solidFill>
-                      <a:prstDash val="solid"/>
-                      <a:round/>
-                      <a:headEnd type="none" w="med" len="med"/>
-                      <a:tailEnd type="none" w="med" len="med"/>
-                    </a:lnL>
-                    <a:lnR w="12700" cap="flat" cmpd="sng" algn="ctr">
-                      <a:solidFill>
-                        <a:schemeClr val="tx1"/>
-                      </a:solidFill>
-                      <a:prstDash val="solid"/>
-                      <a:round/>
-                      <a:headEnd type="none" w="med" len="med"/>
-                      <a:tailEnd type="none" w="med" len="med"/>
-                    </a:lnR>
-                    <a:lnT w="12700" cap="flat" cmpd="sng" algn="ctr">
-                      <a:solidFill>
-                        <a:schemeClr val="tx1"/>
-                      </a:solidFill>
-                      <a:prstDash val="solid"/>
-                      <a:round/>
-                      <a:headEnd type="none" w="med" len="med"/>
-                      <a:tailEnd type="none" w="med" len="med"/>
-                    </a:lnT>
-                    <a:lnB w="12700" cap="flat" cmpd="sng" algn="ctr">
-                      <a:solidFill>
-                        <a:schemeClr val="tx1"/>
-                      </a:solidFill>
-                      <a:prstDash val="solid"/>
-                      <a:round/>
-                      <a:headEnd type="none" w="med" len="med"/>
-                      <a:tailEnd type="none" w="med" len="med"/>
-                    </a:lnB>
-                    <a:solidFill>
-                      <a:schemeClr val="bg1"/>
-                    </a:solidFill>
-                  </a:tcPr>
-                </a:tc>
-                <a:tc>
-                  <a:txBody>
-                    <a:bodyPr/>
-                    <a:lstStyle/>
-                    <a:p>
-                      <a:r>
-                        <a:rPr lang="en-GB" sz="1600" dirty="0">
-                          <a:solidFill>
-                            <a:sysClr val="windowText" lastClr="000000"/>
-                          </a:solidFill>
-                        </a:rPr>
-                        <a:t>Ranking for </a:t>
-                      </a:r>
-                      <a:r>
-                        <a:rPr lang="en-GB" sz="1600" dirty="0" err="1">
-                          <a:solidFill>
-                            <a:sysClr val="windowText" lastClr="000000"/>
-                          </a:solidFill>
-                        </a:rPr>
-                        <a:t>lmer</a:t>
-                      </a:r>
-                      <a:endParaRPr lang="en-GB" sz="1600" dirty="0">
-                        <a:solidFill>
-                          <a:sysClr val="windowText" lastClr="000000"/>
-                        </a:solidFill>
-                      </a:endParaRPr>
-                    </a:p>
-                  </a:txBody>
-                  <a:tcPr>
-                    <a:lnL w="12700" cap="flat" cmpd="sng" algn="ctr">
-                      <a:solidFill>
-                        <a:schemeClr val="tx1"/>
-                      </a:solidFill>
-                      <a:prstDash val="solid"/>
-                      <a:round/>
-                      <a:headEnd type="none" w="med" len="med"/>
-                      <a:tailEnd type="none" w="med" len="med"/>
-                    </a:lnL>
-                    <a:lnR w="12700" cap="flat" cmpd="sng" algn="ctr">
-                      <a:solidFill>
-                        <a:schemeClr val="tx1"/>
-                      </a:solidFill>
-                      <a:prstDash val="solid"/>
-                      <a:round/>
-                      <a:headEnd type="none" w="med" len="med"/>
-                      <a:tailEnd type="none" w="med" len="med"/>
-                    </a:lnR>
-                    <a:lnT w="12700" cap="flat" cmpd="sng" algn="ctr">
-                      <a:solidFill>
-                        <a:schemeClr val="tx1"/>
-                      </a:solidFill>
-                      <a:prstDash val="solid"/>
-                      <a:round/>
-                      <a:headEnd type="none" w="med" len="med"/>
-                      <a:tailEnd type="none" w="med" len="med"/>
-                    </a:lnT>
-                    <a:lnB w="12700" cap="flat" cmpd="sng" algn="ctr">
-                      <a:solidFill>
-                        <a:schemeClr val="tx1"/>
-                      </a:solidFill>
-                      <a:prstDash val="solid"/>
-                      <a:round/>
-                      <a:headEnd type="none" w="med" len="med"/>
-                      <a:tailEnd type="none" w="med" len="med"/>
-                    </a:lnB>
-                    <a:solidFill>
-                      <a:schemeClr val="bg1"/>
-                    </a:solidFill>
-                  </a:tcPr>
-                </a:tc>
-                <a:tc>
-                  <a:txBody>
-                    <a:bodyPr/>
-                    <a:lstStyle/>
-                    <a:p>
-                      <a:r>
-                        <a:rPr lang="en-GB" sz="1600" dirty="0">
-                          <a:solidFill>
-                            <a:sysClr val="windowText" lastClr="000000"/>
-                          </a:solidFill>
-                        </a:rPr>
-                        <a:t>References</a:t>
-                      </a:r>
-                    </a:p>
-                  </a:txBody>
-                  <a:tcPr>
-                    <a:lnL w="12700" cap="flat" cmpd="sng" algn="ctr">
-                      <a:solidFill>
-                        <a:schemeClr val="tx1"/>
-                      </a:solidFill>
-                      <a:prstDash val="solid"/>
-                      <a:round/>
-                      <a:headEnd type="none" w="med" len="med"/>
-                      <a:tailEnd type="none" w="med" len="med"/>
-                    </a:lnL>
-                    <a:lnR w="12700" cap="flat" cmpd="sng" algn="ctr">
-                      <a:solidFill>
-                        <a:schemeClr val="tx1"/>
-                      </a:solidFill>
-                      <a:prstDash val="solid"/>
-                      <a:round/>
-                      <a:headEnd type="none" w="med" len="med"/>
-                      <a:tailEnd type="none" w="med" len="med"/>
-                    </a:lnR>
-                    <a:lnT w="12700" cap="flat" cmpd="sng" algn="ctr">
-                      <a:solidFill>
-                        <a:schemeClr val="tx1"/>
-                      </a:solidFill>
-                      <a:prstDash val="solid"/>
-                      <a:round/>
-                      <a:headEnd type="none" w="med" len="med"/>
-                      <a:tailEnd type="none" w="med" len="med"/>
-                    </a:lnT>
-                    <a:lnB w="12700" cap="flat" cmpd="sng" algn="ctr">
-                      <a:solidFill>
-                        <a:schemeClr val="tx1"/>
-                      </a:solidFill>
-                      <a:prstDash val="solid"/>
-                      <a:round/>
-                      <a:headEnd type="none" w="med" len="med"/>
-                      <a:tailEnd type="none" w="med" len="med"/>
-                    </a:lnB>
-                    <a:solidFill>
-                      <a:schemeClr val="bg1"/>
-                    </a:solidFill>
-                  </a:tcPr>
-                </a:tc>
-                <a:tc>
-                  <a:txBody>
-                    <a:bodyPr/>
-                    <a:lstStyle/>
-                    <a:p>
-                      <a:r>
-                        <a:rPr lang="en-GB" sz="1600" dirty="0">
-                          <a:solidFill>
-                            <a:sysClr val="windowText" lastClr="000000"/>
-                          </a:solidFill>
-                        </a:rPr>
-                        <a:t>Notes</a:t>
-                      </a:r>
-                    </a:p>
-                  </a:txBody>
-                  <a:tcPr>
-                    <a:lnL w="12700" cap="flat" cmpd="sng" algn="ctr">
-                      <a:solidFill>
-                        <a:schemeClr val="tx1"/>
-                      </a:solidFill>
-                      <a:prstDash val="solid"/>
-                      <a:round/>
-                      <a:headEnd type="none" w="med" len="med"/>
-                      <a:tailEnd type="none" w="med" len="med"/>
-                    </a:lnL>
-                    <a:lnR w="12700" cap="flat" cmpd="sng" algn="ctr">
-                      <a:solidFill>
-                        <a:schemeClr val="tx1"/>
-                      </a:solidFill>
-                      <a:prstDash val="solid"/>
-                      <a:round/>
-                      <a:headEnd type="none" w="med" len="med"/>
-                      <a:tailEnd type="none" w="med" len="med"/>
-                    </a:lnR>
-                    <a:lnT w="12700" cap="flat" cmpd="sng" algn="ctr">
-                      <a:solidFill>
-                        <a:schemeClr val="tx1"/>
-                      </a:solidFill>
-                      <a:prstDash val="solid"/>
-                      <a:round/>
-                      <a:headEnd type="none" w="med" len="med"/>
-                      <a:tailEnd type="none" w="med" len="med"/>
-                    </a:lnT>
-                    <a:lnB w="12700" cap="flat" cmpd="sng" algn="ctr">
-                      <a:solidFill>
-                        <a:schemeClr val="tx1"/>
-                      </a:solidFill>
-                      <a:prstDash val="solid"/>
-                      <a:round/>
-                      <a:headEnd type="none" w="med" len="med"/>
-                      <a:tailEnd type="none" w="med" len="med"/>
-                    </a:lnB>
-                    <a:solidFill>
-                      <a:schemeClr val="bg1"/>
-                    </a:solidFill>
-                  </a:tcPr>
-                </a:tc>
-                <a:extLst>
-                  <a:ext uri="{0D108BD9-81ED-4DB2-BD59-A6C34878D82A}">
-                    <a16:rowId xmlns:a16="http://schemas.microsoft.com/office/drawing/2014/main" val="2658972568"/>
-                  </a:ext>
-                </a:extLst>
-              </a:tr>
-              <a:tr h="444901">
-                <a:tc>
-                  <a:txBody>
-                    <a:bodyPr/>
-                    <a:lstStyle/>
-                    <a:p>
-                      <a:r>
-                        <a:rPr lang="en-GB" sz="1200" dirty="0">
-                          <a:solidFill>
-                            <a:sysClr val="windowText" lastClr="000000"/>
-                          </a:solidFill>
-                        </a:rPr>
-                        <a:t>SRP</a:t>
-                      </a:r>
-                    </a:p>
-                  </a:txBody>
-                  <a:tcPr>
-                    <a:lnL w="12700" cap="flat" cmpd="sng" algn="ctr">
-                      <a:solidFill>
-                        <a:schemeClr val="tx1"/>
-                      </a:solidFill>
-                      <a:prstDash val="solid"/>
-                      <a:round/>
-                      <a:headEnd type="none" w="med" len="med"/>
-                      <a:tailEnd type="none" w="med" len="med"/>
-                    </a:lnL>
-                    <a:lnR w="12700" cap="flat" cmpd="sng" algn="ctr">
-                      <a:solidFill>
-                        <a:schemeClr val="tx1"/>
-                      </a:solidFill>
-                      <a:prstDash val="solid"/>
-                      <a:round/>
-                      <a:headEnd type="none" w="med" len="med"/>
-                      <a:tailEnd type="none" w="med" len="med"/>
-                    </a:lnR>
-                    <a:lnT w="12700" cap="flat" cmpd="sng" algn="ctr">
-                      <a:solidFill>
-                        <a:schemeClr val="tx1"/>
-                      </a:solidFill>
-                      <a:prstDash val="solid"/>
-                      <a:round/>
-                      <a:headEnd type="none" w="med" len="med"/>
-                      <a:tailEnd type="none" w="med" len="med"/>
-                    </a:lnT>
-                    <a:lnB w="12700" cap="flat" cmpd="sng" algn="ctr">
-                      <a:solidFill>
-                        <a:schemeClr val="tx1"/>
-                      </a:solidFill>
-                      <a:prstDash val="solid"/>
-                      <a:round/>
-                      <a:headEnd type="none" w="med" len="med"/>
-                      <a:tailEnd type="none" w="med" len="med"/>
-                    </a:lnB>
-                    <a:solidFill>
-                      <a:schemeClr val="bg1"/>
-                    </a:solidFill>
-                  </a:tcPr>
-                </a:tc>
-                <a:tc>
-                  <a:txBody>
-                    <a:bodyPr/>
-                    <a:lstStyle/>
-                    <a:p>
-                      <a:r>
-                        <a:rPr lang="en-GB" sz="1200" dirty="0">
-                          <a:solidFill>
-                            <a:sysClr val="windowText" lastClr="000000"/>
-                          </a:solidFill>
-                        </a:rPr>
-                        <a:t>1</a:t>
-                      </a:r>
-                    </a:p>
-                  </a:txBody>
-                  <a:tcPr>
-                    <a:lnL w="12700" cap="flat" cmpd="sng" algn="ctr">
-                      <a:solidFill>
-                        <a:schemeClr val="tx1"/>
-                      </a:solidFill>
-                      <a:prstDash val="solid"/>
-                      <a:round/>
-                      <a:headEnd type="none" w="med" len="med"/>
-                      <a:tailEnd type="none" w="med" len="med"/>
-                    </a:lnL>
-                    <a:lnR w="12700" cap="flat" cmpd="sng" algn="ctr">
-                      <a:solidFill>
-                        <a:schemeClr val="tx1"/>
-                      </a:solidFill>
-                      <a:prstDash val="solid"/>
-                      <a:round/>
-                      <a:headEnd type="none" w="med" len="med"/>
-                      <a:tailEnd type="none" w="med" len="med"/>
-                    </a:lnR>
-                    <a:lnT w="12700" cap="flat" cmpd="sng" algn="ctr">
-                      <a:solidFill>
-                        <a:schemeClr val="tx1"/>
-                      </a:solidFill>
-                      <a:prstDash val="solid"/>
-                      <a:round/>
-                      <a:headEnd type="none" w="med" len="med"/>
-                      <a:tailEnd type="none" w="med" len="med"/>
-                    </a:lnT>
-                    <a:lnB w="12700" cap="flat" cmpd="sng" algn="ctr">
-                      <a:solidFill>
-                        <a:schemeClr val="tx1"/>
-                      </a:solidFill>
-                      <a:prstDash val="solid"/>
-                      <a:round/>
-                      <a:headEnd type="none" w="med" len="med"/>
-                      <a:tailEnd type="none" w="med" len="med"/>
-                    </a:lnB>
-                    <a:solidFill>
-                      <a:schemeClr val="bg1"/>
-                    </a:solidFill>
-                  </a:tcPr>
-                </a:tc>
-                <a:tc>
-                  <a:txBody>
-                    <a:bodyPr/>
-                    <a:lstStyle/>
-                    <a:p>
-                      <a:r>
-                        <a:rPr lang="en-GB" sz="1200" dirty="0">
-                          <a:solidFill>
-                            <a:sysClr val="windowText" lastClr="000000"/>
-                          </a:solidFill>
-                        </a:rPr>
-                        <a:t>10.1007/s10750-011-0923-x</a:t>
-                      </a:r>
-                    </a:p>
-                    <a:p>
-                      <a:r>
-                        <a:rPr lang="en-GB" sz="1200" dirty="0">
-                          <a:solidFill>
-                            <a:sysClr val="windowText" lastClr="000000"/>
-                          </a:solidFill>
-                        </a:rPr>
-                        <a:t>10.1111/j.1365-2427.2007.01865.x</a:t>
-                      </a:r>
-                    </a:p>
-                    <a:p>
-                      <a:r>
-                        <a:rPr lang="en-GB" sz="1200" dirty="0">
-                          <a:solidFill>
-                            <a:sysClr val="windowText" lastClr="000000"/>
-                          </a:solidFill>
-                        </a:rPr>
-                        <a:t>10.1080/20442041.2020.1827891</a:t>
-                      </a:r>
-                    </a:p>
-                    <a:p>
-                      <a:pPr marL="0" marR="0" lvl="0" indent="0" algn="l" defTabSz="914400" rtl="0" eaLnBrk="1" fontAlgn="auto" latinLnBrk="0" hangingPunct="1">
-                        <a:lnSpc>
-                          <a:spcPct val="100000"/>
-                        </a:lnSpc>
-                        <a:spcBef>
-                          <a:spcPts val="0"/>
-                        </a:spcBef>
-                        <a:spcAft>
-                          <a:spcPts val="0"/>
-                        </a:spcAft>
-                        <a:buClrTx/>
-                        <a:buSzTx/>
-                        <a:buFontTx/>
-                        <a:buNone/>
-                        <a:tabLst/>
-                        <a:defRPr/>
-                      </a:pPr>
-                      <a:r>
-                        <a:rPr lang="en-GB" sz="1200" kern="1200" dirty="0">
-                          <a:solidFill>
-                            <a:schemeClr val="dk1"/>
-                          </a:solidFill>
-                          <a:effectLst/>
-                          <a:latin typeface="+mn-lt"/>
-                          <a:ea typeface="+mn-ea"/>
-                          <a:cs typeface="+mn-cs"/>
-                        </a:rPr>
-                        <a:t>10.1007/s10750-013-1525-6</a:t>
-                      </a:r>
-                    </a:p>
-                    <a:p>
-                      <a:pPr marL="0" marR="0" lvl="0" indent="0" algn="l" defTabSz="914400" rtl="0" eaLnBrk="1" fontAlgn="auto" latinLnBrk="0" hangingPunct="1">
-                        <a:lnSpc>
-                          <a:spcPct val="100000"/>
-                        </a:lnSpc>
-                        <a:spcBef>
-                          <a:spcPts val="0"/>
-                        </a:spcBef>
-                        <a:spcAft>
-                          <a:spcPts val="0"/>
-                        </a:spcAft>
-                        <a:buClrTx/>
-                        <a:buSzTx/>
-                        <a:buFontTx/>
-                        <a:buNone/>
-                        <a:tabLst/>
-                        <a:defRPr/>
-                      </a:pPr>
-                      <a:r>
-                        <a:rPr lang="en-GB" sz="1200" dirty="0">
-                          <a:solidFill>
-                            <a:sysClr val="windowText" lastClr="000000"/>
-                          </a:solidFill>
-                        </a:rPr>
-                        <a:t>10.1016/j.ecolind.2022.109560</a:t>
-                      </a:r>
-                    </a:p>
-                    <a:p>
-                      <a:pPr marL="0" marR="0" lvl="0" indent="0" algn="l" defTabSz="914400" rtl="0" eaLnBrk="1" fontAlgn="auto" latinLnBrk="0" hangingPunct="1">
-                        <a:lnSpc>
-                          <a:spcPct val="100000"/>
-                        </a:lnSpc>
-                        <a:spcBef>
-                          <a:spcPts val="0"/>
-                        </a:spcBef>
-                        <a:spcAft>
-                          <a:spcPts val="0"/>
-                        </a:spcAft>
-                        <a:buClrTx/>
-                        <a:buSzTx/>
-                        <a:buFontTx/>
-                        <a:buNone/>
-                        <a:tabLst/>
-                        <a:defRPr/>
-                      </a:pPr>
-                      <a:r>
-                        <a:rPr lang="en-GB" sz="1200" dirty="0">
-                          <a:solidFill>
-                            <a:sysClr val="windowText" lastClr="000000"/>
-                          </a:solidFill>
-                        </a:rPr>
-                        <a:t>10.1016/j.hal.2019.02.002</a:t>
-                      </a:r>
-                    </a:p>
-                  </a:txBody>
-                  <a:tcPr>
-                    <a:lnL w="12700" cap="flat" cmpd="sng" algn="ctr">
-                      <a:solidFill>
-                        <a:schemeClr val="tx1"/>
-                      </a:solidFill>
-                      <a:prstDash val="solid"/>
-                      <a:round/>
-                      <a:headEnd type="none" w="med" len="med"/>
-                      <a:tailEnd type="none" w="med" len="med"/>
-                    </a:lnL>
-                    <a:lnR w="12700" cap="flat" cmpd="sng" algn="ctr">
-                      <a:solidFill>
-                        <a:schemeClr val="tx1"/>
-                      </a:solidFill>
-                      <a:prstDash val="solid"/>
-                      <a:round/>
-                      <a:headEnd type="none" w="med" len="med"/>
-                      <a:tailEnd type="none" w="med" len="med"/>
-                    </a:lnR>
-                    <a:lnT w="12700" cap="flat" cmpd="sng" algn="ctr">
-                      <a:solidFill>
-                        <a:schemeClr val="tx1"/>
-                      </a:solidFill>
-                      <a:prstDash val="solid"/>
-                      <a:round/>
-                      <a:headEnd type="none" w="med" len="med"/>
-                      <a:tailEnd type="none" w="med" len="med"/>
-                    </a:lnT>
-                    <a:lnB w="12700" cap="flat" cmpd="sng" algn="ctr">
-                      <a:solidFill>
-                        <a:schemeClr val="tx1"/>
-                      </a:solidFill>
-                      <a:prstDash val="solid"/>
-                      <a:round/>
-                      <a:headEnd type="none" w="med" len="med"/>
-                      <a:tailEnd type="none" w="med" len="med"/>
-                    </a:lnB>
-                    <a:solidFill>
-                      <a:schemeClr val="bg1"/>
-                    </a:solidFill>
-                  </a:tcPr>
-                </a:tc>
-                <a:tc>
-                  <a:txBody>
-                    <a:bodyPr/>
-                    <a:lstStyle/>
-                    <a:p>
-                      <a:r>
-                        <a:rPr lang="en-GB" sz="1200" dirty="0">
-                          <a:solidFill>
-                            <a:sysClr val="windowText" lastClr="000000"/>
-                          </a:solidFill>
-                        </a:rPr>
-                        <a:t>Nutrient availability (10.1016/j.envpol.2020.116210)</a:t>
-                      </a:r>
-                    </a:p>
-                  </a:txBody>
-                  <a:tcPr>
-                    <a:lnL w="12700" cap="flat" cmpd="sng" algn="ctr">
-                      <a:solidFill>
-                        <a:schemeClr val="tx1"/>
-                      </a:solidFill>
-                      <a:prstDash val="solid"/>
-                      <a:round/>
-                      <a:headEnd type="none" w="med" len="med"/>
-                      <a:tailEnd type="none" w="med" len="med"/>
-                    </a:lnL>
-                    <a:lnR w="12700" cap="flat" cmpd="sng" algn="ctr">
-                      <a:solidFill>
-                        <a:schemeClr val="tx1"/>
-                      </a:solidFill>
-                      <a:prstDash val="solid"/>
-                      <a:round/>
-                      <a:headEnd type="none" w="med" len="med"/>
-                      <a:tailEnd type="none" w="med" len="med"/>
-                    </a:lnR>
-                    <a:lnT w="12700" cap="flat" cmpd="sng" algn="ctr">
-                      <a:solidFill>
-                        <a:schemeClr val="tx1"/>
-                      </a:solidFill>
-                      <a:prstDash val="solid"/>
-                      <a:round/>
-                      <a:headEnd type="none" w="med" len="med"/>
-                      <a:tailEnd type="none" w="med" len="med"/>
-                    </a:lnT>
-                    <a:lnB w="12700" cap="flat" cmpd="sng" algn="ctr">
-                      <a:solidFill>
-                        <a:schemeClr val="tx1"/>
-                      </a:solidFill>
-                      <a:prstDash val="solid"/>
-                      <a:round/>
-                      <a:headEnd type="none" w="med" len="med"/>
-                      <a:tailEnd type="none" w="med" len="med"/>
-                    </a:lnB>
-                    <a:solidFill>
-                      <a:schemeClr val="bg1"/>
-                    </a:solidFill>
-                  </a:tcPr>
-                </a:tc>
-                <a:extLst>
-                  <a:ext uri="{0D108BD9-81ED-4DB2-BD59-A6C34878D82A}">
-                    <a16:rowId xmlns:a16="http://schemas.microsoft.com/office/drawing/2014/main" val="3809272896"/>
-                  </a:ext>
-                </a:extLst>
-              </a:tr>
-              <a:tr h="444901">
-                <a:tc>
-                  <a:txBody>
-                    <a:bodyPr/>
-                    <a:lstStyle/>
-                    <a:p>
-                      <a:r>
-                        <a:rPr lang="en-GB" sz="1200" dirty="0">
-                          <a:solidFill>
-                            <a:sysClr val="windowText" lastClr="000000"/>
-                          </a:solidFill>
-                        </a:rPr>
-                        <a:t>SD</a:t>
-                      </a:r>
-                    </a:p>
-                  </a:txBody>
-                  <a:tcPr>
-                    <a:lnL w="12700" cap="flat" cmpd="sng" algn="ctr">
-                      <a:solidFill>
-                        <a:schemeClr val="tx1"/>
-                      </a:solidFill>
-                      <a:prstDash val="solid"/>
-                      <a:round/>
-                      <a:headEnd type="none" w="med" len="med"/>
-                      <a:tailEnd type="none" w="med" len="med"/>
-                    </a:lnL>
-                    <a:lnR w="12700" cap="flat" cmpd="sng" algn="ctr">
-                      <a:solidFill>
-                        <a:schemeClr val="tx1"/>
-                      </a:solidFill>
-                      <a:prstDash val="solid"/>
-                      <a:round/>
-                      <a:headEnd type="none" w="med" len="med"/>
-                      <a:tailEnd type="none" w="med" len="med"/>
-                    </a:lnR>
-                    <a:lnT w="12700" cap="flat" cmpd="sng" algn="ctr">
-                      <a:solidFill>
-                        <a:schemeClr val="tx1"/>
-                      </a:solidFill>
-                      <a:prstDash val="solid"/>
-                      <a:round/>
-                      <a:headEnd type="none" w="med" len="med"/>
-                      <a:tailEnd type="none" w="med" len="med"/>
-                    </a:lnT>
-                    <a:lnB w="12700" cap="flat" cmpd="sng" algn="ctr">
-                      <a:solidFill>
-                        <a:schemeClr val="tx1"/>
-                      </a:solidFill>
-                      <a:prstDash val="solid"/>
-                      <a:round/>
-                      <a:headEnd type="none" w="med" len="med"/>
-                      <a:tailEnd type="none" w="med" len="med"/>
-                    </a:lnB>
-                    <a:solidFill>
-                      <a:schemeClr val="bg1"/>
-                    </a:solidFill>
-                  </a:tcPr>
-                </a:tc>
-                <a:tc>
-                  <a:txBody>
-                    <a:bodyPr/>
-                    <a:lstStyle/>
-                    <a:p>
-                      <a:r>
-                        <a:rPr lang="en-GB" sz="1200" dirty="0">
-                          <a:solidFill>
-                            <a:sysClr val="windowText" lastClr="000000"/>
-                          </a:solidFill>
-                        </a:rPr>
-                        <a:t>9</a:t>
-                      </a:r>
-                    </a:p>
-                  </a:txBody>
-                  <a:tcPr>
-                    <a:lnL w="12700" cap="flat" cmpd="sng" algn="ctr">
-                      <a:solidFill>
-                        <a:schemeClr val="tx1"/>
-                      </a:solidFill>
-                      <a:prstDash val="solid"/>
-                      <a:round/>
-                      <a:headEnd type="none" w="med" len="med"/>
-                      <a:tailEnd type="none" w="med" len="med"/>
-                    </a:lnL>
-                    <a:lnR w="12700" cap="flat" cmpd="sng" algn="ctr">
-                      <a:solidFill>
-                        <a:schemeClr val="tx1"/>
-                      </a:solidFill>
-                      <a:prstDash val="solid"/>
-                      <a:round/>
-                      <a:headEnd type="none" w="med" len="med"/>
-                      <a:tailEnd type="none" w="med" len="med"/>
-                    </a:lnR>
-                    <a:lnT w="12700" cap="flat" cmpd="sng" algn="ctr">
-                      <a:solidFill>
-                        <a:schemeClr val="tx1"/>
-                      </a:solidFill>
-                      <a:prstDash val="solid"/>
-                      <a:round/>
-                      <a:headEnd type="none" w="med" len="med"/>
-                      <a:tailEnd type="none" w="med" len="med"/>
-                    </a:lnT>
-                    <a:lnB w="12700" cap="flat" cmpd="sng" algn="ctr">
-                      <a:solidFill>
-                        <a:schemeClr val="tx1"/>
-                      </a:solidFill>
-                      <a:prstDash val="solid"/>
-                      <a:round/>
-                      <a:headEnd type="none" w="med" len="med"/>
-                      <a:tailEnd type="none" w="med" len="med"/>
-                    </a:lnB>
-                    <a:solidFill>
-                      <a:schemeClr val="bg1"/>
-                    </a:solidFill>
-                  </a:tcPr>
-                </a:tc>
-                <a:tc>
-                  <a:txBody>
-                    <a:bodyPr/>
-                    <a:lstStyle/>
-                    <a:p>
-                      <a:pPr marL="0" marR="0" lvl="0" indent="0" algn="l" defTabSz="914400" rtl="0" eaLnBrk="1" fontAlgn="auto" latinLnBrk="0" hangingPunct="1">
-                        <a:lnSpc>
-                          <a:spcPct val="100000"/>
-                        </a:lnSpc>
-                        <a:spcBef>
-                          <a:spcPts val="0"/>
-                        </a:spcBef>
-                        <a:spcAft>
-                          <a:spcPts val="0"/>
-                        </a:spcAft>
-                        <a:buClrTx/>
-                        <a:buSzTx/>
-                        <a:buFontTx/>
-                        <a:buNone/>
-                        <a:tabLst/>
-                        <a:defRPr/>
-                      </a:pPr>
-                      <a:r>
-                        <a:rPr lang="en-GB" sz="1200" kern="1200" dirty="0">
-                          <a:solidFill>
-                            <a:schemeClr val="dk1"/>
-                          </a:solidFill>
-                          <a:effectLst/>
-                          <a:latin typeface="+mn-lt"/>
-                          <a:ea typeface="+mn-ea"/>
-                          <a:cs typeface="+mn-cs"/>
-                        </a:rPr>
-                        <a:t>10.1007/s10750-011-0923-x</a:t>
-                      </a:r>
-                    </a:p>
-                  </a:txBody>
-                  <a:tcPr>
-                    <a:lnL w="12700" cap="flat" cmpd="sng" algn="ctr">
-                      <a:solidFill>
-                        <a:schemeClr val="tx1"/>
-                      </a:solidFill>
-                      <a:prstDash val="solid"/>
-                      <a:round/>
-                      <a:headEnd type="none" w="med" len="med"/>
-                      <a:tailEnd type="none" w="med" len="med"/>
-                    </a:lnL>
-                    <a:lnR w="12700" cap="flat" cmpd="sng" algn="ctr">
-                      <a:solidFill>
-                        <a:schemeClr val="tx1"/>
-                      </a:solidFill>
-                      <a:prstDash val="solid"/>
-                      <a:round/>
-                      <a:headEnd type="none" w="med" len="med"/>
-                      <a:tailEnd type="none" w="med" len="med"/>
-                    </a:lnR>
-                    <a:lnT w="12700" cap="flat" cmpd="sng" algn="ctr">
-                      <a:solidFill>
-                        <a:schemeClr val="tx1"/>
-                      </a:solidFill>
-                      <a:prstDash val="solid"/>
-                      <a:round/>
-                      <a:headEnd type="none" w="med" len="med"/>
-                      <a:tailEnd type="none" w="med" len="med"/>
-                    </a:lnT>
-                    <a:lnB w="12700" cap="flat" cmpd="sng" algn="ctr">
-                      <a:solidFill>
-                        <a:schemeClr val="tx1"/>
-                      </a:solidFill>
-                      <a:prstDash val="solid"/>
-                      <a:round/>
-                      <a:headEnd type="none" w="med" len="med"/>
-                      <a:tailEnd type="none" w="med" len="med"/>
-                    </a:lnB>
-                    <a:solidFill>
-                      <a:schemeClr val="bg1"/>
-                    </a:solidFill>
-                  </a:tcPr>
-                </a:tc>
-                <a:tc>
-                  <a:txBody>
-                    <a:bodyPr/>
-                    <a:lstStyle/>
-                    <a:p>
-                      <a:endParaRPr lang="en-GB" sz="1200" dirty="0">
-                        <a:solidFill>
-                          <a:sysClr val="windowText" lastClr="000000"/>
-                        </a:solidFill>
-                      </a:endParaRPr>
-                    </a:p>
-                  </a:txBody>
-                  <a:tcPr>
-                    <a:lnL w="12700" cap="flat" cmpd="sng" algn="ctr">
-                      <a:solidFill>
-                        <a:schemeClr val="tx1"/>
-                      </a:solidFill>
-                      <a:prstDash val="solid"/>
-                      <a:round/>
-                      <a:headEnd type="none" w="med" len="med"/>
-                      <a:tailEnd type="none" w="med" len="med"/>
-                    </a:lnL>
-                    <a:lnR w="12700" cap="flat" cmpd="sng" algn="ctr">
-                      <a:solidFill>
-                        <a:schemeClr val="tx1"/>
-                      </a:solidFill>
-                      <a:prstDash val="solid"/>
-                      <a:round/>
-                      <a:headEnd type="none" w="med" len="med"/>
-                      <a:tailEnd type="none" w="med" len="med"/>
-                    </a:lnR>
-                    <a:lnT w="12700" cap="flat" cmpd="sng" algn="ctr">
-                      <a:solidFill>
-                        <a:schemeClr val="tx1"/>
-                      </a:solidFill>
-                      <a:prstDash val="solid"/>
-                      <a:round/>
-                      <a:headEnd type="none" w="med" len="med"/>
-                      <a:tailEnd type="none" w="med" len="med"/>
-                    </a:lnT>
-                    <a:lnB w="12700" cap="flat" cmpd="sng" algn="ctr">
-                      <a:solidFill>
-                        <a:schemeClr val="tx1"/>
-                      </a:solidFill>
-                      <a:prstDash val="solid"/>
-                      <a:round/>
-                      <a:headEnd type="none" w="med" len="med"/>
-                      <a:tailEnd type="none" w="med" len="med"/>
-                    </a:lnB>
-                    <a:solidFill>
-                      <a:schemeClr val="bg1"/>
-                    </a:solidFill>
-                  </a:tcPr>
-                </a:tc>
-                <a:extLst>
-                  <a:ext uri="{0D108BD9-81ED-4DB2-BD59-A6C34878D82A}">
-                    <a16:rowId xmlns:a16="http://schemas.microsoft.com/office/drawing/2014/main" val="3861755767"/>
-                  </a:ext>
-                </a:extLst>
-              </a:tr>
-              <a:tr h="444901">
-                <a:tc>
-                  <a:txBody>
-                    <a:bodyPr/>
-                    <a:lstStyle/>
-                    <a:p>
-                      <a:r>
-                        <a:rPr lang="en-GB" sz="1200" dirty="0">
-                          <a:solidFill>
-                            <a:sysClr val="windowText" lastClr="000000"/>
-                          </a:solidFill>
-                        </a:rPr>
-                        <a:t>NO3</a:t>
-                      </a:r>
-                    </a:p>
-                  </a:txBody>
-                  <a:tcPr>
-                    <a:lnL w="12700" cap="flat" cmpd="sng" algn="ctr">
-                      <a:solidFill>
-                        <a:schemeClr val="tx1"/>
-                      </a:solidFill>
-                      <a:prstDash val="solid"/>
-                      <a:round/>
-                      <a:headEnd type="none" w="med" len="med"/>
-                      <a:tailEnd type="none" w="med" len="med"/>
-                    </a:lnL>
-                    <a:lnR w="12700" cap="flat" cmpd="sng" algn="ctr">
-                      <a:solidFill>
-                        <a:schemeClr val="tx1"/>
-                      </a:solidFill>
-                      <a:prstDash val="solid"/>
-                      <a:round/>
-                      <a:headEnd type="none" w="med" len="med"/>
-                      <a:tailEnd type="none" w="med" len="med"/>
-                    </a:lnR>
-                    <a:lnT w="12700" cap="flat" cmpd="sng" algn="ctr">
-                      <a:solidFill>
-                        <a:schemeClr val="tx1"/>
-                      </a:solidFill>
-                      <a:prstDash val="solid"/>
-                      <a:round/>
-                      <a:headEnd type="none" w="med" len="med"/>
-                      <a:tailEnd type="none" w="med" len="med"/>
-                    </a:lnT>
-                    <a:lnB w="12700" cap="flat" cmpd="sng" algn="ctr">
-                      <a:solidFill>
-                        <a:schemeClr val="tx1"/>
-                      </a:solidFill>
-                      <a:prstDash val="solid"/>
-                      <a:round/>
-                      <a:headEnd type="none" w="med" len="med"/>
-                      <a:tailEnd type="none" w="med" len="med"/>
-                    </a:lnB>
-                    <a:solidFill>
-                      <a:schemeClr val="bg1"/>
-                    </a:solidFill>
-                  </a:tcPr>
-                </a:tc>
-                <a:tc>
-                  <a:txBody>
-                    <a:bodyPr/>
-                    <a:lstStyle/>
-                    <a:p>
-                      <a:r>
-                        <a:rPr lang="en-GB" sz="1200" dirty="0">
-                          <a:solidFill>
-                            <a:sysClr val="windowText" lastClr="000000"/>
-                          </a:solidFill>
-                        </a:rPr>
-                        <a:t>3</a:t>
-                      </a:r>
-                    </a:p>
-                  </a:txBody>
-                  <a:tcPr>
-                    <a:lnL w="12700" cap="flat" cmpd="sng" algn="ctr">
-                      <a:solidFill>
-                        <a:schemeClr val="tx1"/>
-                      </a:solidFill>
-                      <a:prstDash val="solid"/>
-                      <a:round/>
-                      <a:headEnd type="none" w="med" len="med"/>
-                      <a:tailEnd type="none" w="med" len="med"/>
-                    </a:lnL>
-                    <a:lnR w="12700" cap="flat" cmpd="sng" algn="ctr">
-                      <a:solidFill>
-                        <a:schemeClr val="tx1"/>
-                      </a:solidFill>
-                      <a:prstDash val="solid"/>
-                      <a:round/>
-                      <a:headEnd type="none" w="med" len="med"/>
-                      <a:tailEnd type="none" w="med" len="med"/>
-                    </a:lnR>
-                    <a:lnT w="12700" cap="flat" cmpd="sng" algn="ctr">
-                      <a:solidFill>
-                        <a:schemeClr val="tx1"/>
-                      </a:solidFill>
-                      <a:prstDash val="solid"/>
-                      <a:round/>
-                      <a:headEnd type="none" w="med" len="med"/>
-                      <a:tailEnd type="none" w="med" len="med"/>
-                    </a:lnT>
-                    <a:lnB w="12700" cap="flat" cmpd="sng" algn="ctr">
-                      <a:solidFill>
-                        <a:schemeClr val="tx1"/>
-                      </a:solidFill>
-                      <a:prstDash val="solid"/>
-                      <a:round/>
-                      <a:headEnd type="none" w="med" len="med"/>
-                      <a:tailEnd type="none" w="med" len="med"/>
-                    </a:lnB>
-                    <a:solidFill>
-                      <a:schemeClr val="bg1"/>
-                    </a:solidFill>
-                  </a:tcPr>
-                </a:tc>
-                <a:tc>
-                  <a:txBody>
-                    <a:bodyPr/>
-                    <a:lstStyle/>
-                    <a:p>
-                      <a:r>
-                        <a:rPr lang="en-GB" sz="1200" dirty="0">
-                          <a:solidFill>
-                            <a:sysClr val="windowText" lastClr="000000"/>
-                          </a:solidFill>
-                        </a:rPr>
-                        <a:t>10.1007/s10750-011-0996-6</a:t>
-                      </a:r>
-                      <a:br>
-                        <a:rPr lang="en-GB" sz="1200" dirty="0">
-                          <a:solidFill>
-                            <a:sysClr val="windowText" lastClr="000000"/>
-                          </a:solidFill>
-                        </a:rPr>
-                      </a:br>
-                      <a:r>
-                        <a:rPr lang="en-GB" sz="1200" dirty="0">
-                          <a:solidFill>
-                            <a:sysClr val="windowText" lastClr="000000"/>
-                          </a:solidFill>
-                        </a:rPr>
-                        <a:t>10.1007/s10750-013-1525-6</a:t>
-                      </a:r>
-                    </a:p>
-                    <a:p>
-                      <a:pPr marL="0" marR="0" lvl="0" indent="0" algn="l" defTabSz="914400" rtl="0" eaLnBrk="1" fontAlgn="auto" latinLnBrk="0" hangingPunct="1">
-                        <a:lnSpc>
-                          <a:spcPct val="100000"/>
-                        </a:lnSpc>
-                        <a:spcBef>
-                          <a:spcPts val="0"/>
-                        </a:spcBef>
-                        <a:spcAft>
-                          <a:spcPts val="0"/>
-                        </a:spcAft>
-                        <a:buClrTx/>
-                        <a:buSzTx/>
-                        <a:buFontTx/>
-                        <a:buNone/>
-                        <a:tabLst/>
-                        <a:defRPr/>
-                      </a:pPr>
-                      <a:r>
-                        <a:rPr lang="en-GB" sz="1200" dirty="0">
-                          <a:solidFill>
-                            <a:sysClr val="windowText" lastClr="000000"/>
-                          </a:solidFill>
-                        </a:rPr>
-                        <a:t>10.1016/j.ecolind.2022.109560</a:t>
-                      </a:r>
-                    </a:p>
-                    <a:p>
-                      <a:pPr marL="0" marR="0" lvl="0" indent="0" algn="l" defTabSz="914400" rtl="0" eaLnBrk="1" fontAlgn="auto" latinLnBrk="0" hangingPunct="1">
-                        <a:lnSpc>
-                          <a:spcPct val="100000"/>
-                        </a:lnSpc>
-                        <a:spcBef>
-                          <a:spcPts val="0"/>
-                        </a:spcBef>
-                        <a:spcAft>
-                          <a:spcPts val="0"/>
-                        </a:spcAft>
-                        <a:buClrTx/>
-                        <a:buSzTx/>
-                        <a:buFontTx/>
-                        <a:buNone/>
-                        <a:tabLst/>
-                        <a:defRPr/>
-                      </a:pPr>
-                      <a:r>
-                        <a:rPr lang="en-GB" sz="1200" dirty="0">
-                          <a:solidFill>
-                            <a:sysClr val="windowText" lastClr="000000"/>
-                          </a:solidFill>
-                        </a:rPr>
-                        <a:t>10.1016/j.hal.2019.02.002</a:t>
-                      </a:r>
-                    </a:p>
-                  </a:txBody>
-                  <a:tcPr>
-                    <a:lnL w="12700" cap="flat" cmpd="sng" algn="ctr">
-                      <a:solidFill>
-                        <a:schemeClr val="tx1"/>
-                      </a:solidFill>
-                      <a:prstDash val="solid"/>
-                      <a:round/>
-                      <a:headEnd type="none" w="med" len="med"/>
-                      <a:tailEnd type="none" w="med" len="med"/>
-                    </a:lnL>
-                    <a:lnR w="12700" cap="flat" cmpd="sng" algn="ctr">
-                      <a:solidFill>
-                        <a:schemeClr val="tx1"/>
-                      </a:solidFill>
-                      <a:prstDash val="solid"/>
-                      <a:round/>
-                      <a:headEnd type="none" w="med" len="med"/>
-                      <a:tailEnd type="none" w="med" len="med"/>
-                    </a:lnR>
-                    <a:lnT w="12700" cap="flat" cmpd="sng" algn="ctr">
-                      <a:solidFill>
-                        <a:schemeClr val="tx1"/>
-                      </a:solidFill>
-                      <a:prstDash val="solid"/>
-                      <a:round/>
-                      <a:headEnd type="none" w="med" len="med"/>
-                      <a:tailEnd type="none" w="med" len="med"/>
-                    </a:lnT>
-                    <a:lnB w="12700" cap="flat" cmpd="sng" algn="ctr">
-                      <a:solidFill>
-                        <a:schemeClr val="tx1"/>
-                      </a:solidFill>
-                      <a:prstDash val="solid"/>
-                      <a:round/>
-                      <a:headEnd type="none" w="med" len="med"/>
-                      <a:tailEnd type="none" w="med" len="med"/>
-                    </a:lnB>
-                    <a:solidFill>
-                      <a:schemeClr val="bg1"/>
-                    </a:solidFill>
-                  </a:tcPr>
-                </a:tc>
-                <a:tc>
-                  <a:txBody>
-                    <a:bodyPr/>
-                    <a:lstStyle/>
-                    <a:p>
-                      <a:r>
-                        <a:rPr lang="en-GB" sz="1200" dirty="0">
-                          <a:solidFill>
-                            <a:sysClr val="windowText" lastClr="000000"/>
-                          </a:solidFill>
-                        </a:rPr>
-                        <a:t>Total N played a more important role for phytoplankton richness than total P (10.1007/s10750-011-0996-6)</a:t>
-                      </a:r>
-                    </a:p>
-                  </a:txBody>
-                  <a:tcPr>
-                    <a:lnL w="12700" cap="flat" cmpd="sng" algn="ctr">
-                      <a:solidFill>
-                        <a:schemeClr val="tx1"/>
-                      </a:solidFill>
-                      <a:prstDash val="solid"/>
-                      <a:round/>
-                      <a:headEnd type="none" w="med" len="med"/>
-                      <a:tailEnd type="none" w="med" len="med"/>
-                    </a:lnL>
-                    <a:lnR w="12700" cap="flat" cmpd="sng" algn="ctr">
-                      <a:solidFill>
-                        <a:schemeClr val="tx1"/>
-                      </a:solidFill>
-                      <a:prstDash val="solid"/>
-                      <a:round/>
-                      <a:headEnd type="none" w="med" len="med"/>
-                      <a:tailEnd type="none" w="med" len="med"/>
-                    </a:lnR>
-                    <a:lnT w="12700" cap="flat" cmpd="sng" algn="ctr">
-                      <a:solidFill>
-                        <a:schemeClr val="tx1"/>
-                      </a:solidFill>
-                      <a:prstDash val="solid"/>
-                      <a:round/>
-                      <a:headEnd type="none" w="med" len="med"/>
-                      <a:tailEnd type="none" w="med" len="med"/>
-                    </a:lnT>
-                    <a:lnB w="12700" cap="flat" cmpd="sng" algn="ctr">
-                      <a:solidFill>
-                        <a:schemeClr val="tx1"/>
-                      </a:solidFill>
-                      <a:prstDash val="solid"/>
-                      <a:round/>
-                      <a:headEnd type="none" w="med" len="med"/>
-                      <a:tailEnd type="none" w="med" len="med"/>
-                    </a:lnB>
-                    <a:solidFill>
-                      <a:schemeClr val="bg1"/>
-                    </a:solidFill>
-                  </a:tcPr>
-                </a:tc>
-                <a:extLst>
-                  <a:ext uri="{0D108BD9-81ED-4DB2-BD59-A6C34878D82A}">
-                    <a16:rowId xmlns:a16="http://schemas.microsoft.com/office/drawing/2014/main" val="385750448"/>
-                  </a:ext>
-                </a:extLst>
-              </a:tr>
-              <a:tr h="444901">
-                <a:tc>
-                  <a:txBody>
-                    <a:bodyPr/>
-                    <a:lstStyle/>
-                    <a:p>
-                      <a:r>
-                        <a:rPr lang="en-GB" sz="1200" dirty="0">
-                          <a:solidFill>
-                            <a:sysClr val="windowText" lastClr="000000"/>
-                          </a:solidFill>
-                        </a:rPr>
-                        <a:t>Salinity</a:t>
-                      </a:r>
-                    </a:p>
-                  </a:txBody>
-                  <a:tcPr>
-                    <a:lnL w="12700" cap="flat" cmpd="sng" algn="ctr">
-                      <a:solidFill>
-                        <a:schemeClr val="tx1"/>
-                      </a:solidFill>
-                      <a:prstDash val="solid"/>
-                      <a:round/>
-                      <a:headEnd type="none" w="med" len="med"/>
-                      <a:tailEnd type="none" w="med" len="med"/>
-                    </a:lnL>
-                    <a:lnR w="12700" cap="flat" cmpd="sng" algn="ctr">
-                      <a:solidFill>
-                        <a:schemeClr val="tx1"/>
-                      </a:solidFill>
-                      <a:prstDash val="solid"/>
-                      <a:round/>
-                      <a:headEnd type="none" w="med" len="med"/>
-                      <a:tailEnd type="none" w="med" len="med"/>
-                    </a:lnR>
-                    <a:lnT w="12700" cap="flat" cmpd="sng" algn="ctr">
-                      <a:solidFill>
-                        <a:schemeClr val="tx1"/>
-                      </a:solidFill>
-                      <a:prstDash val="solid"/>
-                      <a:round/>
-                      <a:headEnd type="none" w="med" len="med"/>
-                      <a:tailEnd type="none" w="med" len="med"/>
-                    </a:lnT>
-                    <a:lnB w="12700" cap="flat" cmpd="sng" algn="ctr">
-                      <a:solidFill>
-                        <a:schemeClr val="tx1"/>
-                      </a:solidFill>
-                      <a:prstDash val="solid"/>
-                      <a:round/>
-                      <a:headEnd type="none" w="med" len="med"/>
-                      <a:tailEnd type="none" w="med" len="med"/>
-                    </a:lnB>
-                    <a:solidFill>
-                      <a:schemeClr val="bg1"/>
-                    </a:solidFill>
-                  </a:tcPr>
-                </a:tc>
-                <a:tc>
-                  <a:txBody>
-                    <a:bodyPr/>
-                    <a:lstStyle/>
-                    <a:p>
-                      <a:endParaRPr lang="en-GB" sz="1200" dirty="0">
-                        <a:solidFill>
-                          <a:sysClr val="windowText" lastClr="000000"/>
-                        </a:solidFill>
-                      </a:endParaRPr>
-                    </a:p>
-                  </a:txBody>
-                  <a:tcPr>
-                    <a:lnL w="12700" cap="flat" cmpd="sng" algn="ctr">
-                      <a:solidFill>
-                        <a:schemeClr val="tx1"/>
-                      </a:solidFill>
-                      <a:prstDash val="solid"/>
-                      <a:round/>
-                      <a:headEnd type="none" w="med" len="med"/>
-                      <a:tailEnd type="none" w="med" len="med"/>
-                    </a:lnL>
-                    <a:lnR w="12700" cap="flat" cmpd="sng" algn="ctr">
-                      <a:solidFill>
-                        <a:schemeClr val="tx1"/>
-                      </a:solidFill>
-                      <a:prstDash val="solid"/>
-                      <a:round/>
-                      <a:headEnd type="none" w="med" len="med"/>
-                      <a:tailEnd type="none" w="med" len="med"/>
-                    </a:lnR>
-                    <a:lnT w="12700" cap="flat" cmpd="sng" algn="ctr">
-                      <a:solidFill>
-                        <a:schemeClr val="tx1"/>
-                      </a:solidFill>
-                      <a:prstDash val="solid"/>
-                      <a:round/>
-                      <a:headEnd type="none" w="med" len="med"/>
-                      <a:tailEnd type="none" w="med" len="med"/>
-                    </a:lnT>
-                    <a:lnB w="12700" cap="flat" cmpd="sng" algn="ctr">
-                      <a:solidFill>
-                        <a:schemeClr val="tx1"/>
-                      </a:solidFill>
-                      <a:prstDash val="solid"/>
-                      <a:round/>
-                      <a:headEnd type="none" w="med" len="med"/>
-                      <a:tailEnd type="none" w="med" len="med"/>
-                    </a:lnB>
-                    <a:solidFill>
-                      <a:schemeClr val="bg1"/>
-                    </a:solidFill>
-                  </a:tcPr>
-                </a:tc>
-                <a:tc>
-                  <a:txBody>
-                    <a:bodyPr/>
-                    <a:lstStyle/>
-                    <a:p>
-                      <a:r>
-                        <a:rPr lang="en-GB" sz="1200" dirty="0">
-                          <a:solidFill>
-                            <a:sysClr val="windowText" lastClr="000000"/>
-                          </a:solidFill>
-                        </a:rPr>
-                        <a:t>10.3390/w15061116</a:t>
-                      </a:r>
-                    </a:p>
-                  </a:txBody>
-                  <a:tcPr>
-                    <a:lnL w="12700" cap="flat" cmpd="sng" algn="ctr">
-                      <a:solidFill>
-                        <a:schemeClr val="tx1"/>
-                      </a:solidFill>
-                      <a:prstDash val="solid"/>
-                      <a:round/>
-                      <a:headEnd type="none" w="med" len="med"/>
-                      <a:tailEnd type="none" w="med" len="med"/>
-                    </a:lnL>
-                    <a:lnR w="12700" cap="flat" cmpd="sng" algn="ctr">
-                      <a:solidFill>
-                        <a:schemeClr val="tx1"/>
-                      </a:solidFill>
-                      <a:prstDash val="solid"/>
-                      <a:round/>
-                      <a:headEnd type="none" w="med" len="med"/>
-                      <a:tailEnd type="none" w="med" len="med"/>
-                    </a:lnR>
-                    <a:lnT w="12700" cap="flat" cmpd="sng" algn="ctr">
-                      <a:solidFill>
-                        <a:schemeClr val="tx1"/>
-                      </a:solidFill>
-                      <a:prstDash val="solid"/>
-                      <a:round/>
-                      <a:headEnd type="none" w="med" len="med"/>
-                      <a:tailEnd type="none" w="med" len="med"/>
-                    </a:lnT>
-                    <a:lnB w="12700" cap="flat" cmpd="sng" algn="ctr">
-                      <a:solidFill>
-                        <a:schemeClr val="tx1"/>
-                      </a:solidFill>
-                      <a:prstDash val="solid"/>
-                      <a:round/>
-                      <a:headEnd type="none" w="med" len="med"/>
-                      <a:tailEnd type="none" w="med" len="med"/>
-                    </a:lnB>
-                    <a:solidFill>
-                      <a:schemeClr val="bg1"/>
-                    </a:solidFill>
-                  </a:tcPr>
-                </a:tc>
-                <a:tc>
-                  <a:txBody>
-                    <a:bodyPr/>
-                    <a:lstStyle/>
-                    <a:p>
-                      <a:r>
-                        <a:rPr lang="en-GB" sz="1200" dirty="0">
-                          <a:solidFill>
-                            <a:sysClr val="windowText" lastClr="000000"/>
-                          </a:solidFill>
-                        </a:rPr>
-                        <a:t>Talks about salinity in brackish coastal lakes – relevant?</a:t>
-                      </a:r>
-                    </a:p>
-                  </a:txBody>
-                  <a:tcPr>
-                    <a:lnL w="12700" cap="flat" cmpd="sng" algn="ctr">
-                      <a:solidFill>
-                        <a:schemeClr val="tx1"/>
-                      </a:solidFill>
-                      <a:prstDash val="solid"/>
-                      <a:round/>
-                      <a:headEnd type="none" w="med" len="med"/>
-                      <a:tailEnd type="none" w="med" len="med"/>
-                    </a:lnL>
-                    <a:lnR w="12700" cap="flat" cmpd="sng" algn="ctr">
-                      <a:solidFill>
-                        <a:schemeClr val="tx1"/>
-                      </a:solidFill>
-                      <a:prstDash val="solid"/>
-                      <a:round/>
-                      <a:headEnd type="none" w="med" len="med"/>
-                      <a:tailEnd type="none" w="med" len="med"/>
-                    </a:lnR>
-                    <a:lnT w="12700" cap="flat" cmpd="sng" algn="ctr">
-                      <a:solidFill>
-                        <a:schemeClr val="tx1"/>
-                      </a:solidFill>
-                      <a:prstDash val="solid"/>
-                      <a:round/>
-                      <a:headEnd type="none" w="med" len="med"/>
-                      <a:tailEnd type="none" w="med" len="med"/>
-                    </a:lnT>
-                    <a:lnB w="12700" cap="flat" cmpd="sng" algn="ctr">
-                      <a:solidFill>
-                        <a:schemeClr val="tx1"/>
-                      </a:solidFill>
-                      <a:prstDash val="solid"/>
-                      <a:round/>
-                      <a:headEnd type="none" w="med" len="med"/>
-                      <a:tailEnd type="none" w="med" len="med"/>
-                    </a:lnB>
-                    <a:solidFill>
-                      <a:schemeClr val="bg1"/>
-                    </a:solidFill>
-                  </a:tcPr>
-                </a:tc>
-                <a:extLst>
-                  <a:ext uri="{0D108BD9-81ED-4DB2-BD59-A6C34878D82A}">
-                    <a16:rowId xmlns:a16="http://schemas.microsoft.com/office/drawing/2014/main" val="3708337269"/>
-                  </a:ext>
-                </a:extLst>
-              </a:tr>
-              <a:tr h="444901">
-                <a:tc>
-                  <a:txBody>
-                    <a:bodyPr/>
-                    <a:lstStyle/>
-                    <a:p>
-                      <a:r>
-                        <a:rPr lang="en-GB" sz="1200" dirty="0">
-                          <a:solidFill>
-                            <a:sysClr val="windowText" lastClr="000000"/>
-                          </a:solidFill>
-                        </a:rPr>
-                        <a:t>Daphnia</a:t>
-                      </a:r>
-                    </a:p>
-                  </a:txBody>
-                  <a:tcPr>
-                    <a:lnL w="12700" cap="flat" cmpd="sng" algn="ctr">
-                      <a:solidFill>
-                        <a:schemeClr val="tx1"/>
-                      </a:solidFill>
-                      <a:prstDash val="solid"/>
-                      <a:round/>
-                      <a:headEnd type="none" w="med" len="med"/>
-                      <a:tailEnd type="none" w="med" len="med"/>
-                    </a:lnL>
-                    <a:lnR w="12700" cap="flat" cmpd="sng" algn="ctr">
-                      <a:solidFill>
-                        <a:schemeClr val="tx1"/>
-                      </a:solidFill>
-                      <a:prstDash val="solid"/>
-                      <a:round/>
-                      <a:headEnd type="none" w="med" len="med"/>
-                      <a:tailEnd type="none" w="med" len="med"/>
-                    </a:lnR>
-                    <a:lnT w="12700" cap="flat" cmpd="sng" algn="ctr">
-                      <a:solidFill>
-                        <a:schemeClr val="tx1"/>
-                      </a:solidFill>
-                      <a:prstDash val="solid"/>
-                      <a:round/>
-                      <a:headEnd type="none" w="med" len="med"/>
-                      <a:tailEnd type="none" w="med" len="med"/>
-                    </a:lnT>
-                    <a:lnB w="12700" cap="flat" cmpd="sng" algn="ctr">
-                      <a:solidFill>
-                        <a:schemeClr val="tx1"/>
-                      </a:solidFill>
-                      <a:prstDash val="solid"/>
-                      <a:round/>
-                      <a:headEnd type="none" w="med" len="med"/>
-                      <a:tailEnd type="none" w="med" len="med"/>
-                    </a:lnB>
-                    <a:solidFill>
-                      <a:schemeClr val="bg1"/>
-                    </a:solidFill>
-                  </a:tcPr>
-                </a:tc>
-                <a:tc>
-                  <a:txBody>
-                    <a:bodyPr/>
-                    <a:lstStyle/>
-                    <a:p>
-                      <a:r>
-                        <a:rPr lang="en-GB" sz="1200" dirty="0">
-                          <a:solidFill>
-                            <a:sysClr val="windowText" lastClr="000000"/>
-                          </a:solidFill>
-                        </a:rPr>
-                        <a:t>4</a:t>
-                      </a:r>
-                    </a:p>
-                  </a:txBody>
-                  <a:tcPr>
-                    <a:lnL w="12700" cap="flat" cmpd="sng" algn="ctr">
-                      <a:solidFill>
-                        <a:schemeClr val="tx1"/>
-                      </a:solidFill>
-                      <a:prstDash val="solid"/>
-                      <a:round/>
-                      <a:headEnd type="none" w="med" len="med"/>
-                      <a:tailEnd type="none" w="med" len="med"/>
-                    </a:lnL>
-                    <a:lnR w="12700" cap="flat" cmpd="sng" algn="ctr">
-                      <a:solidFill>
-                        <a:schemeClr val="tx1"/>
-                      </a:solidFill>
-                      <a:prstDash val="solid"/>
-                      <a:round/>
-                      <a:headEnd type="none" w="med" len="med"/>
-                      <a:tailEnd type="none" w="med" len="med"/>
-                    </a:lnR>
-                    <a:lnT w="12700" cap="flat" cmpd="sng" algn="ctr">
-                      <a:solidFill>
-                        <a:schemeClr val="tx1"/>
-                      </a:solidFill>
-                      <a:prstDash val="solid"/>
-                      <a:round/>
-                      <a:headEnd type="none" w="med" len="med"/>
-                      <a:tailEnd type="none" w="med" len="med"/>
-                    </a:lnT>
-                    <a:lnB w="12700" cap="flat" cmpd="sng" algn="ctr">
-                      <a:solidFill>
-                        <a:schemeClr val="tx1"/>
-                      </a:solidFill>
-                      <a:prstDash val="solid"/>
-                      <a:round/>
-                      <a:headEnd type="none" w="med" len="med"/>
-                      <a:tailEnd type="none" w="med" len="med"/>
-                    </a:lnB>
-                    <a:solidFill>
-                      <a:schemeClr val="bg1"/>
-                    </a:solidFill>
-                  </a:tcPr>
-                </a:tc>
-                <a:tc>
-                  <a:txBody>
-                    <a:bodyPr/>
-                    <a:lstStyle/>
-                    <a:p>
-                      <a:pPr marL="0" marR="0" lvl="0" indent="0" algn="l" defTabSz="914400" rtl="0" eaLnBrk="1" fontAlgn="auto" latinLnBrk="0" hangingPunct="1">
-                        <a:lnSpc>
-                          <a:spcPct val="100000"/>
-                        </a:lnSpc>
-                        <a:spcBef>
-                          <a:spcPts val="0"/>
-                        </a:spcBef>
-                        <a:spcAft>
-                          <a:spcPts val="0"/>
-                        </a:spcAft>
-                        <a:buClrTx/>
-                        <a:buSzTx/>
-                        <a:buFontTx/>
-                        <a:buNone/>
-                        <a:tabLst/>
-                        <a:defRPr/>
-                      </a:pPr>
-                      <a:r>
-                        <a:rPr lang="en-GB" sz="1200" kern="1200" dirty="0">
-                          <a:solidFill>
-                            <a:schemeClr val="dk1"/>
-                          </a:solidFill>
-                          <a:effectLst/>
-                          <a:latin typeface="+mn-lt"/>
-                          <a:ea typeface="+mn-ea"/>
-                          <a:cs typeface="+mn-cs"/>
-                        </a:rPr>
-                        <a:t>10.100 7/s10750-011-0923-x</a:t>
-                      </a:r>
-                    </a:p>
-                  </a:txBody>
-                  <a:tcPr>
-                    <a:lnL w="12700" cap="flat" cmpd="sng" algn="ctr">
-                      <a:solidFill>
-                        <a:schemeClr val="tx1"/>
-                      </a:solidFill>
-                      <a:prstDash val="solid"/>
-                      <a:round/>
-                      <a:headEnd type="none" w="med" len="med"/>
-                      <a:tailEnd type="none" w="med" len="med"/>
-                    </a:lnL>
-                    <a:lnR w="12700" cap="flat" cmpd="sng" algn="ctr">
-                      <a:solidFill>
-                        <a:schemeClr val="tx1"/>
-                      </a:solidFill>
-                      <a:prstDash val="solid"/>
-                      <a:round/>
-                      <a:headEnd type="none" w="med" len="med"/>
-                      <a:tailEnd type="none" w="med" len="med"/>
-                    </a:lnR>
-                    <a:lnT w="12700" cap="flat" cmpd="sng" algn="ctr">
-                      <a:solidFill>
-                        <a:schemeClr val="tx1"/>
-                      </a:solidFill>
-                      <a:prstDash val="solid"/>
-                      <a:round/>
-                      <a:headEnd type="none" w="med" len="med"/>
-                      <a:tailEnd type="none" w="med" len="med"/>
-                    </a:lnT>
-                    <a:lnB w="12700" cap="flat" cmpd="sng" algn="ctr">
-                      <a:solidFill>
-                        <a:schemeClr val="tx1"/>
-                      </a:solidFill>
-                      <a:prstDash val="solid"/>
-                      <a:round/>
-                      <a:headEnd type="none" w="med" len="med"/>
-                      <a:tailEnd type="none" w="med" len="med"/>
-                    </a:lnB>
-                    <a:solidFill>
-                      <a:schemeClr val="bg1"/>
-                    </a:solidFill>
-                  </a:tcPr>
-                </a:tc>
-                <a:tc>
-                  <a:txBody>
-                    <a:bodyPr/>
-                    <a:lstStyle/>
-                    <a:p>
-                      <a:endParaRPr lang="en-GB" sz="1200">
-                        <a:solidFill>
-                          <a:sysClr val="windowText" lastClr="000000"/>
-                        </a:solidFill>
-                      </a:endParaRPr>
-                    </a:p>
-                  </a:txBody>
-                  <a:tcPr>
-                    <a:lnL w="12700" cap="flat" cmpd="sng" algn="ctr">
-                      <a:solidFill>
-                        <a:schemeClr val="tx1"/>
-                      </a:solidFill>
-                      <a:prstDash val="solid"/>
-                      <a:round/>
-                      <a:headEnd type="none" w="med" len="med"/>
-                      <a:tailEnd type="none" w="med" len="med"/>
-                    </a:lnL>
-                    <a:lnR w="12700" cap="flat" cmpd="sng" algn="ctr">
-                      <a:solidFill>
-                        <a:schemeClr val="tx1"/>
-                      </a:solidFill>
-                      <a:prstDash val="solid"/>
-                      <a:round/>
-                      <a:headEnd type="none" w="med" len="med"/>
-                      <a:tailEnd type="none" w="med" len="med"/>
-                    </a:lnR>
-                    <a:lnT w="12700" cap="flat" cmpd="sng" algn="ctr">
-                      <a:solidFill>
-                        <a:schemeClr val="tx1"/>
-                      </a:solidFill>
-                      <a:prstDash val="solid"/>
-                      <a:round/>
-                      <a:headEnd type="none" w="med" len="med"/>
-                      <a:tailEnd type="none" w="med" len="med"/>
-                    </a:lnT>
-                    <a:lnB w="12700" cap="flat" cmpd="sng" algn="ctr">
-                      <a:solidFill>
-                        <a:schemeClr val="tx1"/>
-                      </a:solidFill>
-                      <a:prstDash val="solid"/>
-                      <a:round/>
-                      <a:headEnd type="none" w="med" len="med"/>
-                      <a:tailEnd type="none" w="med" len="med"/>
-                    </a:lnB>
-                    <a:solidFill>
-                      <a:schemeClr val="bg1"/>
-                    </a:solidFill>
-                  </a:tcPr>
-                </a:tc>
-                <a:extLst>
-                  <a:ext uri="{0D108BD9-81ED-4DB2-BD59-A6C34878D82A}">
-                    <a16:rowId xmlns:a16="http://schemas.microsoft.com/office/drawing/2014/main" val="390955002"/>
-                  </a:ext>
-                </a:extLst>
-              </a:tr>
-              <a:tr h="444901">
-                <a:tc>
-                  <a:txBody>
-                    <a:bodyPr/>
-                    <a:lstStyle/>
-                    <a:p>
-                      <a:r>
-                        <a:rPr lang="en-GB" sz="1200" dirty="0">
-                          <a:solidFill>
-                            <a:sysClr val="windowText" lastClr="000000"/>
-                          </a:solidFill>
-                        </a:rPr>
-                        <a:t>DO</a:t>
-                      </a:r>
-                    </a:p>
-                  </a:txBody>
-                  <a:tcPr>
-                    <a:lnL w="12700" cap="flat" cmpd="sng" algn="ctr">
-                      <a:solidFill>
-                        <a:schemeClr val="tx1"/>
-                      </a:solidFill>
-                      <a:prstDash val="solid"/>
-                      <a:round/>
-                      <a:headEnd type="none" w="med" len="med"/>
-                      <a:tailEnd type="none" w="med" len="med"/>
-                    </a:lnL>
-                    <a:lnR w="12700" cap="flat" cmpd="sng" algn="ctr">
-                      <a:solidFill>
-                        <a:schemeClr val="tx1"/>
-                      </a:solidFill>
-                      <a:prstDash val="solid"/>
-                      <a:round/>
-                      <a:headEnd type="none" w="med" len="med"/>
-                      <a:tailEnd type="none" w="med" len="med"/>
-                    </a:lnR>
-                    <a:lnT w="12700" cap="flat" cmpd="sng" algn="ctr">
-                      <a:solidFill>
-                        <a:schemeClr val="tx1"/>
-                      </a:solidFill>
-                      <a:prstDash val="solid"/>
-                      <a:round/>
-                      <a:headEnd type="none" w="med" len="med"/>
-                      <a:tailEnd type="none" w="med" len="med"/>
-                    </a:lnT>
-                    <a:lnB w="12700" cap="flat" cmpd="sng" algn="ctr">
-                      <a:solidFill>
-                        <a:schemeClr val="tx1"/>
-                      </a:solidFill>
-                      <a:prstDash val="solid"/>
-                      <a:round/>
-                      <a:headEnd type="none" w="med" len="med"/>
-                      <a:tailEnd type="none" w="med" len="med"/>
-                    </a:lnB>
-                    <a:solidFill>
-                      <a:schemeClr val="bg1"/>
-                    </a:solidFill>
-                  </a:tcPr>
-                </a:tc>
-                <a:tc>
-                  <a:txBody>
-                    <a:bodyPr/>
-                    <a:lstStyle/>
-                    <a:p>
-                      <a:r>
-                        <a:rPr lang="en-GB" sz="1200" dirty="0">
-                          <a:solidFill>
-                            <a:sysClr val="windowText" lastClr="000000"/>
-                          </a:solidFill>
-                        </a:rPr>
-                        <a:t>8</a:t>
-                      </a:r>
-                    </a:p>
-                  </a:txBody>
-                  <a:tcPr>
-                    <a:lnL w="12700" cap="flat" cmpd="sng" algn="ctr">
-                      <a:solidFill>
-                        <a:schemeClr val="tx1"/>
-                      </a:solidFill>
-                      <a:prstDash val="solid"/>
-                      <a:round/>
-                      <a:headEnd type="none" w="med" len="med"/>
-                      <a:tailEnd type="none" w="med" len="med"/>
-                    </a:lnL>
-                    <a:lnR w="12700" cap="flat" cmpd="sng" algn="ctr">
-                      <a:solidFill>
-                        <a:schemeClr val="tx1"/>
-                      </a:solidFill>
-                      <a:prstDash val="solid"/>
-                      <a:round/>
-                      <a:headEnd type="none" w="med" len="med"/>
-                      <a:tailEnd type="none" w="med" len="med"/>
-                    </a:lnR>
-                    <a:lnT w="12700" cap="flat" cmpd="sng" algn="ctr">
-                      <a:solidFill>
-                        <a:schemeClr val="tx1"/>
-                      </a:solidFill>
-                      <a:prstDash val="solid"/>
-                      <a:round/>
-                      <a:headEnd type="none" w="med" len="med"/>
-                      <a:tailEnd type="none" w="med" len="med"/>
-                    </a:lnT>
-                    <a:lnB w="12700" cap="flat" cmpd="sng" algn="ctr">
-                      <a:solidFill>
-                        <a:schemeClr val="tx1"/>
-                      </a:solidFill>
-                      <a:prstDash val="solid"/>
-                      <a:round/>
-                      <a:headEnd type="none" w="med" len="med"/>
-                      <a:tailEnd type="none" w="med" len="med"/>
-                    </a:lnB>
-                    <a:solidFill>
-                      <a:schemeClr val="bg1"/>
-                    </a:solidFill>
-                  </a:tcPr>
-                </a:tc>
-                <a:tc>
-                  <a:txBody>
-                    <a:bodyPr/>
-                    <a:lstStyle/>
-                    <a:p>
-                      <a:r>
-                        <a:rPr lang="en-GB" sz="1200" dirty="0">
-                          <a:solidFill>
-                            <a:sysClr val="windowText" lastClr="000000"/>
-                          </a:solidFill>
-                        </a:rPr>
-                        <a:t>10.1080/20442041.2020.1827891</a:t>
-                      </a:r>
-                    </a:p>
-                  </a:txBody>
-                  <a:tcPr>
-                    <a:lnL w="12700" cap="flat" cmpd="sng" algn="ctr">
-                      <a:solidFill>
-                        <a:schemeClr val="tx1"/>
-                      </a:solidFill>
-                      <a:prstDash val="solid"/>
-                      <a:round/>
-                      <a:headEnd type="none" w="med" len="med"/>
-                      <a:tailEnd type="none" w="med" len="med"/>
-                    </a:lnL>
-                    <a:lnR w="12700" cap="flat" cmpd="sng" algn="ctr">
-                      <a:solidFill>
-                        <a:schemeClr val="tx1"/>
-                      </a:solidFill>
-                      <a:prstDash val="solid"/>
-                      <a:round/>
-                      <a:headEnd type="none" w="med" len="med"/>
-                      <a:tailEnd type="none" w="med" len="med"/>
-                    </a:lnR>
-                    <a:lnT w="12700" cap="flat" cmpd="sng" algn="ctr">
-                      <a:solidFill>
-                        <a:schemeClr val="tx1"/>
-                      </a:solidFill>
-                      <a:prstDash val="solid"/>
-                      <a:round/>
-                      <a:headEnd type="none" w="med" len="med"/>
-                      <a:tailEnd type="none" w="med" len="med"/>
-                    </a:lnT>
-                    <a:lnB w="12700" cap="flat" cmpd="sng" algn="ctr">
-                      <a:solidFill>
-                        <a:schemeClr val="tx1"/>
-                      </a:solidFill>
-                      <a:prstDash val="solid"/>
-                      <a:round/>
-                      <a:headEnd type="none" w="med" len="med"/>
-                      <a:tailEnd type="none" w="med" len="med"/>
-                    </a:lnB>
-                    <a:solidFill>
-                      <a:schemeClr val="bg1"/>
-                    </a:solidFill>
-                  </a:tcPr>
-                </a:tc>
-                <a:tc>
-                  <a:txBody>
-                    <a:bodyPr/>
-                    <a:lstStyle/>
-                    <a:p>
-                      <a:endParaRPr lang="en-GB" sz="1200">
-                        <a:solidFill>
-                          <a:sysClr val="windowText" lastClr="000000"/>
-                        </a:solidFill>
-                      </a:endParaRPr>
-                    </a:p>
-                  </a:txBody>
-                  <a:tcPr>
-                    <a:lnL w="12700" cap="flat" cmpd="sng" algn="ctr">
-                      <a:solidFill>
-                        <a:schemeClr val="tx1"/>
-                      </a:solidFill>
-                      <a:prstDash val="solid"/>
-                      <a:round/>
-                      <a:headEnd type="none" w="med" len="med"/>
-                      <a:tailEnd type="none" w="med" len="med"/>
-                    </a:lnL>
-                    <a:lnR w="12700" cap="flat" cmpd="sng" algn="ctr">
-                      <a:solidFill>
-                        <a:schemeClr val="tx1"/>
-                      </a:solidFill>
-                      <a:prstDash val="solid"/>
-                      <a:round/>
-                      <a:headEnd type="none" w="med" len="med"/>
-                      <a:tailEnd type="none" w="med" len="med"/>
-                    </a:lnR>
-                    <a:lnT w="12700" cap="flat" cmpd="sng" algn="ctr">
-                      <a:solidFill>
-                        <a:schemeClr val="tx1"/>
-                      </a:solidFill>
-                      <a:prstDash val="solid"/>
-                      <a:round/>
-                      <a:headEnd type="none" w="med" len="med"/>
-                      <a:tailEnd type="none" w="med" len="med"/>
-                    </a:lnT>
-                    <a:lnB w="12700" cap="flat" cmpd="sng" algn="ctr">
-                      <a:solidFill>
-                        <a:schemeClr val="tx1"/>
-                      </a:solidFill>
-                      <a:prstDash val="solid"/>
-                      <a:round/>
-                      <a:headEnd type="none" w="med" len="med"/>
-                      <a:tailEnd type="none" w="med" len="med"/>
-                    </a:lnB>
-                    <a:solidFill>
-                      <a:schemeClr val="bg1"/>
-                    </a:solidFill>
-                  </a:tcPr>
-                </a:tc>
-                <a:extLst>
-                  <a:ext uri="{0D108BD9-81ED-4DB2-BD59-A6C34878D82A}">
-                    <a16:rowId xmlns:a16="http://schemas.microsoft.com/office/drawing/2014/main" val="3312464431"/>
-                  </a:ext>
-                </a:extLst>
-              </a:tr>
-              <a:tr h="444901">
-                <a:tc>
-                  <a:txBody>
-                    <a:bodyPr/>
-                    <a:lstStyle/>
-                    <a:p>
-                      <a:r>
-                        <a:rPr lang="en-GB" sz="1200" dirty="0">
-                          <a:solidFill>
-                            <a:sysClr val="windowText" lastClr="000000"/>
-                          </a:solidFill>
-                        </a:rPr>
-                        <a:t>pH</a:t>
-                      </a:r>
-                    </a:p>
-                  </a:txBody>
-                  <a:tcPr>
-                    <a:lnL w="12700" cap="flat" cmpd="sng" algn="ctr">
-                      <a:solidFill>
-                        <a:schemeClr val="tx1"/>
-                      </a:solidFill>
-                      <a:prstDash val="solid"/>
-                      <a:round/>
-                      <a:headEnd type="none" w="med" len="med"/>
-                      <a:tailEnd type="none" w="med" len="med"/>
-                    </a:lnL>
-                    <a:lnR w="12700" cap="flat" cmpd="sng" algn="ctr">
-                      <a:solidFill>
-                        <a:schemeClr val="tx1"/>
-                      </a:solidFill>
-                      <a:prstDash val="solid"/>
-                      <a:round/>
-                      <a:headEnd type="none" w="med" len="med"/>
-                      <a:tailEnd type="none" w="med" len="med"/>
-                    </a:lnR>
-                    <a:lnT w="12700" cap="flat" cmpd="sng" algn="ctr">
-                      <a:solidFill>
-                        <a:schemeClr val="tx1"/>
-                      </a:solidFill>
-                      <a:prstDash val="solid"/>
-                      <a:round/>
-                      <a:headEnd type="none" w="med" len="med"/>
-                      <a:tailEnd type="none" w="med" len="med"/>
-                    </a:lnT>
-                    <a:lnB w="12700" cap="flat" cmpd="sng" algn="ctr">
-                      <a:solidFill>
-                        <a:schemeClr val="tx1"/>
-                      </a:solidFill>
-                      <a:prstDash val="solid"/>
-                      <a:round/>
-                      <a:headEnd type="none" w="med" len="med"/>
-                      <a:tailEnd type="none" w="med" len="med"/>
-                    </a:lnB>
-                    <a:solidFill>
-                      <a:schemeClr val="bg1"/>
-                    </a:solidFill>
-                  </a:tcPr>
-                </a:tc>
-                <a:tc>
-                  <a:txBody>
-                    <a:bodyPr/>
-                    <a:lstStyle/>
-                    <a:p>
-                      <a:r>
-                        <a:rPr lang="en-GB" sz="1200" dirty="0">
-                          <a:solidFill>
-                            <a:sysClr val="windowText" lastClr="000000"/>
-                          </a:solidFill>
-                        </a:rPr>
-                        <a:t>5</a:t>
-                      </a:r>
-                    </a:p>
-                  </a:txBody>
-                  <a:tcPr>
-                    <a:lnL w="12700" cap="flat" cmpd="sng" algn="ctr">
-                      <a:solidFill>
-                        <a:schemeClr val="tx1"/>
-                      </a:solidFill>
-                      <a:prstDash val="solid"/>
-                      <a:round/>
-                      <a:headEnd type="none" w="med" len="med"/>
-                      <a:tailEnd type="none" w="med" len="med"/>
-                    </a:lnL>
-                    <a:lnR w="12700" cap="flat" cmpd="sng" algn="ctr">
-                      <a:solidFill>
-                        <a:schemeClr val="tx1"/>
-                      </a:solidFill>
-                      <a:prstDash val="solid"/>
-                      <a:round/>
-                      <a:headEnd type="none" w="med" len="med"/>
-                      <a:tailEnd type="none" w="med" len="med"/>
-                    </a:lnR>
-                    <a:lnT w="12700" cap="flat" cmpd="sng" algn="ctr">
-                      <a:solidFill>
-                        <a:schemeClr val="tx1"/>
-                      </a:solidFill>
-                      <a:prstDash val="solid"/>
-                      <a:round/>
-                      <a:headEnd type="none" w="med" len="med"/>
-                      <a:tailEnd type="none" w="med" len="med"/>
-                    </a:lnT>
-                    <a:lnB w="12700" cap="flat" cmpd="sng" algn="ctr">
-                      <a:solidFill>
-                        <a:schemeClr val="tx1"/>
-                      </a:solidFill>
-                      <a:prstDash val="solid"/>
-                      <a:round/>
-                      <a:headEnd type="none" w="med" len="med"/>
-                      <a:tailEnd type="none" w="med" len="med"/>
-                    </a:lnB>
-                    <a:solidFill>
-                      <a:schemeClr val="bg1"/>
-                    </a:solidFill>
-                  </a:tcPr>
-                </a:tc>
-                <a:tc>
-                  <a:txBody>
-                    <a:bodyPr/>
-                    <a:lstStyle/>
-                    <a:p>
-                      <a:pPr marL="0" marR="0" lvl="0" indent="0" algn="l" defTabSz="914400" rtl="0" eaLnBrk="1" fontAlgn="auto" latinLnBrk="0" hangingPunct="1">
-                        <a:lnSpc>
-                          <a:spcPct val="100000"/>
-                        </a:lnSpc>
-                        <a:spcBef>
-                          <a:spcPts val="0"/>
-                        </a:spcBef>
-                        <a:spcAft>
-                          <a:spcPts val="0"/>
-                        </a:spcAft>
-                        <a:buClrTx/>
-                        <a:buSzTx/>
-                        <a:buFontTx/>
-                        <a:buNone/>
-                        <a:tabLst/>
-                        <a:defRPr/>
-                      </a:pPr>
-                      <a:r>
-                        <a:rPr lang="en-GB" sz="1200" kern="1200" dirty="0">
-                          <a:solidFill>
-                            <a:schemeClr val="dk1"/>
-                          </a:solidFill>
-                          <a:effectLst/>
-                          <a:latin typeface="+mn-lt"/>
-                          <a:ea typeface="+mn-ea"/>
-                          <a:cs typeface="+mn-cs"/>
-                        </a:rPr>
-                        <a:t>10.1007/s10750-013-1525-6</a:t>
-                      </a:r>
-                    </a:p>
-                    <a:p>
-                      <a:pPr marL="0" marR="0" lvl="0" indent="0" algn="l" defTabSz="914400" rtl="0" eaLnBrk="1" fontAlgn="auto" latinLnBrk="0" hangingPunct="1">
-                        <a:lnSpc>
-                          <a:spcPct val="100000"/>
-                        </a:lnSpc>
-                        <a:spcBef>
-                          <a:spcPts val="0"/>
-                        </a:spcBef>
-                        <a:spcAft>
-                          <a:spcPts val="0"/>
-                        </a:spcAft>
-                        <a:buClrTx/>
-                        <a:buSzTx/>
-                        <a:buFontTx/>
-                        <a:buNone/>
-                        <a:tabLst/>
-                        <a:defRPr/>
-                      </a:pPr>
-                      <a:r>
-                        <a:rPr lang="en-GB" sz="1200" dirty="0">
-                          <a:solidFill>
-                            <a:sysClr val="windowText" lastClr="000000"/>
-                          </a:solidFill>
-                        </a:rPr>
-                        <a:t>10.1016/j.ecolind.2022.109560</a:t>
-                      </a:r>
-                    </a:p>
-                  </a:txBody>
-                  <a:tcPr>
-                    <a:lnL w="12700" cap="flat" cmpd="sng" algn="ctr">
-                      <a:solidFill>
-                        <a:schemeClr val="tx1"/>
-                      </a:solidFill>
-                      <a:prstDash val="solid"/>
-                      <a:round/>
-                      <a:headEnd type="none" w="med" len="med"/>
-                      <a:tailEnd type="none" w="med" len="med"/>
-                    </a:lnL>
-                    <a:lnR w="12700" cap="flat" cmpd="sng" algn="ctr">
-                      <a:solidFill>
-                        <a:schemeClr val="tx1"/>
-                      </a:solidFill>
-                      <a:prstDash val="solid"/>
-                      <a:round/>
-                      <a:headEnd type="none" w="med" len="med"/>
-                      <a:tailEnd type="none" w="med" len="med"/>
-                    </a:lnR>
-                    <a:lnT w="12700" cap="flat" cmpd="sng" algn="ctr">
-                      <a:solidFill>
-                        <a:schemeClr val="tx1"/>
-                      </a:solidFill>
-                      <a:prstDash val="solid"/>
-                      <a:round/>
-                      <a:headEnd type="none" w="med" len="med"/>
-                      <a:tailEnd type="none" w="med" len="med"/>
-                    </a:lnT>
-                    <a:lnB w="12700" cap="flat" cmpd="sng" algn="ctr">
-                      <a:solidFill>
-                        <a:schemeClr val="tx1"/>
-                      </a:solidFill>
-                      <a:prstDash val="solid"/>
-                      <a:round/>
-                      <a:headEnd type="none" w="med" len="med"/>
-                      <a:tailEnd type="none" w="med" len="med"/>
-                    </a:lnB>
-                    <a:solidFill>
-                      <a:schemeClr val="bg1"/>
-                    </a:solidFill>
-                  </a:tcPr>
-                </a:tc>
-                <a:tc>
-                  <a:txBody>
-                    <a:bodyPr/>
-                    <a:lstStyle/>
-                    <a:p>
-                      <a:endParaRPr lang="en-GB" sz="1200" dirty="0">
-                        <a:solidFill>
-                          <a:sysClr val="windowText" lastClr="000000"/>
-                        </a:solidFill>
-                      </a:endParaRPr>
-                    </a:p>
-                  </a:txBody>
-                  <a:tcPr>
-                    <a:lnL w="12700" cap="flat" cmpd="sng" algn="ctr">
-                      <a:solidFill>
-                        <a:schemeClr val="tx1"/>
-                      </a:solidFill>
-                      <a:prstDash val="solid"/>
-                      <a:round/>
-                      <a:headEnd type="none" w="med" len="med"/>
-                      <a:tailEnd type="none" w="med" len="med"/>
-                    </a:lnL>
-                    <a:lnR w="12700" cap="flat" cmpd="sng" algn="ctr">
-                      <a:solidFill>
-                        <a:schemeClr val="tx1"/>
-                      </a:solidFill>
-                      <a:prstDash val="solid"/>
-                      <a:round/>
-                      <a:headEnd type="none" w="med" len="med"/>
-                      <a:tailEnd type="none" w="med" len="med"/>
-                    </a:lnR>
-                    <a:lnT w="12700" cap="flat" cmpd="sng" algn="ctr">
-                      <a:solidFill>
-                        <a:schemeClr val="tx1"/>
-                      </a:solidFill>
-                      <a:prstDash val="solid"/>
-                      <a:round/>
-                      <a:headEnd type="none" w="med" len="med"/>
-                      <a:tailEnd type="none" w="med" len="med"/>
-                    </a:lnT>
-                    <a:lnB w="12700" cap="flat" cmpd="sng" algn="ctr">
-                      <a:solidFill>
-                        <a:schemeClr val="tx1"/>
-                      </a:solidFill>
-                      <a:prstDash val="solid"/>
-                      <a:round/>
-                      <a:headEnd type="none" w="med" len="med"/>
-                      <a:tailEnd type="none" w="med" len="med"/>
-                    </a:lnB>
-                    <a:solidFill>
-                      <a:schemeClr val="bg1"/>
-                    </a:solidFill>
-                  </a:tcPr>
-                </a:tc>
-                <a:extLst>
-                  <a:ext uri="{0D108BD9-81ED-4DB2-BD59-A6C34878D82A}">
-                    <a16:rowId xmlns:a16="http://schemas.microsoft.com/office/drawing/2014/main" val="3171454159"/>
-                  </a:ext>
-                </a:extLst>
-              </a:tr>
-              <a:tr h="444901">
-                <a:tc>
-                  <a:txBody>
-                    <a:bodyPr/>
-                    <a:lstStyle/>
-                    <a:p>
-                      <a:r>
-                        <a:rPr lang="en-GB" sz="1200" dirty="0">
-                          <a:solidFill>
-                            <a:sysClr val="windowText" lastClr="000000"/>
-                          </a:solidFill>
-                        </a:rPr>
-                        <a:t>Temperature</a:t>
-                      </a:r>
-                    </a:p>
-                  </a:txBody>
-                  <a:tcPr>
-                    <a:lnL w="12700" cap="flat" cmpd="sng" algn="ctr">
-                      <a:solidFill>
-                        <a:schemeClr val="tx1"/>
-                      </a:solidFill>
-                      <a:prstDash val="solid"/>
-                      <a:round/>
-                      <a:headEnd type="none" w="med" len="med"/>
-                      <a:tailEnd type="none" w="med" len="med"/>
-                    </a:lnL>
-                    <a:lnR w="12700" cap="flat" cmpd="sng" algn="ctr">
-                      <a:solidFill>
-                        <a:schemeClr val="tx1"/>
-                      </a:solidFill>
-                      <a:prstDash val="solid"/>
-                      <a:round/>
-                      <a:headEnd type="none" w="med" len="med"/>
-                      <a:tailEnd type="none" w="med" len="med"/>
-                    </a:lnR>
-                    <a:lnT w="12700" cap="flat" cmpd="sng" algn="ctr">
-                      <a:solidFill>
-                        <a:schemeClr val="tx1"/>
-                      </a:solidFill>
-                      <a:prstDash val="solid"/>
-                      <a:round/>
-                      <a:headEnd type="none" w="med" len="med"/>
-                      <a:tailEnd type="none" w="med" len="med"/>
-                    </a:lnT>
-                    <a:lnB w="12700" cap="flat" cmpd="sng" algn="ctr">
-                      <a:solidFill>
-                        <a:schemeClr val="tx1"/>
-                      </a:solidFill>
-                      <a:prstDash val="solid"/>
-                      <a:round/>
-                      <a:headEnd type="none" w="med" len="med"/>
-                      <a:tailEnd type="none" w="med" len="med"/>
-                    </a:lnB>
-                    <a:solidFill>
-                      <a:schemeClr val="bg1"/>
-                    </a:solidFill>
-                  </a:tcPr>
-                </a:tc>
-                <a:tc>
-                  <a:txBody>
-                    <a:bodyPr/>
-                    <a:lstStyle/>
-                    <a:p>
-                      <a:r>
-                        <a:rPr lang="en-GB" sz="1200" dirty="0">
-                          <a:solidFill>
-                            <a:sysClr val="windowText" lastClr="000000"/>
-                          </a:solidFill>
-                        </a:rPr>
-                        <a:t>6</a:t>
-                      </a:r>
-                    </a:p>
-                  </a:txBody>
-                  <a:tcPr>
-                    <a:lnL w="12700" cap="flat" cmpd="sng" algn="ctr">
-                      <a:solidFill>
-                        <a:schemeClr val="tx1"/>
-                      </a:solidFill>
-                      <a:prstDash val="solid"/>
-                      <a:round/>
-                      <a:headEnd type="none" w="med" len="med"/>
-                      <a:tailEnd type="none" w="med" len="med"/>
-                    </a:lnL>
-                    <a:lnR w="12700" cap="flat" cmpd="sng" algn="ctr">
-                      <a:solidFill>
-                        <a:schemeClr val="tx1"/>
-                      </a:solidFill>
-                      <a:prstDash val="solid"/>
-                      <a:round/>
-                      <a:headEnd type="none" w="med" len="med"/>
-                      <a:tailEnd type="none" w="med" len="med"/>
-                    </a:lnR>
-                    <a:lnT w="12700" cap="flat" cmpd="sng" algn="ctr">
-                      <a:solidFill>
-                        <a:schemeClr val="tx1"/>
-                      </a:solidFill>
-                      <a:prstDash val="solid"/>
-                      <a:round/>
-                      <a:headEnd type="none" w="med" len="med"/>
-                      <a:tailEnd type="none" w="med" len="med"/>
-                    </a:lnT>
-                    <a:lnB w="12700" cap="flat" cmpd="sng" algn="ctr">
-                      <a:solidFill>
-                        <a:schemeClr val="tx1"/>
-                      </a:solidFill>
-                      <a:prstDash val="solid"/>
-                      <a:round/>
-                      <a:headEnd type="none" w="med" len="med"/>
-                      <a:tailEnd type="none" w="med" len="med"/>
-                    </a:lnB>
-                    <a:solidFill>
-                      <a:schemeClr val="bg1"/>
-                    </a:solidFill>
-                  </a:tcPr>
-                </a:tc>
-                <a:tc>
-                  <a:txBody>
-                    <a:bodyPr/>
-                    <a:lstStyle/>
-                    <a:p>
-                      <a:r>
-                        <a:rPr lang="en-GB" sz="1200" dirty="0">
-                          <a:solidFill>
-                            <a:sysClr val="windowText" lastClr="000000"/>
-                          </a:solidFill>
-                        </a:rPr>
-                        <a:t>10.1007/s10750-011-0923-x</a:t>
-                      </a:r>
-                    </a:p>
-                    <a:p>
-                      <a:r>
-                        <a:rPr lang="en-GB" sz="1200" dirty="0">
-                          <a:solidFill>
-                            <a:sysClr val="windowText" lastClr="000000"/>
-                          </a:solidFill>
-                        </a:rPr>
-                        <a:t>10.1080/20442041.2020.1827891</a:t>
-                      </a:r>
-                    </a:p>
-                  </a:txBody>
-                  <a:tcPr>
-                    <a:lnL w="12700" cap="flat" cmpd="sng" algn="ctr">
-                      <a:solidFill>
-                        <a:schemeClr val="tx1"/>
-                      </a:solidFill>
-                      <a:prstDash val="solid"/>
-                      <a:round/>
-                      <a:headEnd type="none" w="med" len="med"/>
-                      <a:tailEnd type="none" w="med" len="med"/>
-                    </a:lnL>
-                    <a:lnR w="12700" cap="flat" cmpd="sng" algn="ctr">
-                      <a:solidFill>
-                        <a:schemeClr val="tx1"/>
-                      </a:solidFill>
-                      <a:prstDash val="solid"/>
-                      <a:round/>
-                      <a:headEnd type="none" w="med" len="med"/>
-                      <a:tailEnd type="none" w="med" len="med"/>
-                    </a:lnR>
-                    <a:lnT w="12700" cap="flat" cmpd="sng" algn="ctr">
-                      <a:solidFill>
-                        <a:schemeClr val="tx1"/>
-                      </a:solidFill>
-                      <a:prstDash val="solid"/>
-                      <a:round/>
-                      <a:headEnd type="none" w="med" len="med"/>
-                      <a:tailEnd type="none" w="med" len="med"/>
-                    </a:lnT>
-                    <a:lnB w="12700" cap="flat" cmpd="sng" algn="ctr">
-                      <a:solidFill>
-                        <a:schemeClr val="tx1"/>
-                      </a:solidFill>
-                      <a:prstDash val="solid"/>
-                      <a:round/>
-                      <a:headEnd type="none" w="med" len="med"/>
-                      <a:tailEnd type="none" w="med" len="med"/>
-                    </a:lnB>
-                    <a:solidFill>
-                      <a:schemeClr val="bg1"/>
-                    </a:solidFill>
-                  </a:tcPr>
-                </a:tc>
-                <a:tc>
-                  <a:txBody>
-                    <a:bodyPr/>
-                    <a:lstStyle/>
-                    <a:p>
-                      <a:r>
-                        <a:rPr lang="en-GB" sz="1200" dirty="0">
-                          <a:solidFill>
-                            <a:sysClr val="windowText" lastClr="000000"/>
-                          </a:solidFill>
-                        </a:rPr>
-                        <a:t>Some found that temperature had little effect (10.1111/j.1365-2427.2007.01865.x)</a:t>
-                      </a:r>
-                    </a:p>
-                    <a:p>
-                      <a:r>
-                        <a:rPr lang="en-GB" sz="1200" dirty="0">
-                          <a:solidFill>
-                            <a:sysClr val="windowText" lastClr="000000"/>
-                          </a:solidFill>
-                        </a:rPr>
-                        <a:t>Spilt findings </a:t>
-                      </a:r>
-                    </a:p>
-                  </a:txBody>
-                  <a:tcPr>
-                    <a:lnL w="12700" cap="flat" cmpd="sng" algn="ctr">
-                      <a:solidFill>
-                        <a:schemeClr val="tx1"/>
-                      </a:solidFill>
-                      <a:prstDash val="solid"/>
-                      <a:round/>
-                      <a:headEnd type="none" w="med" len="med"/>
-                      <a:tailEnd type="none" w="med" len="med"/>
-                    </a:lnL>
-                    <a:lnR w="12700" cap="flat" cmpd="sng" algn="ctr">
-                      <a:solidFill>
-                        <a:schemeClr val="tx1"/>
-                      </a:solidFill>
-                      <a:prstDash val="solid"/>
-                      <a:round/>
-                      <a:headEnd type="none" w="med" len="med"/>
-                      <a:tailEnd type="none" w="med" len="med"/>
-                    </a:lnR>
-                    <a:lnT w="12700" cap="flat" cmpd="sng" algn="ctr">
-                      <a:solidFill>
-                        <a:schemeClr val="tx1"/>
-                      </a:solidFill>
-                      <a:prstDash val="solid"/>
-                      <a:round/>
-                      <a:headEnd type="none" w="med" len="med"/>
-                      <a:tailEnd type="none" w="med" len="med"/>
-                    </a:lnT>
-                    <a:lnB w="12700" cap="flat" cmpd="sng" algn="ctr">
-                      <a:solidFill>
-                        <a:schemeClr val="tx1"/>
-                      </a:solidFill>
-                      <a:prstDash val="solid"/>
-                      <a:round/>
-                      <a:headEnd type="none" w="med" len="med"/>
-                      <a:tailEnd type="none" w="med" len="med"/>
-                    </a:lnB>
-                    <a:solidFill>
-                      <a:schemeClr val="bg1"/>
-                    </a:solidFill>
-                  </a:tcPr>
-                </a:tc>
-                <a:extLst>
-                  <a:ext uri="{0D108BD9-81ED-4DB2-BD59-A6C34878D82A}">
-                    <a16:rowId xmlns:a16="http://schemas.microsoft.com/office/drawing/2014/main" val="2851720981"/>
-                  </a:ext>
-                </a:extLst>
-              </a:tr>
-              <a:tr h="444901">
-                <a:tc>
-                  <a:txBody>
-                    <a:bodyPr/>
-                    <a:lstStyle/>
-                    <a:p>
-                      <a:r>
-                        <a:rPr lang="en-GB" sz="1200" dirty="0">
-                          <a:solidFill>
-                            <a:sysClr val="windowText" lastClr="000000"/>
-                          </a:solidFill>
-                        </a:rPr>
-                        <a:t>Water Depth</a:t>
-                      </a:r>
-                    </a:p>
-                  </a:txBody>
-                  <a:tcPr>
-                    <a:lnL w="12700" cap="flat" cmpd="sng" algn="ctr">
-                      <a:solidFill>
-                        <a:schemeClr val="tx1"/>
-                      </a:solidFill>
-                      <a:prstDash val="solid"/>
-                      <a:round/>
-                      <a:headEnd type="none" w="med" len="med"/>
-                      <a:tailEnd type="none" w="med" len="med"/>
-                    </a:lnL>
-                    <a:lnR w="12700" cap="flat" cmpd="sng" algn="ctr">
-                      <a:solidFill>
-                        <a:schemeClr val="tx1"/>
-                      </a:solidFill>
-                      <a:prstDash val="solid"/>
-                      <a:round/>
-                      <a:headEnd type="none" w="med" len="med"/>
-                      <a:tailEnd type="none" w="med" len="med"/>
-                    </a:lnR>
-                    <a:lnT w="12700" cap="flat" cmpd="sng" algn="ctr">
-                      <a:solidFill>
-                        <a:schemeClr val="tx1"/>
-                      </a:solidFill>
-                      <a:prstDash val="solid"/>
-                      <a:round/>
-                      <a:headEnd type="none" w="med" len="med"/>
-                      <a:tailEnd type="none" w="med" len="med"/>
-                    </a:lnT>
-                    <a:lnB w="12700" cap="flat" cmpd="sng" algn="ctr">
-                      <a:solidFill>
-                        <a:schemeClr val="tx1"/>
-                      </a:solidFill>
-                      <a:prstDash val="solid"/>
-                      <a:round/>
-                      <a:headEnd type="none" w="med" len="med"/>
-                      <a:tailEnd type="none" w="med" len="med"/>
-                    </a:lnB>
-                    <a:solidFill>
-                      <a:schemeClr val="bg1"/>
-                    </a:solidFill>
-                  </a:tcPr>
-                </a:tc>
-                <a:tc>
-                  <a:txBody>
-                    <a:bodyPr/>
-                    <a:lstStyle/>
-                    <a:p>
-                      <a:r>
-                        <a:rPr lang="en-GB" sz="1200" dirty="0">
-                          <a:solidFill>
-                            <a:sysClr val="windowText" lastClr="000000"/>
-                          </a:solidFill>
-                        </a:rPr>
-                        <a:t>7</a:t>
-                      </a:r>
-                    </a:p>
-                  </a:txBody>
-                  <a:tcPr>
-                    <a:lnL w="12700" cap="flat" cmpd="sng" algn="ctr">
-                      <a:solidFill>
-                        <a:schemeClr val="tx1"/>
-                      </a:solidFill>
-                      <a:prstDash val="solid"/>
-                      <a:round/>
-                      <a:headEnd type="none" w="med" len="med"/>
-                      <a:tailEnd type="none" w="med" len="med"/>
-                    </a:lnL>
-                    <a:lnR w="12700" cap="flat" cmpd="sng" algn="ctr">
-                      <a:solidFill>
-                        <a:schemeClr val="tx1"/>
-                      </a:solidFill>
-                      <a:prstDash val="solid"/>
-                      <a:round/>
-                      <a:headEnd type="none" w="med" len="med"/>
-                      <a:tailEnd type="none" w="med" len="med"/>
-                    </a:lnR>
-                    <a:lnT w="12700" cap="flat" cmpd="sng" algn="ctr">
-                      <a:solidFill>
-                        <a:schemeClr val="tx1"/>
-                      </a:solidFill>
-                      <a:prstDash val="solid"/>
-                      <a:round/>
-                      <a:headEnd type="none" w="med" len="med"/>
-                      <a:tailEnd type="none" w="med" len="med"/>
-                    </a:lnT>
-                    <a:lnB w="12700" cap="flat" cmpd="sng" algn="ctr">
-                      <a:solidFill>
-                        <a:schemeClr val="tx1"/>
-                      </a:solidFill>
-                      <a:prstDash val="solid"/>
-                      <a:round/>
-                      <a:headEnd type="none" w="med" len="med"/>
-                      <a:tailEnd type="none" w="med" len="med"/>
-                    </a:lnB>
-                    <a:solidFill>
-                      <a:schemeClr val="bg1"/>
-                    </a:solidFill>
-                  </a:tcPr>
-                </a:tc>
-                <a:tc>
-                  <a:txBody>
-                    <a:bodyPr/>
-                    <a:lstStyle/>
-                    <a:p>
-                      <a:pPr marL="0" marR="0" lvl="0" indent="0" algn="l" defTabSz="914400" rtl="0" eaLnBrk="1" fontAlgn="auto" latinLnBrk="0" hangingPunct="1">
-                        <a:lnSpc>
-                          <a:spcPct val="100000"/>
-                        </a:lnSpc>
-                        <a:spcBef>
-                          <a:spcPts val="0"/>
-                        </a:spcBef>
-                        <a:spcAft>
-                          <a:spcPts val="0"/>
-                        </a:spcAft>
-                        <a:buClrTx/>
-                        <a:buSzTx/>
-                        <a:buFontTx/>
-                        <a:buNone/>
-                        <a:tabLst/>
-                        <a:defRPr/>
-                      </a:pPr>
-                      <a:r>
-                        <a:rPr lang="en-GB" sz="1200" dirty="0">
-                          <a:solidFill>
-                            <a:sysClr val="windowText" lastClr="000000"/>
-                          </a:solidFill>
-                        </a:rPr>
-                        <a:t>10.1016/j.ecolind.2022.109560</a:t>
-                      </a:r>
-                    </a:p>
-                  </a:txBody>
-                  <a:tcPr>
-                    <a:lnL w="12700" cap="flat" cmpd="sng" algn="ctr">
-                      <a:solidFill>
-                        <a:schemeClr val="tx1"/>
-                      </a:solidFill>
-                      <a:prstDash val="solid"/>
-                      <a:round/>
-                      <a:headEnd type="none" w="med" len="med"/>
-                      <a:tailEnd type="none" w="med" len="med"/>
-                    </a:lnL>
-                    <a:lnR w="12700" cap="flat" cmpd="sng" algn="ctr">
-                      <a:solidFill>
-                        <a:schemeClr val="tx1"/>
-                      </a:solidFill>
-                      <a:prstDash val="solid"/>
-                      <a:round/>
-                      <a:headEnd type="none" w="med" len="med"/>
-                      <a:tailEnd type="none" w="med" len="med"/>
-                    </a:lnR>
-                    <a:lnT w="12700" cap="flat" cmpd="sng" algn="ctr">
-                      <a:solidFill>
-                        <a:schemeClr val="tx1"/>
-                      </a:solidFill>
-                      <a:prstDash val="solid"/>
-                      <a:round/>
-                      <a:headEnd type="none" w="med" len="med"/>
-                      <a:tailEnd type="none" w="med" len="med"/>
-                    </a:lnT>
-                    <a:lnB w="12700" cap="flat" cmpd="sng" algn="ctr">
-                      <a:solidFill>
-                        <a:schemeClr val="tx1"/>
-                      </a:solidFill>
-                      <a:prstDash val="solid"/>
-                      <a:round/>
-                      <a:headEnd type="none" w="med" len="med"/>
-                      <a:tailEnd type="none" w="med" len="med"/>
-                    </a:lnB>
-                    <a:solidFill>
-                      <a:schemeClr val="bg1"/>
-                    </a:solidFill>
-                  </a:tcPr>
-                </a:tc>
-                <a:tc>
-                  <a:txBody>
-                    <a:bodyPr/>
-                    <a:lstStyle/>
-                    <a:p>
-                      <a:endParaRPr lang="en-GB" sz="1200" dirty="0">
-                        <a:solidFill>
-                          <a:sysClr val="windowText" lastClr="000000"/>
-                        </a:solidFill>
-                      </a:endParaRPr>
-                    </a:p>
-                  </a:txBody>
-                  <a:tcPr>
-                    <a:lnL w="12700" cap="flat" cmpd="sng" algn="ctr">
-                      <a:solidFill>
-                        <a:schemeClr val="tx1"/>
-                      </a:solidFill>
-                      <a:prstDash val="solid"/>
-                      <a:round/>
-                      <a:headEnd type="none" w="med" len="med"/>
-                      <a:tailEnd type="none" w="med" len="med"/>
-                    </a:lnL>
-                    <a:lnR w="12700" cap="flat" cmpd="sng" algn="ctr">
-                      <a:solidFill>
-                        <a:schemeClr val="tx1"/>
-                      </a:solidFill>
-                      <a:prstDash val="solid"/>
-                      <a:round/>
-                      <a:headEnd type="none" w="med" len="med"/>
-                      <a:tailEnd type="none" w="med" len="med"/>
-                    </a:lnR>
-                    <a:lnT w="12700" cap="flat" cmpd="sng" algn="ctr">
-                      <a:solidFill>
-                        <a:schemeClr val="tx1"/>
-                      </a:solidFill>
-                      <a:prstDash val="solid"/>
-                      <a:round/>
-                      <a:headEnd type="none" w="med" len="med"/>
-                      <a:tailEnd type="none" w="med" len="med"/>
-                    </a:lnT>
-                    <a:lnB w="12700" cap="flat" cmpd="sng" algn="ctr">
-                      <a:solidFill>
-                        <a:schemeClr val="tx1"/>
-                      </a:solidFill>
-                      <a:prstDash val="solid"/>
-                      <a:round/>
-                      <a:headEnd type="none" w="med" len="med"/>
-                      <a:tailEnd type="none" w="med" len="med"/>
-                    </a:lnB>
-                    <a:solidFill>
-                      <a:schemeClr val="bg1"/>
-                    </a:solidFill>
-                  </a:tcPr>
-                </a:tc>
-                <a:extLst>
-                  <a:ext uri="{0D108BD9-81ED-4DB2-BD59-A6C34878D82A}">
-                    <a16:rowId xmlns:a16="http://schemas.microsoft.com/office/drawing/2014/main" val="3908509810"/>
-                  </a:ext>
-                </a:extLst>
-              </a:tr>
-              <a:tr h="444901">
-                <a:tc>
-                  <a:txBody>
-                    <a:bodyPr/>
-                    <a:lstStyle/>
-                    <a:p>
-                      <a:r>
-                        <a:rPr lang="en-GB" sz="1200" dirty="0">
-                          <a:solidFill>
-                            <a:sysClr val="windowText" lastClr="000000"/>
-                          </a:solidFill>
-                        </a:rPr>
-                        <a:t>Phytoplankton Group</a:t>
-                      </a:r>
-                    </a:p>
-                  </a:txBody>
-                  <a:tcPr>
-                    <a:lnL w="12700" cap="flat" cmpd="sng" algn="ctr">
-                      <a:solidFill>
-                        <a:schemeClr val="tx1"/>
-                      </a:solidFill>
-                      <a:prstDash val="solid"/>
-                      <a:round/>
-                      <a:headEnd type="none" w="med" len="med"/>
-                      <a:tailEnd type="none" w="med" len="med"/>
-                    </a:lnL>
-                    <a:lnR w="12700" cap="flat" cmpd="sng" algn="ctr">
-                      <a:solidFill>
-                        <a:schemeClr val="tx1"/>
-                      </a:solidFill>
-                      <a:prstDash val="solid"/>
-                      <a:round/>
-                      <a:headEnd type="none" w="med" len="med"/>
-                      <a:tailEnd type="none" w="med" len="med"/>
-                    </a:lnR>
-                    <a:lnT w="12700" cap="flat" cmpd="sng" algn="ctr">
-                      <a:solidFill>
-                        <a:schemeClr val="tx1"/>
-                      </a:solidFill>
-                      <a:prstDash val="solid"/>
-                      <a:round/>
-                      <a:headEnd type="none" w="med" len="med"/>
-                      <a:tailEnd type="none" w="med" len="med"/>
-                    </a:lnT>
-                    <a:lnB w="12700" cap="flat" cmpd="sng" algn="ctr">
-                      <a:solidFill>
-                        <a:schemeClr val="tx1"/>
-                      </a:solidFill>
-                      <a:prstDash val="solid"/>
-                      <a:round/>
-                      <a:headEnd type="none" w="med" len="med"/>
-                      <a:tailEnd type="none" w="med" len="med"/>
-                    </a:lnB>
-                    <a:solidFill>
-                      <a:schemeClr val="bg1"/>
-                    </a:solidFill>
-                  </a:tcPr>
-                </a:tc>
-                <a:tc>
-                  <a:txBody>
-                    <a:bodyPr/>
-                    <a:lstStyle/>
-                    <a:p>
-                      <a:r>
-                        <a:rPr lang="en-GB" sz="1200" dirty="0">
-                          <a:solidFill>
-                            <a:sysClr val="windowText" lastClr="000000"/>
-                          </a:solidFill>
-                        </a:rPr>
-                        <a:t>2</a:t>
-                      </a:r>
-                    </a:p>
-                  </a:txBody>
-                  <a:tcPr>
-                    <a:lnL w="12700" cap="flat" cmpd="sng" algn="ctr">
-                      <a:solidFill>
-                        <a:schemeClr val="tx1"/>
-                      </a:solidFill>
-                      <a:prstDash val="solid"/>
-                      <a:round/>
-                      <a:headEnd type="none" w="med" len="med"/>
-                      <a:tailEnd type="none" w="med" len="med"/>
-                    </a:lnL>
-                    <a:lnR w="12700" cap="flat" cmpd="sng" algn="ctr">
-                      <a:solidFill>
-                        <a:schemeClr val="tx1"/>
-                      </a:solidFill>
-                      <a:prstDash val="solid"/>
-                      <a:round/>
-                      <a:headEnd type="none" w="med" len="med"/>
-                      <a:tailEnd type="none" w="med" len="med"/>
-                    </a:lnR>
-                    <a:lnT w="12700" cap="flat" cmpd="sng" algn="ctr">
-                      <a:solidFill>
-                        <a:schemeClr val="tx1"/>
-                      </a:solidFill>
-                      <a:prstDash val="solid"/>
-                      <a:round/>
-                      <a:headEnd type="none" w="med" len="med"/>
-                      <a:tailEnd type="none" w="med" len="med"/>
-                    </a:lnT>
-                    <a:lnB w="12700" cap="flat" cmpd="sng" algn="ctr">
-                      <a:solidFill>
-                        <a:schemeClr val="tx1"/>
-                      </a:solidFill>
-                      <a:prstDash val="solid"/>
-                      <a:round/>
-                      <a:headEnd type="none" w="med" len="med"/>
-                      <a:tailEnd type="none" w="med" len="med"/>
-                    </a:lnB>
-                    <a:solidFill>
-                      <a:schemeClr val="bg1"/>
-                    </a:solidFill>
-                  </a:tcPr>
-                </a:tc>
-                <a:tc>
-                  <a:txBody>
-                    <a:bodyPr/>
-                    <a:lstStyle/>
-                    <a:p>
-                      <a:endParaRPr lang="en-GB" sz="1200" dirty="0">
-                        <a:solidFill>
-                          <a:sysClr val="windowText" lastClr="000000"/>
-                        </a:solidFill>
-                      </a:endParaRPr>
-                    </a:p>
-                  </a:txBody>
-                  <a:tcPr>
-                    <a:lnL w="12700" cap="flat" cmpd="sng" algn="ctr">
-                      <a:solidFill>
-                        <a:schemeClr val="tx1"/>
-                      </a:solidFill>
-                      <a:prstDash val="solid"/>
-                      <a:round/>
-                      <a:headEnd type="none" w="med" len="med"/>
-                      <a:tailEnd type="none" w="med" len="med"/>
-                    </a:lnL>
-                    <a:lnR w="12700" cap="flat" cmpd="sng" algn="ctr">
-                      <a:solidFill>
-                        <a:schemeClr val="tx1"/>
-                      </a:solidFill>
-                      <a:prstDash val="solid"/>
-                      <a:round/>
-                      <a:headEnd type="none" w="med" len="med"/>
-                      <a:tailEnd type="none" w="med" len="med"/>
-                    </a:lnR>
-                    <a:lnT w="12700" cap="flat" cmpd="sng" algn="ctr">
-                      <a:solidFill>
-                        <a:schemeClr val="tx1"/>
-                      </a:solidFill>
-                      <a:prstDash val="solid"/>
-                      <a:round/>
-                      <a:headEnd type="none" w="med" len="med"/>
-                      <a:tailEnd type="none" w="med" len="med"/>
-                    </a:lnT>
-                    <a:lnB w="12700" cap="flat" cmpd="sng" algn="ctr">
-                      <a:solidFill>
-                        <a:schemeClr val="tx1"/>
-                      </a:solidFill>
-                      <a:prstDash val="solid"/>
-                      <a:round/>
-                      <a:headEnd type="none" w="med" len="med"/>
-                      <a:tailEnd type="none" w="med" len="med"/>
-                    </a:lnB>
-                    <a:solidFill>
-                      <a:schemeClr val="bg1"/>
-                    </a:solidFill>
-                  </a:tcPr>
-                </a:tc>
-                <a:tc>
-                  <a:txBody>
-                    <a:bodyPr/>
-                    <a:lstStyle/>
-                    <a:p>
-                      <a:endParaRPr lang="en-GB" sz="1200" dirty="0">
-                        <a:solidFill>
-                          <a:sysClr val="windowText" lastClr="000000"/>
-                        </a:solidFill>
-                      </a:endParaRPr>
-                    </a:p>
-                  </a:txBody>
-                  <a:tcPr>
-                    <a:lnL w="12700" cap="flat" cmpd="sng" algn="ctr">
-                      <a:solidFill>
-                        <a:schemeClr val="tx1"/>
-                      </a:solidFill>
-                      <a:prstDash val="solid"/>
-                      <a:round/>
-                      <a:headEnd type="none" w="med" len="med"/>
-                      <a:tailEnd type="none" w="med" len="med"/>
-                    </a:lnL>
-                    <a:lnR w="12700" cap="flat" cmpd="sng" algn="ctr">
-                      <a:solidFill>
-                        <a:schemeClr val="tx1"/>
-                      </a:solidFill>
-                      <a:prstDash val="solid"/>
-                      <a:round/>
-                      <a:headEnd type="none" w="med" len="med"/>
-                      <a:tailEnd type="none" w="med" len="med"/>
-                    </a:lnR>
-                    <a:lnT w="12700" cap="flat" cmpd="sng" algn="ctr">
-                      <a:solidFill>
-                        <a:schemeClr val="tx1"/>
-                      </a:solidFill>
-                      <a:prstDash val="solid"/>
-                      <a:round/>
-                      <a:headEnd type="none" w="med" len="med"/>
-                      <a:tailEnd type="none" w="med" len="med"/>
-                    </a:lnT>
-                    <a:lnB w="12700" cap="flat" cmpd="sng" algn="ctr">
-                      <a:solidFill>
-                        <a:schemeClr val="tx1"/>
-                      </a:solidFill>
-                      <a:prstDash val="solid"/>
-                      <a:round/>
-                      <a:headEnd type="none" w="med" len="med"/>
-                      <a:tailEnd type="none" w="med" len="med"/>
-                    </a:lnB>
-                    <a:solidFill>
-                      <a:schemeClr val="bg1"/>
-                    </a:solidFill>
-                  </a:tcPr>
-                </a:tc>
-                <a:extLst>
-                  <a:ext uri="{0D108BD9-81ED-4DB2-BD59-A6C34878D82A}">
-                    <a16:rowId xmlns:a16="http://schemas.microsoft.com/office/drawing/2014/main" val="929855425"/>
-                  </a:ext>
-                </a:extLst>
-              </a:tr>
-              <a:tr h="444901">
-                <a:tc>
-                  <a:txBody>
-                    <a:bodyPr/>
-                    <a:lstStyle/>
-                    <a:p>
-                      <a:r>
-                        <a:rPr lang="en-GB" sz="1200" dirty="0">
-                          <a:solidFill>
-                            <a:sysClr val="windowText" lastClr="000000"/>
-                          </a:solidFill>
-                        </a:rPr>
-                        <a:t>Season </a:t>
-                      </a:r>
-                    </a:p>
-                  </a:txBody>
-                  <a:tcPr>
-                    <a:lnL w="12700" cap="flat" cmpd="sng" algn="ctr">
-                      <a:solidFill>
-                        <a:schemeClr val="tx1"/>
-                      </a:solidFill>
-                      <a:prstDash val="solid"/>
-                      <a:round/>
-                      <a:headEnd type="none" w="med" len="med"/>
-                      <a:tailEnd type="none" w="med" len="med"/>
-                    </a:lnL>
-                    <a:lnR w="12700" cap="flat" cmpd="sng" algn="ctr">
-                      <a:solidFill>
-                        <a:schemeClr val="tx1"/>
-                      </a:solidFill>
-                      <a:prstDash val="solid"/>
-                      <a:round/>
-                      <a:headEnd type="none" w="med" len="med"/>
-                      <a:tailEnd type="none" w="med" len="med"/>
-                    </a:lnR>
-                    <a:lnT w="12700" cap="flat" cmpd="sng" algn="ctr">
-                      <a:solidFill>
-                        <a:schemeClr val="tx1"/>
-                      </a:solidFill>
-                      <a:prstDash val="solid"/>
-                      <a:round/>
-                      <a:headEnd type="none" w="med" len="med"/>
-                      <a:tailEnd type="none" w="med" len="med"/>
-                    </a:lnT>
-                    <a:lnB w="12700" cap="flat" cmpd="sng" algn="ctr">
-                      <a:solidFill>
-                        <a:schemeClr val="tx1"/>
-                      </a:solidFill>
-                      <a:prstDash val="solid"/>
-                      <a:round/>
-                      <a:headEnd type="none" w="med" len="med"/>
-                      <a:tailEnd type="none" w="med" len="med"/>
-                    </a:lnB>
-                    <a:solidFill>
-                      <a:schemeClr val="bg1"/>
-                    </a:solidFill>
-                  </a:tcPr>
-                </a:tc>
-                <a:tc>
-                  <a:txBody>
-                    <a:bodyPr/>
-                    <a:lstStyle/>
-                    <a:p>
-                      <a:r>
-                        <a:rPr lang="en-GB" sz="1200" dirty="0">
-                          <a:solidFill>
-                            <a:sysClr val="windowText" lastClr="000000"/>
-                          </a:solidFill>
-                        </a:rPr>
-                        <a:t>2</a:t>
-                      </a:r>
-                    </a:p>
-                  </a:txBody>
-                  <a:tcPr>
-                    <a:lnL w="12700" cap="flat" cmpd="sng" algn="ctr">
-                      <a:solidFill>
-                        <a:schemeClr val="tx1"/>
-                      </a:solidFill>
-                      <a:prstDash val="solid"/>
-                      <a:round/>
-                      <a:headEnd type="none" w="med" len="med"/>
-                      <a:tailEnd type="none" w="med" len="med"/>
-                    </a:lnL>
-                    <a:lnR w="12700" cap="flat" cmpd="sng" algn="ctr">
-                      <a:solidFill>
-                        <a:schemeClr val="tx1"/>
-                      </a:solidFill>
-                      <a:prstDash val="solid"/>
-                      <a:round/>
-                      <a:headEnd type="none" w="med" len="med"/>
-                      <a:tailEnd type="none" w="med" len="med"/>
-                    </a:lnR>
-                    <a:lnT w="12700" cap="flat" cmpd="sng" algn="ctr">
-                      <a:solidFill>
-                        <a:schemeClr val="tx1"/>
-                      </a:solidFill>
-                      <a:prstDash val="solid"/>
-                      <a:round/>
-                      <a:headEnd type="none" w="med" len="med"/>
-                      <a:tailEnd type="none" w="med" len="med"/>
-                    </a:lnT>
-                    <a:lnB w="12700" cap="flat" cmpd="sng" algn="ctr">
-                      <a:solidFill>
-                        <a:schemeClr val="tx1"/>
-                      </a:solidFill>
-                      <a:prstDash val="solid"/>
-                      <a:round/>
-                      <a:headEnd type="none" w="med" len="med"/>
-                      <a:tailEnd type="none" w="med" len="med"/>
-                    </a:lnB>
-                    <a:solidFill>
-                      <a:schemeClr val="bg1"/>
-                    </a:solidFill>
-                  </a:tcPr>
-                </a:tc>
-                <a:tc>
-                  <a:txBody>
-                    <a:bodyPr/>
-                    <a:lstStyle/>
-                    <a:p>
-                      <a:r>
-                        <a:rPr lang="en-GB" sz="1200" dirty="0">
-                          <a:solidFill>
-                            <a:sysClr val="windowText" lastClr="000000"/>
-                          </a:solidFill>
-                        </a:rPr>
-                        <a:t>10.1016/j.ecolind.2022.109560</a:t>
-                      </a:r>
-                    </a:p>
-                  </a:txBody>
-                  <a:tcPr>
-                    <a:lnL w="12700" cap="flat" cmpd="sng" algn="ctr">
-                      <a:solidFill>
-                        <a:schemeClr val="tx1"/>
-                      </a:solidFill>
-                      <a:prstDash val="solid"/>
-                      <a:round/>
-                      <a:headEnd type="none" w="med" len="med"/>
-                      <a:tailEnd type="none" w="med" len="med"/>
-                    </a:lnL>
-                    <a:lnR w="12700" cap="flat" cmpd="sng" algn="ctr">
-                      <a:solidFill>
-                        <a:schemeClr val="tx1"/>
-                      </a:solidFill>
-                      <a:prstDash val="solid"/>
-                      <a:round/>
-                      <a:headEnd type="none" w="med" len="med"/>
-                      <a:tailEnd type="none" w="med" len="med"/>
-                    </a:lnR>
-                    <a:lnT w="12700" cap="flat" cmpd="sng" algn="ctr">
-                      <a:solidFill>
-                        <a:schemeClr val="tx1"/>
-                      </a:solidFill>
-                      <a:prstDash val="solid"/>
-                      <a:round/>
-                      <a:headEnd type="none" w="med" len="med"/>
-                      <a:tailEnd type="none" w="med" len="med"/>
-                    </a:lnT>
-                    <a:lnB w="12700" cap="flat" cmpd="sng" algn="ctr">
-                      <a:solidFill>
-                        <a:schemeClr val="tx1"/>
-                      </a:solidFill>
-                      <a:prstDash val="solid"/>
-                      <a:round/>
-                      <a:headEnd type="none" w="med" len="med"/>
-                      <a:tailEnd type="none" w="med" len="med"/>
-                    </a:lnB>
-                    <a:solidFill>
-                      <a:schemeClr val="bg1"/>
-                    </a:solidFill>
-                  </a:tcPr>
-                </a:tc>
-                <a:tc>
-                  <a:txBody>
-                    <a:bodyPr/>
-                    <a:lstStyle/>
-                    <a:p>
-                      <a:r>
-                        <a:rPr lang="en-GB" sz="1200" dirty="0">
-                          <a:solidFill>
-                            <a:sysClr val="windowText" lastClr="000000"/>
-                          </a:solidFill>
-                        </a:rPr>
-                        <a:t>the plankton community was the least diverse in winter and the most stable during the spring-to-summer transition</a:t>
-                      </a:r>
-                    </a:p>
-                  </a:txBody>
-                  <a:tcPr>
-                    <a:lnL w="12700" cap="flat" cmpd="sng" algn="ctr">
-                      <a:solidFill>
-                        <a:schemeClr val="tx1"/>
-                      </a:solidFill>
-                      <a:prstDash val="solid"/>
-                      <a:round/>
-                      <a:headEnd type="none" w="med" len="med"/>
-                      <a:tailEnd type="none" w="med" len="med"/>
-                    </a:lnL>
-                    <a:lnR w="12700" cap="flat" cmpd="sng" algn="ctr">
-                      <a:solidFill>
-                        <a:schemeClr val="tx1"/>
-                      </a:solidFill>
-                      <a:prstDash val="solid"/>
-                      <a:round/>
-                      <a:headEnd type="none" w="med" len="med"/>
-                      <a:tailEnd type="none" w="med" len="med"/>
-                    </a:lnR>
-                    <a:lnT w="12700" cap="flat" cmpd="sng" algn="ctr">
-                      <a:solidFill>
-                        <a:schemeClr val="tx1"/>
-                      </a:solidFill>
-                      <a:prstDash val="solid"/>
-                      <a:round/>
-                      <a:headEnd type="none" w="med" len="med"/>
-                      <a:tailEnd type="none" w="med" len="med"/>
-                    </a:lnT>
-                    <a:lnB w="12700" cap="flat" cmpd="sng" algn="ctr">
-                      <a:solidFill>
-                        <a:schemeClr val="tx1"/>
-                      </a:solidFill>
-                      <a:prstDash val="solid"/>
-                      <a:round/>
-                      <a:headEnd type="none" w="med" len="med"/>
-                      <a:tailEnd type="none" w="med" len="med"/>
-                    </a:lnB>
-                    <a:solidFill>
-                      <a:schemeClr val="bg1"/>
-                    </a:solidFill>
-                  </a:tcPr>
-                </a:tc>
-                <a:extLst>
-                  <a:ext uri="{0D108BD9-81ED-4DB2-BD59-A6C34878D82A}">
-                    <a16:rowId xmlns:a16="http://schemas.microsoft.com/office/drawing/2014/main" val="2005850216"/>
-                  </a:ext>
-                </a:extLst>
-              </a:tr>
-            </a:tbl>
-          </a:graphicData>
-        </a:graphic>
-      </p:graphicFrame>
-    </p:spTree>
-    <p:extLst>
-      <p:ext uri="{BB962C8B-B14F-4D97-AF65-F5344CB8AC3E}">
-        <p14:creationId xmlns:p14="http://schemas.microsoft.com/office/powerpoint/2010/main" val="3627201028"/>
-      </p:ext>
-    </p:extLst>
-  </p:cSld>
-  <p:clrMapOvr>
-    <a:masterClrMapping/>
-  </p:clrMapOvr>
-</p:sld>
-</file>
-
-<file path=ppt/slides/slide20.xml><?xml version="1.0" encoding="utf-8"?>
+<file path=ppt/slides/slide22.xml><?xml version="1.0" encoding="utf-8"?>
 <p:sld xmlns:a="http://schemas.openxmlformats.org/drawingml/2006/main" xmlns:r="http://schemas.openxmlformats.org/officeDocument/2006/relationships" xmlns:p="http://schemas.openxmlformats.org/presentationml/2006/main">
   <p:cSld>
     <p:spTree>
@@ -8332,7 +8554,7 @@
 </p:sld>
 </file>
 
-<file path=ppt/slides/slide21.xml><?xml version="1.0" encoding="utf-8"?>
+<file path=ppt/slides/slide23.xml><?xml version="1.0" encoding="utf-8"?>
 <p:sld xmlns:a="http://schemas.openxmlformats.org/drawingml/2006/main" xmlns:r="http://schemas.openxmlformats.org/officeDocument/2006/relationships" xmlns:p="http://schemas.openxmlformats.org/presentationml/2006/main">
   <p:cSld>
     <p:spTree>
@@ -8398,7 +8620,7 @@
 </p:sld>
 </file>
 
-<file path=ppt/slides/slide22.xml><?xml version="1.0" encoding="utf-8"?>
+<file path=ppt/slides/slide24.xml><?xml version="1.0" encoding="utf-8"?>
 <p:sld xmlns:a="http://schemas.openxmlformats.org/drawingml/2006/main" xmlns:r="http://schemas.openxmlformats.org/officeDocument/2006/relationships" xmlns:p="http://schemas.openxmlformats.org/presentationml/2006/main">
   <p:cSld>
     <p:spTree>
@@ -8508,7 +8730,7 @@
 </p:sld>
 </file>
 
-<file path=ppt/slides/slide23.xml><?xml version="1.0" encoding="utf-8"?>
+<file path=ppt/slides/slide25.xml><?xml version="1.0" encoding="utf-8"?>
 <p:sld xmlns:a="http://schemas.openxmlformats.org/drawingml/2006/main" xmlns:r="http://schemas.openxmlformats.org/officeDocument/2006/relationships" xmlns:p="http://schemas.openxmlformats.org/presentationml/2006/main">
   <p:cSld>
     <p:spTree>
@@ -8618,7 +8840,7 @@
 </p:sld>
 </file>
 
-<file path=ppt/slides/slide24.xml><?xml version="1.0" encoding="utf-8"?>
+<file path=ppt/slides/slide26.xml><?xml version="1.0" encoding="utf-8"?>
 <p:sld xmlns:a="http://schemas.openxmlformats.org/drawingml/2006/main" xmlns:r="http://schemas.openxmlformats.org/officeDocument/2006/relationships" xmlns:p="http://schemas.openxmlformats.org/presentationml/2006/main">
   <p:cSld>
     <p:spTree>
@@ -8728,7 +8950,7 @@
 </p:sld>
 </file>
 
-<file path=ppt/slides/slide25.xml><?xml version="1.0" encoding="utf-8"?>
+<file path=ppt/slides/slide27.xml><?xml version="1.0" encoding="utf-8"?>
 <p:sld xmlns:a="http://schemas.openxmlformats.org/drawingml/2006/main" xmlns:r="http://schemas.openxmlformats.org/officeDocument/2006/relationships" xmlns:p="http://schemas.openxmlformats.org/presentationml/2006/main">
   <p:cSld>
     <p:spTree>
@@ -8838,7 +9060,7 @@
 </p:sld>
 </file>
 
-<file path=ppt/slides/slide26.xml><?xml version="1.0" encoding="utf-8"?>
+<file path=ppt/slides/slide28.xml><?xml version="1.0" encoding="utf-8"?>
 <p:sld xmlns:a="http://schemas.openxmlformats.org/drawingml/2006/main" xmlns:r="http://schemas.openxmlformats.org/officeDocument/2006/relationships" xmlns:p="http://schemas.openxmlformats.org/presentationml/2006/main">
   <p:cSld>
     <p:spTree>
@@ -8933,7 +9155,7 @@
 </p:sld>
 </file>
 
-<file path=ppt/slides/slide27.xml><?xml version="1.0" encoding="utf-8"?>
+<file path=ppt/slides/slide29.xml><?xml version="1.0" encoding="utf-8"?>
 <p:sld xmlns:a="http://schemas.openxmlformats.org/drawingml/2006/main" xmlns:r="http://schemas.openxmlformats.org/officeDocument/2006/relationships" xmlns:p="http://schemas.openxmlformats.org/presentationml/2006/main">
   <p:cSld>
     <p:spTree>
@@ -9014,96 +9236,6 @@
     <p:extLst>
       <p:ext uri="{BB962C8B-B14F-4D97-AF65-F5344CB8AC3E}">
         <p14:creationId xmlns:p14="http://schemas.microsoft.com/office/powerpoint/2010/main" val="2451557005"/>
-      </p:ext>
-    </p:extLst>
-  </p:cSld>
-  <p:clrMapOvr>
-    <a:masterClrMapping/>
-  </p:clrMapOvr>
-</p:sld>
-</file>
-
-<file path=ppt/slides/slide28.xml><?xml version="1.0" encoding="utf-8"?>
-<p:sld xmlns:a="http://schemas.openxmlformats.org/drawingml/2006/main" xmlns:r="http://schemas.openxmlformats.org/officeDocument/2006/relationships" xmlns:p="http://schemas.openxmlformats.org/presentationml/2006/main">
-  <p:cSld>
-    <p:spTree>
-      <p:nvGrpSpPr>
-        <p:cNvPr id="1" name=""/>
-        <p:cNvGrpSpPr/>
-        <p:nvPr/>
-      </p:nvGrpSpPr>
-      <p:grpSpPr>
-        <a:xfrm>
-          <a:off x="0" y="0"/>
-          <a:ext cx="0" cy="0"/>
-          <a:chOff x="0" y="0"/>
-          <a:chExt cx="0" cy="0"/>
-        </a:xfrm>
-      </p:grpSpPr>
-      <p:sp>
-        <p:nvSpPr>
-          <p:cNvPr id="2" name="Title 1">
-            <a:extLst>
-              <a:ext uri="{FF2B5EF4-FFF2-40B4-BE49-F238E27FC236}">
-                <a16:creationId xmlns:a16="http://schemas.microsoft.com/office/drawing/2014/main" id="{B93CD6ED-C33A-5B6F-4CF8-58794DBBB742}"/>
-              </a:ext>
-            </a:extLst>
-          </p:cNvPr>
-          <p:cNvSpPr>
-            <a:spLocks noGrp="1"/>
-          </p:cNvSpPr>
-          <p:nvPr>
-            <p:ph type="title"/>
-          </p:nvPr>
-        </p:nvSpPr>
-        <p:spPr/>
-        <p:txBody>
-          <a:bodyPr/>
-          <a:lstStyle/>
-          <a:p>
-            <a:endParaRPr lang="en-GB"/>
-          </a:p>
-        </p:txBody>
-      </p:sp>
-      <p:pic>
-        <p:nvPicPr>
-          <p:cNvPr id="9" name="Content Placeholder 8" descr="A line graph with dots and lines&#10;&#10;AI-generated content may be incorrect.">
-            <a:extLst>
-              <a:ext uri="{FF2B5EF4-FFF2-40B4-BE49-F238E27FC236}">
-                <a16:creationId xmlns:a16="http://schemas.microsoft.com/office/drawing/2014/main" id="{71C2712E-1E51-415D-5270-5BA7C88FC8E3}"/>
-              </a:ext>
-            </a:extLst>
-          </p:cNvPr>
-          <p:cNvPicPr>
-            <a:picLocks noGrp="1" noChangeAspect="1"/>
-          </p:cNvPicPr>
-          <p:nvPr>
-            <p:ph idx="1"/>
-          </p:nvPr>
-        </p:nvPicPr>
-        <p:blipFill>
-          <a:blip r:embed="rId2">
-            <a:extLst>
-              <a:ext uri="{28A0092B-C50C-407E-A947-70E740481C1C}">
-                <a14:useLocalDpi xmlns:a14="http://schemas.microsoft.com/office/drawing/2010/main" val="0"/>
-              </a:ext>
-            </a:extLst>
-          </a:blip>
-          <a:stretch>
-            <a:fillRect/>
-          </a:stretch>
-        </p:blipFill>
-        <p:spPr>
-          <a:xfrm>
-            <a:off x="624348" y="0"/>
-            <a:ext cx="10943303" cy="6839565"/>
-          </a:xfrm>
-        </p:spPr>
-      </p:pic>
-    </p:spTree>
-    <p:extLst>
-      <p:ext uri="{BB962C8B-B14F-4D97-AF65-F5344CB8AC3E}">
-        <p14:creationId xmlns:p14="http://schemas.microsoft.com/office/powerpoint/2010/main" val="710214622"/>
       </p:ext>
     </p:extLst>
   </p:cSld>
@@ -14213,6 +14345,96 @@
 </p:sld>
 </file>
 
+<file path=ppt/slides/slide30.xml><?xml version="1.0" encoding="utf-8"?>
+<p:sld xmlns:a="http://schemas.openxmlformats.org/drawingml/2006/main" xmlns:r="http://schemas.openxmlformats.org/officeDocument/2006/relationships" xmlns:p="http://schemas.openxmlformats.org/presentationml/2006/main">
+  <p:cSld>
+    <p:spTree>
+      <p:nvGrpSpPr>
+        <p:cNvPr id="1" name=""/>
+        <p:cNvGrpSpPr/>
+        <p:nvPr/>
+      </p:nvGrpSpPr>
+      <p:grpSpPr>
+        <a:xfrm>
+          <a:off x="0" y="0"/>
+          <a:ext cx="0" cy="0"/>
+          <a:chOff x="0" y="0"/>
+          <a:chExt cx="0" cy="0"/>
+        </a:xfrm>
+      </p:grpSpPr>
+      <p:sp>
+        <p:nvSpPr>
+          <p:cNvPr id="2" name="Title 1">
+            <a:extLst>
+              <a:ext uri="{FF2B5EF4-FFF2-40B4-BE49-F238E27FC236}">
+                <a16:creationId xmlns:a16="http://schemas.microsoft.com/office/drawing/2014/main" id="{B93CD6ED-C33A-5B6F-4CF8-58794DBBB742}"/>
+              </a:ext>
+            </a:extLst>
+          </p:cNvPr>
+          <p:cNvSpPr>
+            <a:spLocks noGrp="1"/>
+          </p:cNvSpPr>
+          <p:nvPr>
+            <p:ph type="title"/>
+          </p:nvPr>
+        </p:nvSpPr>
+        <p:spPr/>
+        <p:txBody>
+          <a:bodyPr/>
+          <a:lstStyle/>
+          <a:p>
+            <a:endParaRPr lang="en-GB"/>
+          </a:p>
+        </p:txBody>
+      </p:sp>
+      <p:pic>
+        <p:nvPicPr>
+          <p:cNvPr id="9" name="Content Placeholder 8" descr="A line graph with dots and lines&#10;&#10;AI-generated content may be incorrect.">
+            <a:extLst>
+              <a:ext uri="{FF2B5EF4-FFF2-40B4-BE49-F238E27FC236}">
+                <a16:creationId xmlns:a16="http://schemas.microsoft.com/office/drawing/2014/main" id="{71C2712E-1E51-415D-5270-5BA7C88FC8E3}"/>
+              </a:ext>
+            </a:extLst>
+          </p:cNvPr>
+          <p:cNvPicPr>
+            <a:picLocks noGrp="1" noChangeAspect="1"/>
+          </p:cNvPicPr>
+          <p:nvPr>
+            <p:ph idx="1"/>
+          </p:nvPr>
+        </p:nvPicPr>
+        <p:blipFill>
+          <a:blip r:embed="rId2">
+            <a:extLst>
+              <a:ext uri="{28A0092B-C50C-407E-A947-70E740481C1C}">
+                <a14:useLocalDpi xmlns:a14="http://schemas.microsoft.com/office/drawing/2010/main" val="0"/>
+              </a:ext>
+            </a:extLst>
+          </a:blip>
+          <a:stretch>
+            <a:fillRect/>
+          </a:stretch>
+        </p:blipFill>
+        <p:spPr>
+          <a:xfrm>
+            <a:off x="624348" y="0"/>
+            <a:ext cx="10943303" cy="6839565"/>
+          </a:xfrm>
+        </p:spPr>
+      </p:pic>
+    </p:spTree>
+    <p:extLst>
+      <p:ext uri="{BB962C8B-B14F-4D97-AF65-F5344CB8AC3E}">
+        <p14:creationId xmlns:p14="http://schemas.microsoft.com/office/powerpoint/2010/main" val="710214622"/>
+      </p:ext>
+    </p:extLst>
+  </p:cSld>
+  <p:clrMapOvr>
+    <a:masterClrMapping/>
+  </p:clrMapOvr>
+</p:sld>
+</file>
+
 <file path=ppt/slides/slide4.xml><?xml version="1.0" encoding="utf-8"?>
 <p:sld xmlns:a="http://schemas.openxmlformats.org/drawingml/2006/main" xmlns:r="http://schemas.openxmlformats.org/officeDocument/2006/relationships" xmlns:p="http://schemas.openxmlformats.org/presentationml/2006/main">
   <p:cSld>
@@ -14295,7 +14517,7 @@
           <p:nvPr>
             <p:extLst>
               <p:ext uri="{D42A27DB-BD31-4B8C-83A1-F6EECF244321}">
-                <p14:modId xmlns:p14="http://schemas.microsoft.com/office/powerpoint/2010/main" val="4264505614"/>
+                <p14:modId xmlns:p14="http://schemas.microsoft.com/office/powerpoint/2010/main" val="452373262"/>
               </p:ext>
             </p:extLst>
           </p:nvPr>
@@ -15528,12 +15750,20 @@
                         <a:defRPr/>
                       </a:pPr>
                       <a:r>
+                        <a:rPr lang="en-GB" sz="1200" dirty="0">
+                          <a:solidFill>
+                            <a:sysClr val="windowText" lastClr="000000"/>
+                          </a:solidFill>
+                        </a:rPr>
+                        <a:t>Biovolume</a:t>
+                      </a:r>
+                      <a:r>
                         <a:rPr lang="en-GB" sz="1400" dirty="0">
                           <a:solidFill>
                             <a:sysClr val="windowText" lastClr="000000"/>
                           </a:solidFill>
                         </a:rPr>
-                        <a:t>Biovolume </a:t>
+                        <a:t> </a:t>
                       </a:r>
                     </a:p>
                   </a:txBody>
@@ -18870,6 +19100,174 @@
 </file>
 
 <file path=ppt/slides/slide5.xml><?xml version="1.0" encoding="utf-8"?>
+<p:sld xmlns:a="http://schemas.openxmlformats.org/drawingml/2006/main" xmlns:r="http://schemas.openxmlformats.org/officeDocument/2006/relationships" xmlns:p="http://schemas.openxmlformats.org/presentationml/2006/main">
+  <p:cSld>
+    <p:spTree>
+      <p:nvGrpSpPr>
+        <p:cNvPr id="1" name=""/>
+        <p:cNvGrpSpPr/>
+        <p:nvPr/>
+      </p:nvGrpSpPr>
+      <p:grpSpPr>
+        <a:xfrm>
+          <a:off x="0" y="0"/>
+          <a:ext cx="0" cy="0"/>
+          <a:chOff x="0" y="0"/>
+          <a:chExt cx="0" cy="0"/>
+        </a:xfrm>
+      </p:grpSpPr>
+      <p:sp>
+        <p:nvSpPr>
+          <p:cNvPr id="2" name="Title 1">
+            <a:extLst>
+              <a:ext uri="{FF2B5EF4-FFF2-40B4-BE49-F238E27FC236}">
+                <a16:creationId xmlns:a16="http://schemas.microsoft.com/office/drawing/2014/main" id="{9DCAC640-640A-89AB-B8F9-8879C4B465C1}"/>
+              </a:ext>
+            </a:extLst>
+          </p:cNvPr>
+          <p:cNvSpPr>
+            <a:spLocks noGrp="1"/>
+          </p:cNvSpPr>
+          <p:nvPr>
+            <p:ph type="title"/>
+          </p:nvPr>
+        </p:nvSpPr>
+        <p:spPr/>
+        <p:txBody>
+          <a:bodyPr/>
+          <a:lstStyle/>
+          <a:p>
+            <a:endParaRPr lang="en-GB" dirty="0"/>
+          </a:p>
+        </p:txBody>
+      </p:sp>
+      <p:pic>
+        <p:nvPicPr>
+          <p:cNvPr id="6" name="Picture 5">
+            <a:extLst>
+              <a:ext uri="{FF2B5EF4-FFF2-40B4-BE49-F238E27FC236}">
+                <a16:creationId xmlns:a16="http://schemas.microsoft.com/office/drawing/2014/main" id="{AB2E3744-B189-E003-C758-6CA4C2653515}"/>
+              </a:ext>
+            </a:extLst>
+          </p:cNvPr>
+          <p:cNvPicPr>
+            <a:picLocks noChangeAspect="1"/>
+          </p:cNvPicPr>
+          <p:nvPr/>
+        </p:nvPicPr>
+        <p:blipFill>
+          <a:blip r:embed="rId2"/>
+          <a:stretch>
+            <a:fillRect/>
+          </a:stretch>
+        </p:blipFill>
+        <p:spPr>
+          <a:xfrm>
+            <a:off x="94593" y="0"/>
+            <a:ext cx="8707348" cy="6858000"/>
+          </a:xfrm>
+          <a:prstGeom prst="rect">
+            <a:avLst/>
+          </a:prstGeom>
+        </p:spPr>
+      </p:pic>
+      <p:pic>
+        <p:nvPicPr>
+          <p:cNvPr id="10" name="Picture 9">
+            <a:extLst>
+              <a:ext uri="{FF2B5EF4-FFF2-40B4-BE49-F238E27FC236}">
+                <a16:creationId xmlns:a16="http://schemas.microsoft.com/office/drawing/2014/main" id="{DEAE4B6B-AC6D-4E0F-86E8-367737539194}"/>
+              </a:ext>
+            </a:extLst>
+          </p:cNvPr>
+          <p:cNvPicPr>
+            <a:picLocks noChangeAspect="1"/>
+          </p:cNvPicPr>
+          <p:nvPr/>
+        </p:nvPicPr>
+        <p:blipFill>
+          <a:blip r:embed="rId3"/>
+          <a:stretch>
+            <a:fillRect/>
+          </a:stretch>
+        </p:blipFill>
+        <p:spPr>
+          <a:xfrm>
+            <a:off x="6892465" y="365125"/>
+            <a:ext cx="5306165" cy="2095792"/>
+          </a:xfrm>
+          <a:prstGeom prst="rect">
+            <a:avLst/>
+          </a:prstGeom>
+        </p:spPr>
+      </p:pic>
+      <p:sp>
+        <p:nvSpPr>
+          <p:cNvPr id="3" name="Content Placeholder 2">
+            <a:extLst>
+              <a:ext uri="{FF2B5EF4-FFF2-40B4-BE49-F238E27FC236}">
+                <a16:creationId xmlns:a16="http://schemas.microsoft.com/office/drawing/2014/main" id="{2134A078-679A-0B1D-4288-0B081757D1C5}"/>
+              </a:ext>
+            </a:extLst>
+          </p:cNvPr>
+          <p:cNvSpPr>
+            <a:spLocks noGrp="1"/>
+          </p:cNvSpPr>
+          <p:nvPr>
+            <p:ph idx="1"/>
+          </p:nvPr>
+        </p:nvSpPr>
+        <p:spPr>
+          <a:xfrm>
+            <a:off x="8696838" y="2826042"/>
+            <a:ext cx="3166241" cy="3454784"/>
+          </a:xfrm>
+        </p:spPr>
+        <p:txBody>
+          <a:bodyPr>
+            <a:normAutofit lnSpcReduction="10000"/>
+          </a:bodyPr>
+          <a:lstStyle/>
+          <a:p>
+            <a:r>
+              <a:rPr lang="en-GB" sz="1600" dirty="0"/>
+              <a:t>NO3 and temperature are multicollinear </a:t>
+            </a:r>
+          </a:p>
+          <a:p>
+            <a:r>
+              <a:rPr lang="en-GB" sz="1600" dirty="0"/>
+              <a:t>DIN at the lake sediment-water interface exhibited a strongly positive relationship with temperature, suggesting that high temperature conditions lead to greater DIN release from sediments. Cold temperatures cause DIN accumulation in sedimentary pore water, providing sufficient substrate for N-related bacteria in the sediment under cold temperature conditions</a:t>
+            </a:r>
+          </a:p>
+          <a:p>
+            <a:pPr lvl="1"/>
+            <a:r>
+              <a:rPr lang="en-GB" sz="1050" b="0" i="0" u="none" strike="noStrike" dirty="0">
+                <a:effectLst/>
+                <a:latin typeface="ElsevierSans"/>
+                <a:hlinkClick r:id="rId4" tooltip="Persistent link using digital object identifier"/>
+              </a:rPr>
+              <a:t>10.1016/j.jes.2021.09.032</a:t>
+            </a:r>
+            <a:endParaRPr lang="en-GB" sz="1200" dirty="0"/>
+          </a:p>
+        </p:txBody>
+      </p:sp>
+    </p:spTree>
+    <p:extLst>
+      <p:ext uri="{BB962C8B-B14F-4D97-AF65-F5344CB8AC3E}">
+        <p14:creationId xmlns:p14="http://schemas.microsoft.com/office/powerpoint/2010/main" val="4193115856"/>
+      </p:ext>
+    </p:extLst>
+  </p:cSld>
+  <p:clrMapOvr>
+    <a:masterClrMapping/>
+  </p:clrMapOvr>
+</p:sld>
+</file>
+
+<file path=ppt/slides/slide6.xml><?xml version="1.0" encoding="utf-8"?>
 <p:sld xmlns:a="http://schemas.openxmlformats.org/drawingml/2006/main" xmlns:r="http://schemas.openxmlformats.org/officeDocument/2006/relationships" xmlns:p="http://schemas.openxmlformats.org/presentationml/2006/main">
   <p:cSld>
     <p:spTree>
@@ -18951,7 +19349,7 @@
           <p:nvPr>
             <p:extLst>
               <p:ext uri="{D42A27DB-BD31-4B8C-83A1-F6EECF244321}">
-                <p14:modId xmlns:p14="http://schemas.microsoft.com/office/powerpoint/2010/main" val="2618701962"/>
+                <p14:modId xmlns:p14="http://schemas.microsoft.com/office/powerpoint/2010/main" val="336615946"/>
               </p:ext>
             </p:extLst>
           </p:nvPr>
@@ -20184,7 +20582,7 @@
                         <a:defRPr/>
                       </a:pPr>
                       <a:r>
-                        <a:rPr lang="en-GB" sz="1400" dirty="0">
+                        <a:rPr lang="en-GB" sz="1200" dirty="0">
                           <a:solidFill>
                             <a:sysClr val="windowText" lastClr="000000"/>
                           </a:solidFill>
@@ -21093,7 +21491,7 @@
                     <a:lstStyle/>
                     <a:p>
                       <a:r>
-                        <a:rPr lang="en-GB" sz="1600" dirty="0"/>
+                        <a:rPr lang="en-GB" sz="1200" dirty="0"/>
                         <a:t>Y</a:t>
                       </a:r>
                     </a:p>
@@ -21612,7 +22010,7 @@
                     <a:lstStyle/>
                     <a:p>
                       <a:r>
-                        <a:rPr lang="en-GB" sz="1600" dirty="0"/>
+                        <a:rPr lang="en-GB" sz="1200" dirty="0"/>
                         <a:t>Y</a:t>
                       </a:r>
                     </a:p>
@@ -22131,7 +22529,7 @@
                     <a:lstStyle/>
                     <a:p>
                       <a:r>
-                        <a:rPr lang="en-GB" sz="1600" dirty="0"/>
+                        <a:rPr lang="en-GB" sz="1200" dirty="0"/>
                         <a:t>Y</a:t>
                       </a:r>
                     </a:p>
@@ -22650,7 +23048,7 @@
                     <a:lstStyle/>
                     <a:p>
                       <a:r>
-                        <a:rPr lang="en-GB" sz="1600" dirty="0"/>
+                        <a:rPr lang="en-GB" sz="1200" dirty="0"/>
                         <a:t>Y</a:t>
                       </a:r>
                     </a:p>
@@ -22759,7 +23157,7 @@
                     <a:lstStyle/>
                     <a:p>
                       <a:r>
-                        <a:rPr lang="en-GB" sz="1200">
+                        <a:rPr lang="en-GB" sz="1200" dirty="0">
                           <a:effectLst/>
                         </a:rPr>
                         <a:t>0.5428273</a:t>
@@ -22832,7 +23230,124 @@
 </p:sld>
 </file>
 
-<file path=ppt/slides/slide6.xml><?xml version="1.0" encoding="utf-8"?>
+<file path=ppt/slides/slide7.xml><?xml version="1.0" encoding="utf-8"?>
+<p:sld xmlns:a="http://schemas.openxmlformats.org/drawingml/2006/main" xmlns:r="http://schemas.openxmlformats.org/officeDocument/2006/relationships" xmlns:p="http://schemas.openxmlformats.org/presentationml/2006/main">
+  <p:cSld>
+    <p:spTree>
+      <p:nvGrpSpPr>
+        <p:cNvPr id="1" name=""/>
+        <p:cNvGrpSpPr/>
+        <p:nvPr/>
+      </p:nvGrpSpPr>
+      <p:grpSpPr>
+        <a:xfrm>
+          <a:off x="0" y="0"/>
+          <a:ext cx="0" cy="0"/>
+          <a:chOff x="0" y="0"/>
+          <a:chExt cx="0" cy="0"/>
+        </a:xfrm>
+      </p:grpSpPr>
+      <p:sp>
+        <p:nvSpPr>
+          <p:cNvPr id="2" name="Title 1">
+            <a:extLst>
+              <a:ext uri="{FF2B5EF4-FFF2-40B4-BE49-F238E27FC236}">
+                <a16:creationId xmlns:a16="http://schemas.microsoft.com/office/drawing/2014/main" id="{A772D00D-0292-346E-667A-5FC47C38B8C3}"/>
+              </a:ext>
+            </a:extLst>
+          </p:cNvPr>
+          <p:cNvSpPr>
+            <a:spLocks noGrp="1"/>
+          </p:cNvSpPr>
+          <p:nvPr>
+            <p:ph type="title"/>
+          </p:nvPr>
+        </p:nvSpPr>
+        <p:spPr/>
+        <p:txBody>
+          <a:bodyPr/>
+          <a:lstStyle/>
+          <a:p>
+            <a:endParaRPr lang="en-GB"/>
+          </a:p>
+        </p:txBody>
+      </p:sp>
+      <p:pic>
+        <p:nvPicPr>
+          <p:cNvPr id="6" name="Content Placeholder 5">
+            <a:extLst>
+              <a:ext uri="{FF2B5EF4-FFF2-40B4-BE49-F238E27FC236}">
+                <a16:creationId xmlns:a16="http://schemas.microsoft.com/office/drawing/2014/main" id="{AD2A0211-A7B4-3292-1FE4-BAC321ADB51F}"/>
+              </a:ext>
+            </a:extLst>
+          </p:cNvPr>
+          <p:cNvPicPr>
+            <a:picLocks noGrp="1" noChangeAspect="1"/>
+          </p:cNvPicPr>
+          <p:nvPr>
+            <p:ph idx="1"/>
+          </p:nvPr>
+        </p:nvPicPr>
+        <p:blipFill>
+          <a:blip r:embed="rId2"/>
+          <a:stretch>
+            <a:fillRect/>
+          </a:stretch>
+        </p:blipFill>
+        <p:spPr>
+          <a:xfrm>
+            <a:off x="-1" y="0"/>
+            <a:ext cx="8502869" cy="6807460"/>
+          </a:xfrm>
+          <a:prstGeom prst="rect">
+            <a:avLst/>
+          </a:prstGeom>
+        </p:spPr>
+      </p:pic>
+      <p:pic>
+        <p:nvPicPr>
+          <p:cNvPr id="5" name="Picture 4">
+            <a:extLst>
+              <a:ext uri="{FF2B5EF4-FFF2-40B4-BE49-F238E27FC236}">
+                <a16:creationId xmlns:a16="http://schemas.microsoft.com/office/drawing/2014/main" id="{BD0F95A5-4228-B18D-83CF-FC203EF9F158}"/>
+              </a:ext>
+            </a:extLst>
+          </p:cNvPr>
+          <p:cNvPicPr>
+            <a:picLocks noChangeAspect="1"/>
+          </p:cNvPicPr>
+          <p:nvPr/>
+        </p:nvPicPr>
+        <p:blipFill>
+          <a:blip r:embed="rId3"/>
+          <a:stretch>
+            <a:fillRect/>
+          </a:stretch>
+        </p:blipFill>
+        <p:spPr>
+          <a:xfrm>
+            <a:off x="6996083" y="681037"/>
+            <a:ext cx="5115639" cy="1800476"/>
+          </a:xfrm>
+          <a:prstGeom prst="rect">
+            <a:avLst/>
+          </a:prstGeom>
+        </p:spPr>
+      </p:pic>
+    </p:spTree>
+    <p:extLst>
+      <p:ext uri="{BB962C8B-B14F-4D97-AF65-F5344CB8AC3E}">
+        <p14:creationId xmlns:p14="http://schemas.microsoft.com/office/powerpoint/2010/main" val="2924926291"/>
+      </p:ext>
+    </p:extLst>
+  </p:cSld>
+  <p:clrMapOvr>
+    <a:masterClrMapping/>
+  </p:clrMapOvr>
+</p:sld>
+</file>
+
+<file path=ppt/slides/slide8.xml><?xml version="1.0" encoding="utf-8"?>
 <p:sld xmlns:a="http://schemas.openxmlformats.org/drawingml/2006/main" xmlns:r="http://schemas.openxmlformats.org/officeDocument/2006/relationships" xmlns:p="http://schemas.openxmlformats.org/presentationml/2006/main">
   <p:cSld>
     <p:spTree>
@@ -22942,7 +23457,7 @@
 </p:sld>
 </file>
 
-<file path=ppt/slides/slide7.xml><?xml version="1.0" encoding="utf-8"?>
+<file path=ppt/slides/slide9.xml><?xml version="1.0" encoding="utf-8"?>
 <p:sld xmlns:a="http://schemas.openxmlformats.org/drawingml/2006/main" xmlns:r="http://schemas.openxmlformats.org/officeDocument/2006/relationships" xmlns:p="http://schemas.openxmlformats.org/presentationml/2006/main">
   <p:cSld>
     <p:spTree>
@@ -23043,226 +23558,6 @@
     <p:extLst>
       <p:ext uri="{BB962C8B-B14F-4D97-AF65-F5344CB8AC3E}">
         <p14:creationId xmlns:p14="http://schemas.microsoft.com/office/powerpoint/2010/main" val="1099288153"/>
-      </p:ext>
-    </p:extLst>
-  </p:cSld>
-  <p:clrMapOvr>
-    <a:masterClrMapping/>
-  </p:clrMapOvr>
-</p:sld>
-</file>
-
-<file path=ppt/slides/slide8.xml><?xml version="1.0" encoding="utf-8"?>
-<p:sld xmlns:a="http://schemas.openxmlformats.org/drawingml/2006/main" xmlns:r="http://schemas.openxmlformats.org/officeDocument/2006/relationships" xmlns:p="http://schemas.openxmlformats.org/presentationml/2006/main">
-  <p:cSld>
-    <p:spTree>
-      <p:nvGrpSpPr>
-        <p:cNvPr id="1" name=""/>
-        <p:cNvGrpSpPr/>
-        <p:nvPr/>
-      </p:nvGrpSpPr>
-      <p:grpSpPr>
-        <a:xfrm>
-          <a:off x="0" y="0"/>
-          <a:ext cx="0" cy="0"/>
-          <a:chOff x="0" y="0"/>
-          <a:chExt cx="0" cy="0"/>
-        </a:xfrm>
-      </p:grpSpPr>
-      <p:sp>
-        <p:nvSpPr>
-          <p:cNvPr id="2" name="Title 1">
-            <a:extLst>
-              <a:ext uri="{FF2B5EF4-FFF2-40B4-BE49-F238E27FC236}">
-                <a16:creationId xmlns:a16="http://schemas.microsoft.com/office/drawing/2014/main" id="{ED092845-2229-0B25-84AB-395CB98A88DF}"/>
-              </a:ext>
-            </a:extLst>
-          </p:cNvPr>
-          <p:cNvSpPr>
-            <a:spLocks noGrp="1"/>
-          </p:cNvSpPr>
-          <p:nvPr>
-            <p:ph type="title"/>
-          </p:nvPr>
-        </p:nvSpPr>
-        <p:spPr/>
-        <p:txBody>
-          <a:bodyPr/>
-          <a:lstStyle/>
-          <a:p>
-            <a:endParaRPr lang="en-GB"/>
-          </a:p>
-        </p:txBody>
-      </p:sp>
-      <p:sp>
-        <p:nvSpPr>
-          <p:cNvPr id="3" name="Content Placeholder 2">
-            <a:extLst>
-              <a:ext uri="{FF2B5EF4-FFF2-40B4-BE49-F238E27FC236}">
-                <a16:creationId xmlns:a16="http://schemas.microsoft.com/office/drawing/2014/main" id="{A32E82B0-8E61-7152-5162-F2077A6D64B6}"/>
-              </a:ext>
-            </a:extLst>
-          </p:cNvPr>
-          <p:cNvSpPr>
-            <a:spLocks noGrp="1"/>
-          </p:cNvSpPr>
-          <p:nvPr>
-            <p:ph idx="1"/>
-          </p:nvPr>
-        </p:nvSpPr>
-        <p:spPr/>
-        <p:txBody>
-          <a:bodyPr/>
-          <a:lstStyle/>
-          <a:p>
-            <a:endParaRPr lang="en-GB"/>
-          </a:p>
-        </p:txBody>
-      </p:sp>
-      <p:pic>
-        <p:nvPicPr>
-          <p:cNvPr id="7" name="Picture 6">
-            <a:extLst>
-              <a:ext uri="{FF2B5EF4-FFF2-40B4-BE49-F238E27FC236}">
-                <a16:creationId xmlns:a16="http://schemas.microsoft.com/office/drawing/2014/main" id="{176CF69D-6931-07C9-ACE1-701816D99C87}"/>
-              </a:ext>
-            </a:extLst>
-          </p:cNvPr>
-          <p:cNvPicPr>
-            <a:picLocks noChangeAspect="1"/>
-          </p:cNvPicPr>
-          <p:nvPr/>
-        </p:nvPicPr>
-        <p:blipFill>
-          <a:blip r:embed="rId2"/>
-          <a:stretch>
-            <a:fillRect/>
-          </a:stretch>
-        </p:blipFill>
-        <p:spPr>
-          <a:xfrm>
-            <a:off x="1764174" y="0"/>
-            <a:ext cx="8663651" cy="6858000"/>
-          </a:xfrm>
-          <a:prstGeom prst="rect">
-            <a:avLst/>
-          </a:prstGeom>
-        </p:spPr>
-      </p:pic>
-    </p:spTree>
-    <p:extLst>
-      <p:ext uri="{BB962C8B-B14F-4D97-AF65-F5344CB8AC3E}">
-        <p14:creationId xmlns:p14="http://schemas.microsoft.com/office/powerpoint/2010/main" val="2840726318"/>
-      </p:ext>
-    </p:extLst>
-  </p:cSld>
-  <p:clrMapOvr>
-    <a:masterClrMapping/>
-  </p:clrMapOvr>
-</p:sld>
-</file>
-
-<file path=ppt/slides/slide9.xml><?xml version="1.0" encoding="utf-8"?>
-<p:sld xmlns:a="http://schemas.openxmlformats.org/drawingml/2006/main" xmlns:r="http://schemas.openxmlformats.org/officeDocument/2006/relationships" xmlns:p="http://schemas.openxmlformats.org/presentationml/2006/main">
-  <p:cSld>
-    <p:spTree>
-      <p:nvGrpSpPr>
-        <p:cNvPr id="1" name=""/>
-        <p:cNvGrpSpPr/>
-        <p:nvPr/>
-      </p:nvGrpSpPr>
-      <p:grpSpPr>
-        <a:xfrm>
-          <a:off x="0" y="0"/>
-          <a:ext cx="0" cy="0"/>
-          <a:chOff x="0" y="0"/>
-          <a:chExt cx="0" cy="0"/>
-        </a:xfrm>
-      </p:grpSpPr>
-      <p:sp>
-        <p:nvSpPr>
-          <p:cNvPr id="2" name="Title 1">
-            <a:extLst>
-              <a:ext uri="{FF2B5EF4-FFF2-40B4-BE49-F238E27FC236}">
-                <a16:creationId xmlns:a16="http://schemas.microsoft.com/office/drawing/2014/main" id="{A2EA658C-2368-A4B6-15E4-5FA9A774FEAD}"/>
-              </a:ext>
-            </a:extLst>
-          </p:cNvPr>
-          <p:cNvSpPr>
-            <a:spLocks noGrp="1"/>
-          </p:cNvSpPr>
-          <p:nvPr>
-            <p:ph type="title"/>
-          </p:nvPr>
-        </p:nvSpPr>
-        <p:spPr/>
-        <p:txBody>
-          <a:bodyPr/>
-          <a:lstStyle/>
-          <a:p>
-            <a:endParaRPr lang="en-GB"/>
-          </a:p>
-        </p:txBody>
-      </p:sp>
-      <p:sp>
-        <p:nvSpPr>
-          <p:cNvPr id="3" name="Content Placeholder 2">
-            <a:extLst>
-              <a:ext uri="{FF2B5EF4-FFF2-40B4-BE49-F238E27FC236}">
-                <a16:creationId xmlns:a16="http://schemas.microsoft.com/office/drawing/2014/main" id="{E5A1D9DE-5493-CAAC-CA58-22CEFF4A99E9}"/>
-              </a:ext>
-            </a:extLst>
-          </p:cNvPr>
-          <p:cNvSpPr>
-            <a:spLocks noGrp="1"/>
-          </p:cNvSpPr>
-          <p:nvPr>
-            <p:ph idx="1"/>
-          </p:nvPr>
-        </p:nvSpPr>
-        <p:spPr/>
-        <p:txBody>
-          <a:bodyPr/>
-          <a:lstStyle/>
-          <a:p>
-            <a:endParaRPr lang="en-GB" dirty="0"/>
-          </a:p>
-        </p:txBody>
-      </p:sp>
-      <p:pic>
-        <p:nvPicPr>
-          <p:cNvPr id="5" name="Picture 4">
-            <a:extLst>
-              <a:ext uri="{FF2B5EF4-FFF2-40B4-BE49-F238E27FC236}">
-                <a16:creationId xmlns:a16="http://schemas.microsoft.com/office/drawing/2014/main" id="{9E6D8B62-3D4A-BF2E-30EC-83C2ACD5183C}"/>
-              </a:ext>
-            </a:extLst>
-          </p:cNvPr>
-          <p:cNvPicPr>
-            <a:picLocks noChangeAspect="1"/>
-          </p:cNvPicPr>
-          <p:nvPr/>
-        </p:nvPicPr>
-        <p:blipFill>
-          <a:blip r:embed="rId2"/>
-          <a:stretch>
-            <a:fillRect/>
-          </a:stretch>
-        </p:blipFill>
-        <p:spPr>
-          <a:xfrm>
-            <a:off x="0" y="246944"/>
-            <a:ext cx="12192000" cy="6364111"/>
-          </a:xfrm>
-          <a:prstGeom prst="rect">
-            <a:avLst/>
-          </a:prstGeom>
-        </p:spPr>
-      </p:pic>
-    </p:spTree>
-    <p:extLst>
-      <p:ext uri="{BB962C8B-B14F-4D97-AF65-F5344CB8AC3E}">
-        <p14:creationId xmlns:p14="http://schemas.microsoft.com/office/powerpoint/2010/main" val="401978217"/>
       </p:ext>
     </p:extLst>
   </p:cSld>

--- a/output/24.3.pptx
+++ b/output/24.3.pptx
@@ -5,7 +5,7 @@
     <p:sldMasterId id="2147483648" r:id="rId1"/>
   </p:sldMasterIdLst>
   <p:notesMasterIdLst>
-    <p:notesMasterId r:id="rId41"/>
+    <p:notesMasterId r:id="rId42"/>
   </p:notesMasterIdLst>
   <p:sldIdLst>
     <p:sldId id="259" r:id="rId2"/>
@@ -30,23 +30,24 @@
     <p:sldId id="311" r:id="rId21"/>
     <p:sldId id="312" r:id="rId22"/>
     <p:sldId id="315" r:id="rId23"/>
-    <p:sldId id="281" r:id="rId24"/>
-    <p:sldId id="282" r:id="rId25"/>
-    <p:sldId id="284" r:id="rId26"/>
-    <p:sldId id="286" r:id="rId27"/>
-    <p:sldId id="288" r:id="rId28"/>
-    <p:sldId id="290" r:id="rId29"/>
-    <p:sldId id="295" r:id="rId30"/>
-    <p:sldId id="292" r:id="rId31"/>
-    <p:sldId id="296" r:id="rId32"/>
-    <p:sldId id="316" r:id="rId33"/>
-    <p:sldId id="317" r:id="rId34"/>
-    <p:sldId id="318" r:id="rId35"/>
-    <p:sldId id="319" r:id="rId36"/>
-    <p:sldId id="320" r:id="rId37"/>
-    <p:sldId id="321" r:id="rId38"/>
-    <p:sldId id="322" r:id="rId39"/>
-    <p:sldId id="323" r:id="rId40"/>
+    <p:sldId id="324" r:id="rId24"/>
+    <p:sldId id="281" r:id="rId25"/>
+    <p:sldId id="282" r:id="rId26"/>
+    <p:sldId id="284" r:id="rId27"/>
+    <p:sldId id="286" r:id="rId28"/>
+    <p:sldId id="288" r:id="rId29"/>
+    <p:sldId id="290" r:id="rId30"/>
+    <p:sldId id="295" r:id="rId31"/>
+    <p:sldId id="292" r:id="rId32"/>
+    <p:sldId id="296" r:id="rId33"/>
+    <p:sldId id="316" r:id="rId34"/>
+    <p:sldId id="317" r:id="rId35"/>
+    <p:sldId id="318" r:id="rId36"/>
+    <p:sldId id="319" r:id="rId37"/>
+    <p:sldId id="320" r:id="rId38"/>
+    <p:sldId id="321" r:id="rId39"/>
+    <p:sldId id="322" r:id="rId40"/>
+    <p:sldId id="323" r:id="rId41"/>
   </p:sldIdLst>
   <p:sldSz cx="12192000" cy="6858000"/>
   <p:notesSz cx="6858000" cy="9144000"/>
@@ -12408,12 +12409,28 @@
             <p:ph idx="1"/>
           </p:nvPr>
         </p:nvSpPr>
-        <p:spPr/>
+        <p:spPr>
+          <a:xfrm>
+            <a:off x="838200" y="6039139"/>
+            <a:ext cx="10515600" cy="661066"/>
+          </a:xfrm>
+        </p:spPr>
         <p:txBody>
-          <a:bodyPr/>
+          <a:bodyPr>
+            <a:normAutofit fontScale="62500" lnSpcReduction="20000"/>
+          </a:bodyPr>
           <a:lstStyle/>
           <a:p>
-            <a:endParaRPr lang="en-GB" dirty="0"/>
+            <a:r>
+              <a:rPr lang="en-GB" dirty="0"/>
+              <a:t>Keep 1, 3, 4,5 7a, 8a, 9a </a:t>
+            </a:r>
+          </a:p>
+          <a:p>
+            <a:r>
+              <a:rPr lang="en-GB" dirty="0"/>
+              <a:t>Report AIC, R2, estimate + std error + significance  </a:t>
+            </a:r>
           </a:p>
         </p:txBody>
       </p:sp>
@@ -12432,13 +12449,13 @@
           <p:nvPr>
             <p:extLst>
               <p:ext uri="{D42A27DB-BD31-4B8C-83A1-F6EECF244321}">
-                <p14:modId xmlns:p14="http://schemas.microsoft.com/office/powerpoint/2010/main" val="666300522"/>
+                <p14:modId xmlns:p14="http://schemas.microsoft.com/office/powerpoint/2010/main" val="441650114"/>
               </p:ext>
             </p:extLst>
           </p:nvPr>
         </p:nvGraphicFramePr>
         <p:xfrm>
-          <a:off x="106681" y="134476"/>
+          <a:off x="141831" y="34592"/>
           <a:ext cx="11908337" cy="6004547"/>
         </p:xfrm>
         <a:graphic>
@@ -19170,6 +19187,114 @@
           <p:cNvPr id="2" name="Title 1">
             <a:extLst>
               <a:ext uri="{FF2B5EF4-FFF2-40B4-BE49-F238E27FC236}">
+                <a16:creationId xmlns:a16="http://schemas.microsoft.com/office/drawing/2014/main" id="{72F4D8AB-9D2A-4F3B-27BF-312A50978811}"/>
+              </a:ext>
+            </a:extLst>
+          </p:cNvPr>
+          <p:cNvSpPr>
+            <a:spLocks noGrp="1"/>
+          </p:cNvSpPr>
+          <p:nvPr>
+            <p:ph type="title"/>
+          </p:nvPr>
+        </p:nvSpPr>
+        <p:spPr/>
+        <p:txBody>
+          <a:bodyPr/>
+          <a:lstStyle/>
+          <a:p>
+            <a:endParaRPr lang="en-GB"/>
+          </a:p>
+        </p:txBody>
+      </p:sp>
+      <p:sp>
+        <p:nvSpPr>
+          <p:cNvPr id="3" name="Content Placeholder 2">
+            <a:extLst>
+              <a:ext uri="{FF2B5EF4-FFF2-40B4-BE49-F238E27FC236}">
+                <a16:creationId xmlns:a16="http://schemas.microsoft.com/office/drawing/2014/main" id="{A19ECB9C-504E-9B53-FE43-DBBC48090F71}"/>
+              </a:ext>
+            </a:extLst>
+          </p:cNvPr>
+          <p:cNvSpPr>
+            <a:spLocks noGrp="1"/>
+          </p:cNvSpPr>
+          <p:nvPr>
+            <p:ph idx="1"/>
+          </p:nvPr>
+        </p:nvSpPr>
+        <p:spPr/>
+        <p:txBody>
+          <a:bodyPr/>
+          <a:lstStyle/>
+          <a:p>
+            <a:r>
+              <a:rPr lang="en-GB" dirty="0"/>
+              <a:t>PCA? </a:t>
+            </a:r>
+            <a:r>
+              <a:rPr lang="en-GB" dirty="0" err="1"/>
+              <a:t>Nvm</a:t>
+            </a:r>
+            <a:r>
+              <a:rPr lang="en-GB" dirty="0"/>
+              <a:t> </a:t>
+            </a:r>
+          </a:p>
+          <a:p>
+            <a:r>
+              <a:rPr lang="en-GB" dirty="0" err="1"/>
+              <a:t>Nmds</a:t>
+            </a:r>
+            <a:r>
+              <a:rPr lang="en-GB" dirty="0"/>
+              <a:t> – visualisation – plotting </a:t>
+            </a:r>
+          </a:p>
+          <a:p>
+            <a:pPr lvl="1"/>
+            <a:r>
+              <a:rPr lang="en-GB" dirty="0"/>
+              <a:t>Seasons and communities only </a:t>
+            </a:r>
+          </a:p>
+        </p:txBody>
+      </p:sp>
+    </p:spTree>
+    <p:extLst>
+      <p:ext uri="{BB962C8B-B14F-4D97-AF65-F5344CB8AC3E}">
+        <p14:creationId xmlns:p14="http://schemas.microsoft.com/office/powerpoint/2010/main" val="1934858189"/>
+      </p:ext>
+    </p:extLst>
+  </p:cSld>
+  <p:clrMapOvr>
+    <a:masterClrMapping/>
+  </p:clrMapOvr>
+</p:sld>
+</file>
+
+<file path=ppt/slides/slide24.xml><?xml version="1.0" encoding="utf-8"?>
+<p:sld xmlns:a="http://schemas.openxmlformats.org/drawingml/2006/main" xmlns:r="http://schemas.openxmlformats.org/officeDocument/2006/relationships" xmlns:p="http://schemas.openxmlformats.org/presentationml/2006/main">
+  <p:cSld>
+    <p:spTree>
+      <p:nvGrpSpPr>
+        <p:cNvPr id="1" name=""/>
+        <p:cNvGrpSpPr/>
+        <p:nvPr/>
+      </p:nvGrpSpPr>
+      <p:grpSpPr>
+        <a:xfrm>
+          <a:off x="0" y="0"/>
+          <a:ext cx="0" cy="0"/>
+          <a:chOff x="0" y="0"/>
+          <a:chExt cx="0" cy="0"/>
+        </a:xfrm>
+      </p:grpSpPr>
+      <p:sp>
+        <p:nvSpPr>
+          <p:cNvPr id="2" name="Title 1">
+            <a:extLst>
+              <a:ext uri="{FF2B5EF4-FFF2-40B4-BE49-F238E27FC236}">
                 <a16:creationId xmlns:a16="http://schemas.microsoft.com/office/drawing/2014/main" id="{C377F028-067A-2EE3-8260-9EF4496F09DA}"/>
               </a:ext>
             </a:extLst>
@@ -19211,7 +19336,9 @@
         </p:nvSpPr>
         <p:spPr/>
         <p:txBody>
-          <a:bodyPr/>
+          <a:bodyPr>
+            <a:normAutofit fontScale="92500"/>
+          </a:bodyPr>
           <a:lstStyle/>
           <a:p>
             <a:pPr>
@@ -19239,6 +19366,26 @@
             <a:r>
               <a:rPr lang="en-GB" dirty="0"/>
               <a:t> a bit confused</a:t>
+            </a:r>
+          </a:p>
+          <a:p>
+            <a:pPr lvl="1">
+              <a:buFontTx/>
+              <a:buChar char="-"/>
+            </a:pPr>
+            <a:r>
+              <a:rPr lang="en-GB" dirty="0"/>
+              <a:t>Tukey HSD </a:t>
+            </a:r>
+          </a:p>
+          <a:p>
+            <a:pPr lvl="1">
+              <a:buFontTx/>
+              <a:buChar char="-"/>
+            </a:pPr>
+            <a:r>
+              <a:rPr lang="en-GB" dirty="0"/>
+              <a:t>A, b, c according to which are the same group</a:t>
             </a:r>
           </a:p>
           <a:p>
@@ -19282,6 +19429,40 @@
               <a:buFontTx/>
               <a:buChar char="-"/>
             </a:pPr>
+            <a:r>
+              <a:rPr lang="en-GB" dirty="0" err="1"/>
+              <a:t>Bquote</a:t>
+            </a:r>
+            <a:r>
+              <a:rPr lang="en-GB" dirty="0"/>
+              <a:t> – superscript </a:t>
+            </a:r>
+          </a:p>
+          <a:p>
+            <a:pPr>
+              <a:buFontTx/>
+              <a:buChar char="-"/>
+            </a:pPr>
+            <a:r>
+              <a:rPr lang="en-GB" dirty="0"/>
+              <a:t>Try to remove the boxes </a:t>
+            </a:r>
+          </a:p>
+          <a:p>
+            <a:pPr>
+              <a:buFontTx/>
+              <a:buChar char="-"/>
+            </a:pPr>
+            <a:r>
+              <a:rPr lang="en-GB" dirty="0"/>
+              <a:t>Colour blind </a:t>
+            </a:r>
+          </a:p>
+          <a:p>
+            <a:pPr>
+              <a:buFontTx/>
+              <a:buChar char="-"/>
+            </a:pPr>
             <a:endParaRPr lang="en-GB" dirty="0"/>
           </a:p>
         </p:txBody>
@@ -19299,7 +19480,7 @@
 </p:sld>
 </file>
 
-<file path=ppt/slides/slide24.xml><?xml version="1.0" encoding="utf-8"?>
+<file path=ppt/slides/slide25.xml><?xml version="1.0" encoding="utf-8"?>
 <p:sld xmlns:a="http://schemas.openxmlformats.org/drawingml/2006/main" xmlns:r="http://schemas.openxmlformats.org/officeDocument/2006/relationships" xmlns:p="http://schemas.openxmlformats.org/presentationml/2006/main">
   <p:cSld>
     <p:spTree>
@@ -19365,7 +19546,7 @@
 </p:sld>
 </file>
 
-<file path=ppt/slides/slide25.xml><?xml version="1.0" encoding="utf-8"?>
+<file path=ppt/slides/slide26.xml><?xml version="1.0" encoding="utf-8"?>
 <p:sld xmlns:a="http://schemas.openxmlformats.org/drawingml/2006/main" xmlns:r="http://schemas.openxmlformats.org/officeDocument/2006/relationships" xmlns:p="http://schemas.openxmlformats.org/presentationml/2006/main">
   <p:cSld>
     <p:spTree>
@@ -19475,7 +19656,7 @@
 </p:sld>
 </file>
 
-<file path=ppt/slides/slide26.xml><?xml version="1.0" encoding="utf-8"?>
+<file path=ppt/slides/slide27.xml><?xml version="1.0" encoding="utf-8"?>
 <p:sld xmlns:a="http://schemas.openxmlformats.org/drawingml/2006/main" xmlns:r="http://schemas.openxmlformats.org/officeDocument/2006/relationships" xmlns:p="http://schemas.openxmlformats.org/presentationml/2006/main">
   <p:cSld>
     <p:spTree>
@@ -19585,7 +19766,7 @@
 </p:sld>
 </file>
 
-<file path=ppt/slides/slide27.xml><?xml version="1.0" encoding="utf-8"?>
+<file path=ppt/slides/slide28.xml><?xml version="1.0" encoding="utf-8"?>
 <p:sld xmlns:a="http://schemas.openxmlformats.org/drawingml/2006/main" xmlns:r="http://schemas.openxmlformats.org/officeDocument/2006/relationships" xmlns:p="http://schemas.openxmlformats.org/presentationml/2006/main">
   <p:cSld>
     <p:spTree>
@@ -19695,7 +19876,7 @@
 </p:sld>
 </file>
 
-<file path=ppt/slides/slide28.xml><?xml version="1.0" encoding="utf-8"?>
+<file path=ppt/slides/slide29.xml><?xml version="1.0" encoding="utf-8"?>
 <p:sld xmlns:a="http://schemas.openxmlformats.org/drawingml/2006/main" xmlns:r="http://schemas.openxmlformats.org/officeDocument/2006/relationships" xmlns:p="http://schemas.openxmlformats.org/presentationml/2006/main">
   <p:cSld>
     <p:spTree>
@@ -19796,101 +19977,6 @@
     <p:extLst>
       <p:ext uri="{BB962C8B-B14F-4D97-AF65-F5344CB8AC3E}">
         <p14:creationId xmlns:p14="http://schemas.microsoft.com/office/powerpoint/2010/main" val="1404879493"/>
-      </p:ext>
-    </p:extLst>
-  </p:cSld>
-  <p:clrMapOvr>
-    <a:masterClrMapping/>
-  </p:clrMapOvr>
-</p:sld>
-</file>
-
-<file path=ppt/slides/slide29.xml><?xml version="1.0" encoding="utf-8"?>
-<p:sld xmlns:a="http://schemas.openxmlformats.org/drawingml/2006/main" xmlns:r="http://schemas.openxmlformats.org/officeDocument/2006/relationships" xmlns:p="http://schemas.openxmlformats.org/presentationml/2006/main">
-  <p:cSld>
-    <p:spTree>
-      <p:nvGrpSpPr>
-        <p:cNvPr id="1" name=""/>
-        <p:cNvGrpSpPr/>
-        <p:nvPr/>
-      </p:nvGrpSpPr>
-      <p:grpSpPr>
-        <a:xfrm>
-          <a:off x="0" y="0"/>
-          <a:ext cx="0" cy="0"/>
-          <a:chOff x="0" y="0"/>
-          <a:chExt cx="0" cy="0"/>
-        </a:xfrm>
-      </p:grpSpPr>
-      <p:sp>
-        <p:nvSpPr>
-          <p:cNvPr id="2" name="Title 1">
-            <a:extLst>
-              <a:ext uri="{FF2B5EF4-FFF2-40B4-BE49-F238E27FC236}">
-                <a16:creationId xmlns:a16="http://schemas.microsoft.com/office/drawing/2014/main" id="{7B679335-7CD6-DA78-5D81-A59D9BB7E2EF}"/>
-              </a:ext>
-            </a:extLst>
-          </p:cNvPr>
-          <p:cNvSpPr>
-            <a:spLocks noGrp="1"/>
-          </p:cNvSpPr>
-          <p:nvPr>
-            <p:ph type="title"/>
-          </p:nvPr>
-        </p:nvSpPr>
-        <p:spPr/>
-        <p:txBody>
-          <a:bodyPr/>
-          <a:lstStyle/>
-          <a:p>
-            <a:r>
-              <a:rPr lang="en-GB" dirty="0"/>
-              <a:t>Seasonal Daphnia Trends</a:t>
-            </a:r>
-          </a:p>
-        </p:txBody>
-      </p:sp>
-      <p:sp>
-        <p:nvSpPr>
-          <p:cNvPr id="3" name="Content Placeholder 2">
-            <a:extLst>
-              <a:ext uri="{FF2B5EF4-FFF2-40B4-BE49-F238E27FC236}">
-                <a16:creationId xmlns:a16="http://schemas.microsoft.com/office/drawing/2014/main" id="{0F9D5721-0DF4-134D-AD4F-715BE76F5835}"/>
-              </a:ext>
-            </a:extLst>
-          </p:cNvPr>
-          <p:cNvSpPr>
-            <a:spLocks noGrp="1"/>
-          </p:cNvSpPr>
-          <p:nvPr>
-            <p:ph idx="1"/>
-          </p:nvPr>
-        </p:nvSpPr>
-        <p:spPr/>
-        <p:txBody>
-          <a:bodyPr/>
-          <a:lstStyle/>
-          <a:p>
-            <a:r>
-              <a:rPr lang="en-GB" dirty="0"/>
-              <a:t>Question about Logging the y-axis – I just cant do it LOL </a:t>
-            </a:r>
-          </a:p>
-          <a:p>
-            <a:r>
-              <a:rPr lang="en-GB" dirty="0"/>
-              <a:t>Question about the 1:1 line – because the difference in range of values is so high – do I log the value?</a:t>
-            </a:r>
-          </a:p>
-          <a:p>
-            <a:endParaRPr lang="en-GB" dirty="0"/>
-          </a:p>
-        </p:txBody>
-      </p:sp>
-    </p:spTree>
-    <p:extLst>
-      <p:ext uri="{BB962C8B-B14F-4D97-AF65-F5344CB8AC3E}">
-        <p14:creationId xmlns:p14="http://schemas.microsoft.com/office/powerpoint/2010/main" val="1422982540"/>
       </p:ext>
     </p:extLst>
   </p:cSld>
@@ -25022,6 +25108,124 @@
           <p:cNvPr id="2" name="Title 1">
             <a:extLst>
               <a:ext uri="{FF2B5EF4-FFF2-40B4-BE49-F238E27FC236}">
+                <a16:creationId xmlns:a16="http://schemas.microsoft.com/office/drawing/2014/main" id="{7B679335-7CD6-DA78-5D81-A59D9BB7E2EF}"/>
+              </a:ext>
+            </a:extLst>
+          </p:cNvPr>
+          <p:cNvSpPr>
+            <a:spLocks noGrp="1"/>
+          </p:cNvSpPr>
+          <p:nvPr>
+            <p:ph type="title"/>
+          </p:nvPr>
+        </p:nvSpPr>
+        <p:spPr/>
+        <p:txBody>
+          <a:bodyPr/>
+          <a:lstStyle/>
+          <a:p>
+            <a:r>
+              <a:rPr lang="en-GB" dirty="0"/>
+              <a:t>Seasonal Daphnia Trends</a:t>
+            </a:r>
+          </a:p>
+        </p:txBody>
+      </p:sp>
+      <p:sp>
+        <p:nvSpPr>
+          <p:cNvPr id="3" name="Content Placeholder 2">
+            <a:extLst>
+              <a:ext uri="{FF2B5EF4-FFF2-40B4-BE49-F238E27FC236}">
+                <a16:creationId xmlns:a16="http://schemas.microsoft.com/office/drawing/2014/main" id="{0F9D5721-0DF4-134D-AD4F-715BE76F5835}"/>
+              </a:ext>
+            </a:extLst>
+          </p:cNvPr>
+          <p:cNvSpPr>
+            <a:spLocks noGrp="1"/>
+          </p:cNvSpPr>
+          <p:nvPr>
+            <p:ph idx="1"/>
+          </p:nvPr>
+        </p:nvSpPr>
+        <p:spPr/>
+        <p:txBody>
+          <a:bodyPr/>
+          <a:lstStyle/>
+          <a:p>
+            <a:r>
+              <a:rPr lang="en-GB" dirty="0"/>
+              <a:t>Question about Logging the y-axis – I just cant do it LOL </a:t>
+            </a:r>
+          </a:p>
+          <a:p>
+            <a:r>
+              <a:rPr lang="en-GB" dirty="0"/>
+              <a:t>Question about the 1:1 line – scale the gradient to the range </a:t>
+            </a:r>
+          </a:p>
+          <a:p>
+            <a:r>
+              <a:rPr lang="en-GB" dirty="0"/>
+              <a:t>Try to e to x10</a:t>
+            </a:r>
+            <a:r>
+              <a:rPr lang="en-GB" baseline="30000" dirty="0"/>
+              <a:t>x</a:t>
+            </a:r>
+            <a:endParaRPr lang="en-GB" dirty="0"/>
+          </a:p>
+          <a:p>
+            <a:r>
+              <a:rPr lang="en-GB" dirty="0"/>
+              <a:t>Remove the middle y axis</a:t>
+            </a:r>
+          </a:p>
+          <a:p>
+            <a:r>
+              <a:rPr lang="en-GB" dirty="0"/>
+              <a:t>Copy and paste the legends </a:t>
+            </a:r>
+          </a:p>
+          <a:p>
+            <a:endParaRPr lang="en-GB" dirty="0"/>
+          </a:p>
+        </p:txBody>
+      </p:sp>
+    </p:spTree>
+    <p:extLst>
+      <p:ext uri="{BB962C8B-B14F-4D97-AF65-F5344CB8AC3E}">
+        <p14:creationId xmlns:p14="http://schemas.microsoft.com/office/powerpoint/2010/main" val="1422982540"/>
+      </p:ext>
+    </p:extLst>
+  </p:cSld>
+  <p:clrMapOvr>
+    <a:masterClrMapping/>
+  </p:clrMapOvr>
+</p:sld>
+</file>
+
+<file path=ppt/slides/slide31.xml><?xml version="1.0" encoding="utf-8"?>
+<p:sld xmlns:a="http://schemas.openxmlformats.org/drawingml/2006/main" xmlns:r="http://schemas.openxmlformats.org/officeDocument/2006/relationships" xmlns:p="http://schemas.openxmlformats.org/presentationml/2006/main">
+  <p:cSld>
+    <p:spTree>
+      <p:nvGrpSpPr>
+        <p:cNvPr id="1" name=""/>
+        <p:cNvGrpSpPr/>
+        <p:nvPr/>
+      </p:nvGrpSpPr>
+      <p:grpSpPr>
+        <a:xfrm>
+          <a:off x="0" y="0"/>
+          <a:ext cx="0" cy="0"/>
+          <a:chOff x="0" y="0"/>
+          <a:chExt cx="0" cy="0"/>
+        </a:xfrm>
+      </p:grpSpPr>
+      <p:sp>
+        <p:nvSpPr>
+          <p:cNvPr id="2" name="Title 1">
+            <a:extLst>
+              <a:ext uri="{FF2B5EF4-FFF2-40B4-BE49-F238E27FC236}">
                 <a16:creationId xmlns:a16="http://schemas.microsoft.com/office/drawing/2014/main" id="{F97812AD-DAAF-1099-2AAE-899FFD0B0202}"/>
               </a:ext>
             </a:extLst>
@@ -25090,7 +25294,7 @@
 </p:sld>
 </file>
 
-<file path=ppt/slides/slide31.xml><?xml version="1.0" encoding="utf-8"?>
+<file path=ppt/slides/slide32.xml><?xml version="1.0" encoding="utf-8"?>
 <p:sld xmlns:a="http://schemas.openxmlformats.org/drawingml/2006/main" xmlns:r="http://schemas.openxmlformats.org/officeDocument/2006/relationships" xmlns:p="http://schemas.openxmlformats.org/presentationml/2006/main">
   <p:cSld>
     <p:spTree>
@@ -25180,7 +25384,7 @@
 </p:sld>
 </file>
 
-<file path=ppt/slides/slide32.xml><?xml version="1.0" encoding="utf-8"?>
+<file path=ppt/slides/slide33.xml><?xml version="1.0" encoding="utf-8"?>
 <p:sld xmlns:a="http://schemas.openxmlformats.org/drawingml/2006/main" xmlns:r="http://schemas.openxmlformats.org/officeDocument/2006/relationships" xmlns:p="http://schemas.openxmlformats.org/presentationml/2006/main">
   <p:cSld>
     <p:spTree>
@@ -25263,7 +25467,7 @@
 </p:sld>
 </file>
 
-<file path=ppt/slides/slide33.xml><?xml version="1.0" encoding="utf-8"?>
+<file path=ppt/slides/slide34.xml><?xml version="1.0" encoding="utf-8"?>
 <p:sld xmlns:a="http://schemas.openxmlformats.org/drawingml/2006/main" xmlns:r="http://schemas.openxmlformats.org/officeDocument/2006/relationships" xmlns:p="http://schemas.openxmlformats.org/presentationml/2006/main">
   <p:cSld>
     <p:spTree>
@@ -25533,7 +25737,7 @@
 </p:sld>
 </file>
 
-<file path=ppt/slides/slide34.xml><?xml version="1.0" encoding="utf-8"?>
+<file path=ppt/slides/slide35.xml><?xml version="1.0" encoding="utf-8"?>
 <p:sld xmlns:a="http://schemas.openxmlformats.org/drawingml/2006/main" xmlns:r="http://schemas.openxmlformats.org/officeDocument/2006/relationships" xmlns:p="http://schemas.openxmlformats.org/presentationml/2006/main">
   <p:cSld>
     <p:spTree>
@@ -25677,7 +25881,7 @@
 </p:sld>
 </file>
 
-<file path=ppt/slides/slide35.xml><?xml version="1.0" encoding="utf-8"?>
+<file path=ppt/slides/slide36.xml><?xml version="1.0" encoding="utf-8"?>
 <p:sld xmlns:a="http://schemas.openxmlformats.org/drawingml/2006/main" xmlns:r="http://schemas.openxmlformats.org/officeDocument/2006/relationships" xmlns:p="http://schemas.openxmlformats.org/presentationml/2006/main">
   <p:cSld>
     <p:spTree>
@@ -25787,7 +25991,7 @@
 </p:sld>
 </file>
 
-<file path=ppt/slides/slide36.xml><?xml version="1.0" encoding="utf-8"?>
+<file path=ppt/slides/slide37.xml><?xml version="1.0" encoding="utf-8"?>
 <p:sld xmlns:a="http://schemas.openxmlformats.org/drawingml/2006/main" xmlns:r="http://schemas.openxmlformats.org/officeDocument/2006/relationships" xmlns:p="http://schemas.openxmlformats.org/presentationml/2006/main">
   <p:cSld>
     <p:spTree>
@@ -25898,6 +26102,60 @@
           </a:prstGeom>
         </p:spPr>
       </p:pic>
+      <p:sp>
+        <p:nvSpPr>
+          <p:cNvPr id="14" name="Title 1">
+            <a:extLst>
+              <a:ext uri="{FF2B5EF4-FFF2-40B4-BE49-F238E27FC236}">
+                <a16:creationId xmlns:a16="http://schemas.microsoft.com/office/drawing/2014/main" id="{A6C7B3B4-84B3-6942-7CD5-7231A836E2CF}"/>
+              </a:ext>
+            </a:extLst>
+          </p:cNvPr>
+          <p:cNvSpPr txBox="1">
+            <a:spLocks/>
+          </p:cNvSpPr>
+          <p:nvPr/>
+        </p:nvSpPr>
+        <p:spPr>
+          <a:xfrm>
+            <a:off x="838200" y="2799735"/>
+            <a:ext cx="8197645" cy="629265"/>
+          </a:xfrm>
+          <a:prstGeom prst="rect">
+            <a:avLst/>
+          </a:prstGeom>
+        </p:spPr>
+        <p:txBody>
+          <a:bodyPr vert="horz" lIns="91440" tIns="45720" rIns="91440" bIns="45720" rtlCol="0" anchor="ctr">
+            <a:normAutofit fontScale="97500"/>
+          </a:bodyPr>
+          <a:lstStyle>
+            <a:lvl1pPr algn="l" defTabSz="914400" rtl="0" eaLnBrk="1" latinLnBrk="0" hangingPunct="1">
+              <a:lnSpc>
+                <a:spcPct val="90000"/>
+              </a:lnSpc>
+              <a:spcBef>
+                <a:spcPct val="0"/>
+              </a:spcBef>
+              <a:buNone/>
+              <a:defRPr sz="4400" kern="1200">
+                <a:solidFill>
+                  <a:schemeClr val="tx1"/>
+                </a:solidFill>
+                <a:latin typeface="+mj-lt"/>
+                <a:ea typeface="+mj-ea"/>
+                <a:cs typeface="+mj-cs"/>
+              </a:defRPr>
+            </a:lvl1pPr>
+          </a:lstStyle>
+          <a:p>
+            <a:r>
+              <a:rPr lang="en-GB" sz="2400" dirty="0"/>
+              <a:t>R2 - Pearsons row </a:t>
+            </a:r>
+          </a:p>
+        </p:txBody>
+      </p:sp>
     </p:spTree>
     <p:extLst>
       <p:ext uri="{BB962C8B-B14F-4D97-AF65-F5344CB8AC3E}">
@@ -25911,7 +26169,7 @@
 </p:sld>
 </file>
 
-<file path=ppt/slides/slide37.xml><?xml version="1.0" encoding="utf-8"?>
+<file path=ppt/slides/slide38.xml><?xml version="1.0" encoding="utf-8"?>
 <p:sld xmlns:a="http://schemas.openxmlformats.org/drawingml/2006/main" xmlns:r="http://schemas.openxmlformats.org/officeDocument/2006/relationships" xmlns:p="http://schemas.openxmlformats.org/presentationml/2006/main">
   <p:cSld>
     <p:spTree>
@@ -26055,7 +26313,7 @@
 </p:sld>
 </file>
 
-<file path=ppt/slides/slide38.xml><?xml version="1.0" encoding="utf-8"?>
+<file path=ppt/slides/slide39.xml><?xml version="1.0" encoding="utf-8"?>
 <p:sld xmlns:a="http://schemas.openxmlformats.org/drawingml/2006/main" xmlns:r="http://schemas.openxmlformats.org/officeDocument/2006/relationships" xmlns:p="http://schemas.openxmlformats.org/presentationml/2006/main">
   <p:cSld>
     <p:spTree>
@@ -26253,146 +26511,6 @@
 </p:sld>
 </file>
 
-<file path=ppt/slides/slide39.xml><?xml version="1.0" encoding="utf-8"?>
-<p:sld xmlns:a="http://schemas.openxmlformats.org/drawingml/2006/main" xmlns:r="http://schemas.openxmlformats.org/officeDocument/2006/relationships" xmlns:p="http://schemas.openxmlformats.org/presentationml/2006/main">
-  <p:cSld>
-    <p:spTree>
-      <p:nvGrpSpPr>
-        <p:cNvPr id="1" name=""/>
-        <p:cNvGrpSpPr/>
-        <p:nvPr/>
-      </p:nvGrpSpPr>
-      <p:grpSpPr>
-        <a:xfrm>
-          <a:off x="0" y="0"/>
-          <a:ext cx="0" cy="0"/>
-          <a:chOff x="0" y="0"/>
-          <a:chExt cx="0" cy="0"/>
-        </a:xfrm>
-      </p:grpSpPr>
-      <p:sp>
-        <p:nvSpPr>
-          <p:cNvPr id="2" name="Title 1">
-            <a:extLst>
-              <a:ext uri="{FF2B5EF4-FFF2-40B4-BE49-F238E27FC236}">
-                <a16:creationId xmlns:a16="http://schemas.microsoft.com/office/drawing/2014/main" id="{AAD12D3A-A4C0-ED74-B29F-DB6B7447D439}"/>
-              </a:ext>
-            </a:extLst>
-          </p:cNvPr>
-          <p:cNvSpPr>
-            <a:spLocks noGrp="1"/>
-          </p:cNvSpPr>
-          <p:nvPr>
-            <p:ph type="title"/>
-          </p:nvPr>
-        </p:nvSpPr>
-        <p:spPr/>
-        <p:txBody>
-          <a:bodyPr/>
-          <a:lstStyle/>
-          <a:p>
-            <a:endParaRPr lang="en-GB"/>
-          </a:p>
-        </p:txBody>
-      </p:sp>
-      <p:sp>
-        <p:nvSpPr>
-          <p:cNvPr id="3" name="Content Placeholder 2">
-            <a:extLst>
-              <a:ext uri="{FF2B5EF4-FFF2-40B4-BE49-F238E27FC236}">
-                <a16:creationId xmlns:a16="http://schemas.microsoft.com/office/drawing/2014/main" id="{886CF5DA-A3A4-AF79-E174-46B2329FF548}"/>
-              </a:ext>
-            </a:extLst>
-          </p:cNvPr>
-          <p:cNvSpPr>
-            <a:spLocks noGrp="1"/>
-          </p:cNvSpPr>
-          <p:nvPr>
-            <p:ph idx="1"/>
-          </p:nvPr>
-        </p:nvSpPr>
-        <p:spPr/>
-        <p:txBody>
-          <a:bodyPr/>
-          <a:lstStyle/>
-          <a:p>
-            <a:endParaRPr lang="en-GB"/>
-          </a:p>
-        </p:txBody>
-      </p:sp>
-      <p:pic>
-        <p:nvPicPr>
-          <p:cNvPr id="5" name="Picture 4">
-            <a:extLst>
-              <a:ext uri="{FF2B5EF4-FFF2-40B4-BE49-F238E27FC236}">
-                <a16:creationId xmlns:a16="http://schemas.microsoft.com/office/drawing/2014/main" id="{F8D42A09-FF7F-1114-3FF2-553B70E9C77A}"/>
-              </a:ext>
-            </a:extLst>
-          </p:cNvPr>
-          <p:cNvPicPr>
-            <a:picLocks noChangeAspect="1"/>
-          </p:cNvPicPr>
-          <p:nvPr/>
-        </p:nvPicPr>
-        <p:blipFill>
-          <a:blip r:embed="rId2"/>
-          <a:stretch>
-            <a:fillRect/>
-          </a:stretch>
-        </p:blipFill>
-        <p:spPr>
-          <a:xfrm>
-            <a:off x="0" y="308924"/>
-            <a:ext cx="12192000" cy="6240151"/>
-          </a:xfrm>
-          <a:prstGeom prst="rect">
-            <a:avLst/>
-          </a:prstGeom>
-        </p:spPr>
-      </p:pic>
-      <p:pic>
-        <p:nvPicPr>
-          <p:cNvPr id="10" name="Picture 9">
-            <a:extLst>
-              <a:ext uri="{FF2B5EF4-FFF2-40B4-BE49-F238E27FC236}">
-                <a16:creationId xmlns:a16="http://schemas.microsoft.com/office/drawing/2014/main" id="{7FF79DD6-D360-D663-209F-59EAE84076ED}"/>
-              </a:ext>
-            </a:extLst>
-          </p:cNvPr>
-          <p:cNvPicPr>
-            <a:picLocks noChangeAspect="1"/>
-          </p:cNvPicPr>
-          <p:nvPr/>
-        </p:nvPicPr>
-        <p:blipFill>
-          <a:blip r:embed="rId3"/>
-          <a:stretch>
-            <a:fillRect/>
-          </a:stretch>
-        </p:blipFill>
-        <p:spPr>
-          <a:xfrm>
-            <a:off x="7698658" y="201481"/>
-            <a:ext cx="4288321" cy="704053"/>
-          </a:xfrm>
-          <a:prstGeom prst="rect">
-            <a:avLst/>
-          </a:prstGeom>
-        </p:spPr>
-      </p:pic>
-    </p:spTree>
-    <p:extLst>
-      <p:ext uri="{BB962C8B-B14F-4D97-AF65-F5344CB8AC3E}">
-        <p14:creationId xmlns:p14="http://schemas.microsoft.com/office/powerpoint/2010/main" val="1939344988"/>
-      </p:ext>
-    </p:extLst>
-  </p:cSld>
-  <p:clrMapOvr>
-    <a:masterClrMapping/>
-  </p:clrMapOvr>
-</p:sld>
-</file>
-
 <file path=ppt/slides/slide4.xml><?xml version="1.0" encoding="utf-8"?>
 <p:sld xmlns:a="http://schemas.openxmlformats.org/drawingml/2006/main" xmlns:r="http://schemas.openxmlformats.org/officeDocument/2006/relationships" xmlns:p="http://schemas.openxmlformats.org/presentationml/2006/main">
   <p:cSld>
@@ -31063,6 +31181,146 @@
     <p:extLst>
       <p:ext uri="{BB962C8B-B14F-4D97-AF65-F5344CB8AC3E}">
         <p14:creationId xmlns:p14="http://schemas.microsoft.com/office/powerpoint/2010/main" val="1817230708"/>
+      </p:ext>
+    </p:extLst>
+  </p:cSld>
+  <p:clrMapOvr>
+    <a:masterClrMapping/>
+  </p:clrMapOvr>
+</p:sld>
+</file>
+
+<file path=ppt/slides/slide40.xml><?xml version="1.0" encoding="utf-8"?>
+<p:sld xmlns:a="http://schemas.openxmlformats.org/drawingml/2006/main" xmlns:r="http://schemas.openxmlformats.org/officeDocument/2006/relationships" xmlns:p="http://schemas.openxmlformats.org/presentationml/2006/main">
+  <p:cSld>
+    <p:spTree>
+      <p:nvGrpSpPr>
+        <p:cNvPr id="1" name=""/>
+        <p:cNvGrpSpPr/>
+        <p:nvPr/>
+      </p:nvGrpSpPr>
+      <p:grpSpPr>
+        <a:xfrm>
+          <a:off x="0" y="0"/>
+          <a:ext cx="0" cy="0"/>
+          <a:chOff x="0" y="0"/>
+          <a:chExt cx="0" cy="0"/>
+        </a:xfrm>
+      </p:grpSpPr>
+      <p:sp>
+        <p:nvSpPr>
+          <p:cNvPr id="2" name="Title 1">
+            <a:extLst>
+              <a:ext uri="{FF2B5EF4-FFF2-40B4-BE49-F238E27FC236}">
+                <a16:creationId xmlns:a16="http://schemas.microsoft.com/office/drawing/2014/main" id="{AAD12D3A-A4C0-ED74-B29F-DB6B7447D439}"/>
+              </a:ext>
+            </a:extLst>
+          </p:cNvPr>
+          <p:cNvSpPr>
+            <a:spLocks noGrp="1"/>
+          </p:cNvSpPr>
+          <p:nvPr>
+            <p:ph type="title"/>
+          </p:nvPr>
+        </p:nvSpPr>
+        <p:spPr/>
+        <p:txBody>
+          <a:bodyPr/>
+          <a:lstStyle/>
+          <a:p>
+            <a:endParaRPr lang="en-GB"/>
+          </a:p>
+        </p:txBody>
+      </p:sp>
+      <p:sp>
+        <p:nvSpPr>
+          <p:cNvPr id="3" name="Content Placeholder 2">
+            <a:extLst>
+              <a:ext uri="{FF2B5EF4-FFF2-40B4-BE49-F238E27FC236}">
+                <a16:creationId xmlns:a16="http://schemas.microsoft.com/office/drawing/2014/main" id="{886CF5DA-A3A4-AF79-E174-46B2329FF548}"/>
+              </a:ext>
+            </a:extLst>
+          </p:cNvPr>
+          <p:cNvSpPr>
+            <a:spLocks noGrp="1"/>
+          </p:cNvSpPr>
+          <p:nvPr>
+            <p:ph idx="1"/>
+          </p:nvPr>
+        </p:nvSpPr>
+        <p:spPr/>
+        <p:txBody>
+          <a:bodyPr/>
+          <a:lstStyle/>
+          <a:p>
+            <a:endParaRPr lang="en-GB"/>
+          </a:p>
+        </p:txBody>
+      </p:sp>
+      <p:pic>
+        <p:nvPicPr>
+          <p:cNvPr id="5" name="Picture 4">
+            <a:extLst>
+              <a:ext uri="{FF2B5EF4-FFF2-40B4-BE49-F238E27FC236}">
+                <a16:creationId xmlns:a16="http://schemas.microsoft.com/office/drawing/2014/main" id="{F8D42A09-FF7F-1114-3FF2-553B70E9C77A}"/>
+              </a:ext>
+            </a:extLst>
+          </p:cNvPr>
+          <p:cNvPicPr>
+            <a:picLocks noChangeAspect="1"/>
+          </p:cNvPicPr>
+          <p:nvPr/>
+        </p:nvPicPr>
+        <p:blipFill>
+          <a:blip r:embed="rId2"/>
+          <a:stretch>
+            <a:fillRect/>
+          </a:stretch>
+        </p:blipFill>
+        <p:spPr>
+          <a:xfrm>
+            <a:off x="0" y="308924"/>
+            <a:ext cx="12192000" cy="6240151"/>
+          </a:xfrm>
+          <a:prstGeom prst="rect">
+            <a:avLst/>
+          </a:prstGeom>
+        </p:spPr>
+      </p:pic>
+      <p:pic>
+        <p:nvPicPr>
+          <p:cNvPr id="10" name="Picture 9">
+            <a:extLst>
+              <a:ext uri="{FF2B5EF4-FFF2-40B4-BE49-F238E27FC236}">
+                <a16:creationId xmlns:a16="http://schemas.microsoft.com/office/drawing/2014/main" id="{7FF79DD6-D360-D663-209F-59EAE84076ED}"/>
+              </a:ext>
+            </a:extLst>
+          </p:cNvPr>
+          <p:cNvPicPr>
+            <a:picLocks noChangeAspect="1"/>
+          </p:cNvPicPr>
+          <p:nvPr/>
+        </p:nvPicPr>
+        <p:blipFill>
+          <a:blip r:embed="rId3"/>
+          <a:stretch>
+            <a:fillRect/>
+          </a:stretch>
+        </p:blipFill>
+        <p:spPr>
+          <a:xfrm>
+            <a:off x="7698658" y="201481"/>
+            <a:ext cx="4288321" cy="704053"/>
+          </a:xfrm>
+          <a:prstGeom prst="rect">
+            <a:avLst/>
+          </a:prstGeom>
+        </p:spPr>
+      </p:pic>
+    </p:spTree>
+    <p:extLst>
+      <p:ext uri="{BB962C8B-B14F-4D97-AF65-F5344CB8AC3E}">
+        <p14:creationId xmlns:p14="http://schemas.microsoft.com/office/powerpoint/2010/main" val="1939344988"/>
       </p:ext>
     </p:extLst>
   </p:cSld>
